--- a/Vendor_Boards/Great_Cow_Basic_Demo_Board/16F17556_chiprange_demonstrations/tutorials/GCBASIC_Part15_Interrupt.pptx
+++ b/Vendor_Boards/Great_Cow_Basic_Demo_Board/16F17556_chiprange_demonstrations/tutorials/GCBASIC_Part15_Interrupt.pptx
@@ -5,30 +5,31 @@
     <p:sldMasterId id="2147483660" r:id="rId1"/>
   </p:sldMasterIdLst>
   <p:notesMasterIdLst>
-    <p:notesMasterId r:id="rId20"/>
+    <p:notesMasterId r:id="rId21"/>
   </p:notesMasterIdLst>
   <p:handoutMasterIdLst>
-    <p:handoutMasterId r:id="rId21"/>
+    <p:handoutMasterId r:id="rId22"/>
   </p:handoutMasterIdLst>
   <p:sldIdLst>
     <p:sldId id="294" r:id="rId2"/>
     <p:sldId id="256" r:id="rId3"/>
     <p:sldId id="295" r:id="rId4"/>
-    <p:sldId id="283" r:id="rId5"/>
+    <p:sldId id="360" r:id="rId5"/>
     <p:sldId id="296" r:id="rId6"/>
     <p:sldId id="282" r:id="rId7"/>
-    <p:sldId id="291" r:id="rId8"/>
-    <p:sldId id="350" r:id="rId9"/>
-    <p:sldId id="348" r:id="rId10"/>
-    <p:sldId id="354" r:id="rId11"/>
-    <p:sldId id="355" r:id="rId12"/>
-    <p:sldId id="356" r:id="rId13"/>
-    <p:sldId id="357" r:id="rId14"/>
-    <p:sldId id="358" r:id="rId15"/>
-    <p:sldId id="359" r:id="rId16"/>
-    <p:sldId id="288" r:id="rId17"/>
-    <p:sldId id="353" r:id="rId18"/>
-    <p:sldId id="352" r:id="rId19"/>
+    <p:sldId id="361" r:id="rId8"/>
+    <p:sldId id="362" r:id="rId9"/>
+    <p:sldId id="354" r:id="rId10"/>
+    <p:sldId id="364" r:id="rId11"/>
+    <p:sldId id="363" r:id="rId12"/>
+    <p:sldId id="355" r:id="rId13"/>
+    <p:sldId id="356" r:id="rId14"/>
+    <p:sldId id="357" r:id="rId15"/>
+    <p:sldId id="358" r:id="rId16"/>
+    <p:sldId id="359" r:id="rId17"/>
+    <p:sldId id="288" r:id="rId18"/>
+    <p:sldId id="353" r:id="rId19"/>
+    <p:sldId id="352" r:id="rId20"/>
   </p:sldIdLst>
   <p:sldSz cx="9144000" cy="5143500" type="screen16x9"/>
   <p:notesSz cx="6858000" cy="9144000"/>
@@ -127,6 +128,36 @@
       </a:defRPr>
     </a:lvl9pPr>
   </p:defaultTextStyle>
+  <p:extLst>
+    <p:ext uri="{EFAFB233-063F-42B5-8137-9DF3F51BA10A}">
+      <p15:sldGuideLst xmlns:p15="http://schemas.microsoft.com/office/powerpoint/2012/main" xmlns="">
+        <p15:guide id="1" orient="horz" pos="1620">
+          <p15:clr>
+            <a:srgbClr val="A4A3A4"/>
+          </p15:clr>
+        </p15:guide>
+        <p15:guide id="2" pos="2880">
+          <p15:clr>
+            <a:srgbClr val="A4A3A4"/>
+          </p15:clr>
+        </p15:guide>
+      </p15:sldGuideLst>
+    </p:ext>
+    <p:ext uri="{2D200454-40CA-4A62-9FC3-DE9A4176ACB9}">
+      <p15:notesGuideLst xmlns:p15="http://schemas.microsoft.com/office/powerpoint/2012/main" xmlns="">
+        <p15:guide id="1" orient="horz" pos="2880">
+          <p15:clr>
+            <a:srgbClr val="A4A3A4"/>
+          </p15:clr>
+        </p15:guide>
+        <p15:guide id="2" pos="2160">
+          <p15:clr>
+            <a:srgbClr val="A4A3A4"/>
+          </p15:clr>
+        </p15:guide>
+      </p15:notesGuideLst>
+    </p:ext>
+  </p:extLst>
 </p:presentation>
 </file>
 
@@ -213,7 +244,7 @@
             <a:fld id="{742E545A-AB39-44F0-B5A6-04A90C6C9399}" type="datetimeFigureOut">
               <a:rPr lang="en-GB" smtClean="0"/>
               <a:pPr/>
-              <a:t>12/12/2024</a:t>
+              <a:t>16/12/2025</a:t>
             </a:fld>
             <a:endParaRPr lang="en-GB" dirty="0"/>
           </a:p>
@@ -380,7 +411,7 @@
             <a:fld id="{FF100B3C-2E11-428B-8555-A77018253716}" type="datetimeFigureOut">
               <a:rPr lang="en-GB" smtClean="0"/>
               <a:pPr/>
-              <a:t>12/12/2024</a:t>
+              <a:t>16/12/2025</a:t>
             </a:fld>
             <a:endParaRPr lang="en-GB" dirty="0"/>
           </a:p>
@@ -446,35 +477,35 @@
           <a:p>
             <a:pPr lvl="0"/>
             <a:r>
-              <a:rPr lang="en-US" smtClean="0"/>
+              <a:rPr lang="en-US"/>
               <a:t>Click to edit Master text styles</a:t>
             </a:r>
           </a:p>
           <a:p>
             <a:pPr lvl="1"/>
             <a:r>
-              <a:rPr lang="en-US" smtClean="0"/>
+              <a:rPr lang="en-US"/>
               <a:t>Second level</a:t>
             </a:r>
           </a:p>
           <a:p>
             <a:pPr lvl="2"/>
             <a:r>
-              <a:rPr lang="en-US" smtClean="0"/>
+              <a:rPr lang="en-US"/>
               <a:t>Third level</a:t>
             </a:r>
           </a:p>
           <a:p>
             <a:pPr lvl="3"/>
             <a:r>
-              <a:rPr lang="en-US" smtClean="0"/>
+              <a:rPr lang="en-US"/>
               <a:t>Fourth level</a:t>
             </a:r>
           </a:p>
           <a:p>
             <a:pPr lvl="4"/>
             <a:r>
-              <a:rPr lang="en-US" smtClean="0"/>
+              <a:rPr lang="en-US"/>
               <a:t>Fifth level</a:t>
             </a:r>
             <a:endParaRPr lang="en-GB"/>
@@ -758,7 +789,7 @@
           <p:cNvPr id="7" name="Rectangle 6">
             <a:extLst>
               <a:ext uri="{FF2B5EF4-FFF2-40B4-BE49-F238E27FC236}">
-                <a16:creationId xmlns="" xmlns:a16="http://schemas.microsoft.com/office/drawing/2014/main" id="{9C757326-0232-4CDF-81FF-302CA676961B}"/>
+                <a16:creationId xmlns:a16="http://schemas.microsoft.com/office/drawing/2014/main" xmlns="" id="{9C757326-0232-4CDF-81FF-302CA676961B}"/>
               </a:ext>
             </a:extLst>
           </p:cNvPr>
@@ -810,7 +841,7 @@
           <p:cNvPr id="8" name="Picture 7">
             <a:extLst>
               <a:ext uri="{FF2B5EF4-FFF2-40B4-BE49-F238E27FC236}">
-                <a16:creationId xmlns="" xmlns:a16="http://schemas.microsoft.com/office/drawing/2014/main" id="{4987E008-68E6-4A43-85BC-1A6ACDF91DE1}"/>
+                <a16:creationId xmlns:a16="http://schemas.microsoft.com/office/drawing/2014/main" xmlns="" id="{4987E008-68E6-4A43-85BC-1A6ACDF91DE1}"/>
               </a:ext>
             </a:extLst>
           </p:cNvPr>
@@ -839,7 +870,7 @@
           <p:cNvPr id="11" name="Picture 10">
             <a:extLst>
               <a:ext uri="{FF2B5EF4-FFF2-40B4-BE49-F238E27FC236}">
-                <a16:creationId xmlns="" xmlns:a16="http://schemas.microsoft.com/office/drawing/2014/main" id="{A1F8C892-C868-4DF6-91AB-B18CE632B10F}"/>
+                <a16:creationId xmlns:a16="http://schemas.microsoft.com/office/drawing/2014/main" xmlns="" id="{A1F8C892-C868-4DF6-91AB-B18CE632B10F}"/>
               </a:ext>
             </a:extLst>
           </p:cNvPr>
@@ -1025,7 +1056,7 @@
           <p:cNvPr id="12" name="Text Placeholder 2">
             <a:extLst>
               <a:ext uri="{FF2B5EF4-FFF2-40B4-BE49-F238E27FC236}">
-                <a16:creationId xmlns="" xmlns:a16="http://schemas.microsoft.com/office/drawing/2014/main" id="{D547E580-E6D6-4D97-BB04-05795A830147}"/>
+                <a16:creationId xmlns:a16="http://schemas.microsoft.com/office/drawing/2014/main" xmlns="" id="{D547E580-E6D6-4D97-BB04-05795A830147}"/>
               </a:ext>
             </a:extLst>
           </p:cNvPr>
@@ -1178,7 +1209,7 @@
           <p:cNvPr id="9" name="Picture 8">
             <a:extLst>
               <a:ext uri="{FF2B5EF4-FFF2-40B4-BE49-F238E27FC236}">
-                <a16:creationId xmlns="" xmlns:a16="http://schemas.microsoft.com/office/drawing/2014/main" id="{7CE2C968-D10A-4226-8FDC-CBC4C7EDD0B7}"/>
+                <a16:creationId xmlns:a16="http://schemas.microsoft.com/office/drawing/2014/main" xmlns="" id="{7CE2C968-D10A-4226-8FDC-CBC4C7EDD0B7}"/>
               </a:ext>
             </a:extLst>
           </p:cNvPr>
@@ -1229,7 +1260,7 @@
           </a:lstStyle>
           <a:p>
             <a:r>
-              <a:rPr lang="en-US" smtClean="0"/>
+              <a:rPr lang="en-US"/>
               <a:t>Click to edit Master title style</a:t>
             </a:r>
             <a:endParaRPr lang="en-US" dirty="0"/>
@@ -1260,35 +1291,35 @@
           <a:p>
             <a:pPr lvl="0"/>
             <a:r>
-              <a:rPr lang="en-US" smtClean="0"/>
+              <a:rPr lang="en-US"/>
               <a:t>Click to edit Master text styles</a:t>
             </a:r>
           </a:p>
           <a:p>
             <a:pPr lvl="1"/>
             <a:r>
-              <a:rPr lang="en-US" smtClean="0"/>
+              <a:rPr lang="en-US"/>
               <a:t>Second level</a:t>
             </a:r>
           </a:p>
           <a:p>
             <a:pPr lvl="2"/>
             <a:r>
-              <a:rPr lang="en-US" smtClean="0"/>
+              <a:rPr lang="en-US"/>
               <a:t>Third level</a:t>
             </a:r>
           </a:p>
           <a:p>
             <a:pPr lvl="3"/>
             <a:r>
-              <a:rPr lang="en-US" smtClean="0"/>
+              <a:rPr lang="en-US"/>
               <a:t>Fourth level</a:t>
             </a:r>
           </a:p>
           <a:p>
             <a:pPr lvl="4"/>
             <a:r>
-              <a:rPr lang="en-US" smtClean="0"/>
+              <a:rPr lang="en-US"/>
               <a:t>Fifth level</a:t>
             </a:r>
             <a:endParaRPr lang="en-US" dirty="0"/>
@@ -1356,7 +1387,7 @@
           <a:p>
             <a:pPr lvl="0"/>
             <a:r>
-              <a:rPr lang="en-US" smtClean="0"/>
+              <a:rPr lang="en-US"/>
               <a:t>Click to edit Master text styles</a:t>
             </a:r>
           </a:p>
@@ -1380,7 +1411,7 @@
             <a:fld id="{C473AACB-D821-4991-9D88-46EB8D29E619}" type="datetimeFigureOut">
               <a:rPr lang="en-GB" smtClean="0"/>
               <a:pPr/>
-              <a:t>12/12/2024</a:t>
+              <a:t>16/12/2025</a:t>
             </a:fld>
             <a:endParaRPr lang="en-GB" dirty="0"/>
           </a:p>
@@ -1464,7 +1495,7 @@
           <p:cNvPr id="9" name="Picture 8">
             <a:extLst>
               <a:ext uri="{FF2B5EF4-FFF2-40B4-BE49-F238E27FC236}">
-                <a16:creationId xmlns="" xmlns:a16="http://schemas.microsoft.com/office/drawing/2014/main" id="{6AB5D66D-00C1-40EA-BFC8-305566F10369}"/>
+                <a16:creationId xmlns:a16="http://schemas.microsoft.com/office/drawing/2014/main" xmlns="" id="{6AB5D66D-00C1-40EA-BFC8-305566F10369}"/>
               </a:ext>
             </a:extLst>
           </p:cNvPr>
@@ -1515,7 +1546,7 @@
           </a:lstStyle>
           <a:p>
             <a:r>
-              <a:rPr lang="en-US" smtClean="0"/>
+              <a:rPr lang="en-US"/>
               <a:t>Click to edit Master title style</a:t>
             </a:r>
             <a:endParaRPr lang="en-US" dirty="0"/>
@@ -1582,10 +1613,9 @@
           </a:lstStyle>
           <a:p>
             <a:r>
-              <a:rPr lang="en-US" dirty="0" smtClean="0"/>
+              <a:rPr lang="en-US" dirty="0"/>
               <a:t>Click icon to add picture</a:t>
             </a:r>
-            <a:endParaRPr lang="en-US" dirty="0"/>
           </a:p>
         </p:txBody>
       </p:sp>
@@ -1650,7 +1680,7 @@
           <a:p>
             <a:pPr lvl="0"/>
             <a:r>
-              <a:rPr lang="en-US" smtClean="0"/>
+              <a:rPr lang="en-US"/>
               <a:t>Click to edit Master text styles</a:t>
             </a:r>
           </a:p>
@@ -1674,7 +1704,7 @@
             <a:fld id="{C473AACB-D821-4991-9D88-46EB8D29E619}" type="datetimeFigureOut">
               <a:rPr lang="en-GB" smtClean="0"/>
               <a:pPr/>
-              <a:t>12/12/2024</a:t>
+              <a:t>16/12/2025</a:t>
             </a:fld>
             <a:endParaRPr lang="en-GB" dirty="0"/>
           </a:p>
@@ -1780,7 +1810,7 @@
           </a:lstStyle>
           <a:p>
             <a:r>
-              <a:rPr lang="en-US" smtClean="0"/>
+              <a:rPr lang="en-US"/>
               <a:t>Click to edit Master title style</a:t>
             </a:r>
             <a:endParaRPr lang="en-US" dirty="0"/>
@@ -1903,7 +1933,7 @@
           <a:p>
             <a:pPr lvl="0"/>
             <a:r>
-              <a:rPr lang="en-US" smtClean="0"/>
+              <a:rPr lang="en-US"/>
               <a:t>Click to edit Master text styles</a:t>
             </a:r>
           </a:p>
@@ -1927,7 +1957,7 @@
             <a:fld id="{C473AACB-D821-4991-9D88-46EB8D29E619}" type="datetimeFigureOut">
               <a:rPr lang="en-GB" smtClean="0"/>
               <a:pPr/>
-              <a:t>12/12/2024</a:t>
+              <a:t>16/12/2025</a:t>
             </a:fld>
             <a:endParaRPr lang="en-GB" dirty="0"/>
           </a:p>
@@ -1981,7 +2011,7 @@
           <p:cNvPr id="8" name="Picture 7">
             <a:extLst>
               <a:ext uri="{FF2B5EF4-FFF2-40B4-BE49-F238E27FC236}">
-                <a16:creationId xmlns="" xmlns:a16="http://schemas.microsoft.com/office/drawing/2014/main" id="{AD4D4CB4-D965-4BB6-B218-086244C13BAE}"/>
+                <a16:creationId xmlns:a16="http://schemas.microsoft.com/office/drawing/2014/main" xmlns="" id="{AD4D4CB4-D965-4BB6-B218-086244C13BAE}"/>
               </a:ext>
             </a:extLst>
           </p:cNvPr>
@@ -2062,7 +2092,7 @@
           </a:lstStyle>
           <a:p>
             <a:r>
-              <a:rPr lang="en-US" smtClean="0"/>
+              <a:rPr lang="en-US"/>
               <a:t>Click to edit Master title style</a:t>
             </a:r>
             <a:endParaRPr lang="en-US" dirty="0"/>
@@ -2126,7 +2156,7 @@
           <a:p>
             <a:pPr lvl="0"/>
             <a:r>
-              <a:rPr lang="en-US" smtClean="0"/>
+              <a:rPr lang="en-US"/>
               <a:t>Click to edit Master text styles</a:t>
             </a:r>
           </a:p>
@@ -2248,7 +2278,7 @@
           <a:p>
             <a:pPr lvl="0"/>
             <a:r>
-              <a:rPr lang="en-US" smtClean="0"/>
+              <a:rPr lang="en-US"/>
               <a:t>Click to edit Master text styles</a:t>
             </a:r>
           </a:p>
@@ -2272,7 +2302,7 @@
             <a:fld id="{C473AACB-D821-4991-9D88-46EB8D29E619}" type="datetimeFigureOut">
               <a:rPr lang="en-GB" smtClean="0"/>
               <a:pPr/>
-              <a:t>12/12/2024</a:t>
+              <a:t>16/12/2025</a:t>
             </a:fld>
             <a:endParaRPr lang="en-GB" dirty="0"/>
           </a:p>
@@ -2416,7 +2446,7 @@
           <p:cNvPr id="11" name="Picture 10">
             <a:extLst>
               <a:ext uri="{FF2B5EF4-FFF2-40B4-BE49-F238E27FC236}">
-                <a16:creationId xmlns="" xmlns:a16="http://schemas.microsoft.com/office/drawing/2014/main" id="{A3B58C4E-0EF0-466C-9740-EC9F485CBD03}"/>
+                <a16:creationId xmlns:a16="http://schemas.microsoft.com/office/drawing/2014/main" xmlns="" id="{A3B58C4E-0EF0-466C-9740-EC9F485CBD03}"/>
               </a:ext>
             </a:extLst>
           </p:cNvPr>
@@ -2497,7 +2527,7 @@
           </a:lstStyle>
           <a:p>
             <a:r>
-              <a:rPr lang="en-US" smtClean="0"/>
+              <a:rPr lang="en-US"/>
               <a:t>Click to edit Master title style</a:t>
             </a:r>
             <a:endParaRPr lang="en-US" dirty="0"/>
@@ -2620,7 +2650,7 @@
           <a:p>
             <a:pPr lvl="0"/>
             <a:r>
-              <a:rPr lang="en-US" smtClean="0"/>
+              <a:rPr lang="en-US"/>
               <a:t>Click to edit Master text styles</a:t>
             </a:r>
           </a:p>
@@ -2644,7 +2674,7 @@
             <a:fld id="{C473AACB-D821-4991-9D88-46EB8D29E619}" type="datetimeFigureOut">
               <a:rPr lang="en-GB" smtClean="0"/>
               <a:pPr/>
-              <a:t>12/12/2024</a:t>
+              <a:t>16/12/2025</a:t>
             </a:fld>
             <a:endParaRPr lang="en-GB" dirty="0"/>
           </a:p>
@@ -2698,7 +2728,7 @@
           <p:cNvPr id="7" name="Picture 6">
             <a:extLst>
               <a:ext uri="{FF2B5EF4-FFF2-40B4-BE49-F238E27FC236}">
-                <a16:creationId xmlns="" xmlns:a16="http://schemas.microsoft.com/office/drawing/2014/main" id="{2D0B9223-1250-44AA-A6C3-F2013B85AEF3}"/>
+                <a16:creationId xmlns:a16="http://schemas.microsoft.com/office/drawing/2014/main" xmlns="" id="{2D0B9223-1250-44AA-A6C3-F2013B85AEF3}"/>
               </a:ext>
             </a:extLst>
           </p:cNvPr>
@@ -2780,7 +2810,7 @@
           </a:lstStyle>
           <a:p>
             <a:r>
-              <a:rPr lang="en-US" smtClean="0"/>
+              <a:rPr lang="en-US"/>
               <a:t>Click to edit Master title style</a:t>
             </a:r>
             <a:endParaRPr lang="en-US" dirty="0"/>
@@ -2844,7 +2874,7 @@
           <a:p>
             <a:pPr lvl="0"/>
             <a:r>
-              <a:rPr lang="en-US" smtClean="0"/>
+              <a:rPr lang="en-US"/>
               <a:t>Click to edit Master text styles</a:t>
             </a:r>
           </a:p>
@@ -2966,7 +2996,7 @@
           <a:p>
             <a:pPr lvl="0"/>
             <a:r>
-              <a:rPr lang="en-US" smtClean="0"/>
+              <a:rPr lang="en-US"/>
               <a:t>Click to edit Master text styles</a:t>
             </a:r>
           </a:p>
@@ -2990,7 +3020,7 @@
             <a:fld id="{C473AACB-D821-4991-9D88-46EB8D29E619}" type="datetimeFigureOut">
               <a:rPr lang="en-GB" smtClean="0"/>
               <a:pPr/>
-              <a:t>12/12/2024</a:t>
+              <a:t>16/12/2025</a:t>
             </a:fld>
             <a:endParaRPr lang="en-GB" dirty="0"/>
           </a:p>
@@ -3126,7 +3156,7 @@
           <p:cNvPr id="11" name="Picture 10">
             <a:extLst>
               <a:ext uri="{FF2B5EF4-FFF2-40B4-BE49-F238E27FC236}">
-                <a16:creationId xmlns="" xmlns:a16="http://schemas.microsoft.com/office/drawing/2014/main" id="{D49E1C7C-7E53-49A2-B2C9-52307876DB7E}"/>
+                <a16:creationId xmlns:a16="http://schemas.microsoft.com/office/drawing/2014/main" xmlns="" id="{D49E1C7C-7E53-49A2-B2C9-52307876DB7E}"/>
               </a:ext>
             </a:extLst>
           </p:cNvPr>
@@ -3207,7 +3237,7 @@
           </a:lstStyle>
           <a:p>
             <a:r>
-              <a:rPr lang="en-US" smtClean="0"/>
+              <a:rPr lang="en-US"/>
               <a:t>Click to edit Master title style</a:t>
             </a:r>
             <a:endParaRPr lang="en-US" dirty="0"/>
@@ -3268,7 +3298,7 @@
           <a:p>
             <a:pPr lvl="0"/>
             <a:r>
-              <a:rPr lang="en-US" smtClean="0"/>
+              <a:rPr lang="en-US"/>
               <a:t>Click to edit Master text styles</a:t>
             </a:r>
           </a:p>
@@ -3390,7 +3420,7 @@
           <a:p>
             <a:pPr lvl="0"/>
             <a:r>
-              <a:rPr lang="en-US" smtClean="0"/>
+              <a:rPr lang="en-US"/>
               <a:t>Click to edit Master text styles</a:t>
             </a:r>
           </a:p>
@@ -3414,7 +3444,7 @@
             <a:fld id="{C473AACB-D821-4991-9D88-46EB8D29E619}" type="datetimeFigureOut">
               <a:rPr lang="en-GB" smtClean="0"/>
               <a:pPr/>
-              <a:t>12/12/2024</a:t>
+              <a:t>16/12/2025</a:t>
             </a:fld>
             <a:endParaRPr lang="en-GB" dirty="0"/>
           </a:p>
@@ -3468,7 +3498,7 @@
           <p:cNvPr id="9" name="Picture 8">
             <a:extLst>
               <a:ext uri="{FF2B5EF4-FFF2-40B4-BE49-F238E27FC236}">
-                <a16:creationId xmlns="" xmlns:a16="http://schemas.microsoft.com/office/drawing/2014/main" id="{23082AB0-2BB5-46FE-9A17-15E1ACC06965}"/>
+                <a16:creationId xmlns:a16="http://schemas.microsoft.com/office/drawing/2014/main" xmlns="" id="{23082AB0-2BB5-46FE-9A17-15E1ACC06965}"/>
               </a:ext>
             </a:extLst>
           </p:cNvPr>
@@ -3527,7 +3557,7 @@
           <p:cNvPr id="8" name="Picture 7">
             <a:extLst>
               <a:ext uri="{FF2B5EF4-FFF2-40B4-BE49-F238E27FC236}">
-                <a16:creationId xmlns="" xmlns:a16="http://schemas.microsoft.com/office/drawing/2014/main" id="{1862E859-E5AF-4D76-9FC9-2355B24FF141}"/>
+                <a16:creationId xmlns:a16="http://schemas.microsoft.com/office/drawing/2014/main" xmlns="" id="{1862E859-E5AF-4D76-9FC9-2355B24FF141}"/>
               </a:ext>
             </a:extLst>
           </p:cNvPr>
@@ -3572,7 +3602,7 @@
           <a:lstStyle/>
           <a:p>
             <a:r>
-              <a:rPr lang="en-US" smtClean="0"/>
+              <a:rPr lang="en-US"/>
               <a:t>Click to edit Master title style</a:t>
             </a:r>
             <a:endParaRPr lang="en-US" dirty="0"/>
@@ -3596,35 +3626,35 @@
           <a:p>
             <a:pPr lvl="0"/>
             <a:r>
-              <a:rPr lang="en-US" smtClean="0"/>
+              <a:rPr lang="en-US"/>
               <a:t>Click to edit Master text styles</a:t>
             </a:r>
           </a:p>
           <a:p>
             <a:pPr lvl="1"/>
             <a:r>
-              <a:rPr lang="en-US" smtClean="0"/>
+              <a:rPr lang="en-US"/>
               <a:t>Second level</a:t>
             </a:r>
           </a:p>
           <a:p>
             <a:pPr lvl="2"/>
             <a:r>
-              <a:rPr lang="en-US" smtClean="0"/>
+              <a:rPr lang="en-US"/>
               <a:t>Third level</a:t>
             </a:r>
           </a:p>
           <a:p>
             <a:pPr lvl="3"/>
             <a:r>
-              <a:rPr lang="en-US" smtClean="0"/>
+              <a:rPr lang="en-US"/>
               <a:t>Fourth level</a:t>
             </a:r>
           </a:p>
           <a:p>
             <a:pPr lvl="4"/>
             <a:r>
-              <a:rPr lang="en-US" smtClean="0"/>
+              <a:rPr lang="en-US"/>
               <a:t>Fifth level</a:t>
             </a:r>
             <a:endParaRPr lang="en-US" dirty="0"/>
@@ -3649,7 +3679,7 @@
             <a:fld id="{C473AACB-D821-4991-9D88-46EB8D29E619}" type="datetimeFigureOut">
               <a:rPr lang="en-GB" smtClean="0"/>
               <a:pPr/>
-              <a:t>12/12/2024</a:t>
+              <a:t>16/12/2025</a:t>
             </a:fld>
             <a:endParaRPr lang="en-GB" dirty="0"/>
           </a:p>
@@ -3733,7 +3763,7 @@
           <p:cNvPr id="8" name="Picture 7">
             <a:extLst>
               <a:ext uri="{FF2B5EF4-FFF2-40B4-BE49-F238E27FC236}">
-                <a16:creationId xmlns="" xmlns:a16="http://schemas.microsoft.com/office/drawing/2014/main" id="{91908D0E-7544-4687-965B-72EF64AA4C54}"/>
+                <a16:creationId xmlns:a16="http://schemas.microsoft.com/office/drawing/2014/main" xmlns="" id="{91908D0E-7544-4687-965B-72EF64AA4C54}"/>
               </a:ext>
             </a:extLst>
           </p:cNvPr>
@@ -3778,7 +3808,7 @@
           <a:lstStyle/>
           <a:p>
             <a:r>
-              <a:rPr lang="en-US" smtClean="0"/>
+              <a:rPr lang="en-US"/>
               <a:t>Click to edit Master title style</a:t>
             </a:r>
             <a:endParaRPr lang="en-US" dirty="0"/>
@@ -3807,35 +3837,35 @@
           <a:p>
             <a:pPr lvl="0"/>
             <a:r>
-              <a:rPr lang="en-US" smtClean="0"/>
+              <a:rPr lang="en-US"/>
               <a:t>Click to edit Master text styles</a:t>
             </a:r>
           </a:p>
           <a:p>
             <a:pPr lvl="1"/>
             <a:r>
-              <a:rPr lang="en-US" smtClean="0"/>
+              <a:rPr lang="en-US"/>
               <a:t>Second level</a:t>
             </a:r>
           </a:p>
           <a:p>
             <a:pPr lvl="2"/>
             <a:r>
-              <a:rPr lang="en-US" smtClean="0"/>
+              <a:rPr lang="en-US"/>
               <a:t>Third level</a:t>
             </a:r>
           </a:p>
           <a:p>
             <a:pPr lvl="3"/>
             <a:r>
-              <a:rPr lang="en-US" smtClean="0"/>
+              <a:rPr lang="en-US"/>
               <a:t>Fourth level</a:t>
             </a:r>
           </a:p>
           <a:p>
             <a:pPr lvl="4"/>
             <a:r>
-              <a:rPr lang="en-US" smtClean="0"/>
+              <a:rPr lang="en-US"/>
               <a:t>Fifth level</a:t>
             </a:r>
             <a:endParaRPr lang="en-US" dirty="0"/>
@@ -3860,7 +3890,7 @@
             <a:fld id="{C473AACB-D821-4991-9D88-46EB8D29E619}" type="datetimeFigureOut">
               <a:rPr lang="en-GB" smtClean="0"/>
               <a:pPr/>
-              <a:t>12/12/2024</a:t>
+              <a:t>16/12/2025</a:t>
             </a:fld>
             <a:endParaRPr lang="en-GB" dirty="0"/>
           </a:p>
@@ -3944,7 +3974,7 @@
           <p:cNvPr id="8" name="Picture 7">
             <a:extLst>
               <a:ext uri="{FF2B5EF4-FFF2-40B4-BE49-F238E27FC236}">
-                <a16:creationId xmlns="" xmlns:a16="http://schemas.microsoft.com/office/drawing/2014/main" id="{5B5B8CA2-02D4-408C-B548-182D4F5F54B2}"/>
+                <a16:creationId xmlns:a16="http://schemas.microsoft.com/office/drawing/2014/main" xmlns="" id="{5B5B8CA2-02D4-408C-B548-182D4F5F54B2}"/>
               </a:ext>
             </a:extLst>
           </p:cNvPr>
@@ -3996,7 +4026,7 @@
           </a:lstStyle>
           <a:p>
             <a:r>
-              <a:rPr lang="en-US" smtClean="0"/>
+              <a:rPr lang="en-US"/>
               <a:t>Click to edit Master title style</a:t>
             </a:r>
             <a:endParaRPr lang="en-US" dirty="0"/>
@@ -4025,35 +4055,35 @@
           <a:p>
             <a:pPr lvl="0"/>
             <a:r>
-              <a:rPr lang="en-US" smtClean="0"/>
+              <a:rPr lang="en-US"/>
               <a:t>Click to edit Master text styles</a:t>
             </a:r>
           </a:p>
           <a:p>
             <a:pPr lvl="1"/>
             <a:r>
-              <a:rPr lang="en-US" smtClean="0"/>
+              <a:rPr lang="en-US"/>
               <a:t>Second level</a:t>
             </a:r>
           </a:p>
           <a:p>
             <a:pPr lvl="2"/>
             <a:r>
-              <a:rPr lang="en-US" smtClean="0"/>
+              <a:rPr lang="en-US"/>
               <a:t>Third level</a:t>
             </a:r>
           </a:p>
           <a:p>
             <a:pPr lvl="3"/>
             <a:r>
-              <a:rPr lang="en-US" smtClean="0"/>
+              <a:rPr lang="en-US"/>
               <a:t>Fourth level</a:t>
             </a:r>
           </a:p>
           <a:p>
             <a:pPr lvl="4"/>
             <a:r>
-              <a:rPr lang="en-US" smtClean="0"/>
+              <a:rPr lang="en-US"/>
               <a:t>Fifth level</a:t>
             </a:r>
             <a:endParaRPr lang="en-US" dirty="0"/>
@@ -4078,7 +4108,7 @@
             <a:fld id="{C473AACB-D821-4991-9D88-46EB8D29E619}" type="datetimeFigureOut">
               <a:rPr lang="en-GB" smtClean="0"/>
               <a:pPr/>
-              <a:t>12/12/2024</a:t>
+              <a:t>16/12/2025</a:t>
             </a:fld>
             <a:endParaRPr lang="en-GB" dirty="0"/>
           </a:p>
@@ -4162,7 +4192,7 @@
           <p:cNvPr id="11" name="Picture 10">
             <a:extLst>
               <a:ext uri="{FF2B5EF4-FFF2-40B4-BE49-F238E27FC236}">
-                <a16:creationId xmlns="" xmlns:a16="http://schemas.microsoft.com/office/drawing/2014/main" id="{EA8DB33B-8BF9-4C99-B31C-55246227EFDE}"/>
+                <a16:creationId xmlns:a16="http://schemas.microsoft.com/office/drawing/2014/main" xmlns="" id="{EA8DB33B-8BF9-4C99-B31C-55246227EFDE}"/>
               </a:ext>
             </a:extLst>
           </p:cNvPr>
@@ -4748,7 +4778,7 @@
           </a:lstStyle>
           <a:p>
             <a:r>
-              <a:rPr lang="en-US" smtClean="0"/>
+              <a:rPr lang="en-US"/>
               <a:t>Click to edit Master title style</a:t>
             </a:r>
             <a:endParaRPr lang="en-US" dirty="0"/>
@@ -4868,7 +4898,7 @@
           </a:lstStyle>
           <a:p>
             <a:r>
-              <a:rPr lang="en-US" smtClean="0"/>
+              <a:rPr lang="en-US"/>
               <a:t>Click to edit Master subtitle style</a:t>
             </a:r>
             <a:endParaRPr lang="en-US" dirty="0"/>
@@ -4893,7 +4923,7 @@
             <a:fld id="{C473AACB-D821-4991-9D88-46EB8D29E619}" type="datetimeFigureOut">
               <a:rPr lang="en-GB" smtClean="0"/>
               <a:pPr/>
-              <a:t>12/12/2024</a:t>
+              <a:t>16/12/2025</a:t>
             </a:fld>
             <a:endParaRPr lang="en-GB" dirty="0"/>
           </a:p>
@@ -4977,7 +5007,7 @@
           <p:cNvPr id="11" name="Picture 10">
             <a:extLst>
               <a:ext uri="{FF2B5EF4-FFF2-40B4-BE49-F238E27FC236}">
-                <a16:creationId xmlns="" xmlns:a16="http://schemas.microsoft.com/office/drawing/2014/main" id="{EA8DB33B-8BF9-4C99-B31C-55246227EFDE}"/>
+                <a16:creationId xmlns:a16="http://schemas.microsoft.com/office/drawing/2014/main" xmlns="" id="{EA8DB33B-8BF9-4C99-B31C-55246227EFDE}"/>
               </a:ext>
             </a:extLst>
           </p:cNvPr>
@@ -5562,7 +5592,7 @@
           </a:lstStyle>
           <a:p>
             <a:r>
-              <a:rPr lang="en-US" smtClean="0"/>
+              <a:rPr lang="en-US"/>
               <a:t>Click to edit Master title style</a:t>
             </a:r>
             <a:endParaRPr lang="en-US" dirty="0"/>
@@ -5682,7 +5712,7 @@
           </a:lstStyle>
           <a:p>
             <a:r>
-              <a:rPr lang="en-US" smtClean="0"/>
+              <a:rPr lang="en-US"/>
               <a:t>Click to edit Master subtitle style</a:t>
             </a:r>
             <a:endParaRPr lang="en-US" dirty="0"/>
@@ -5707,7 +5737,7 @@
             <a:fld id="{C473AACB-D821-4991-9D88-46EB8D29E619}" type="datetimeFigureOut">
               <a:rPr lang="en-GB" smtClean="0"/>
               <a:pPr/>
-              <a:t>12/12/2024</a:t>
+              <a:t>16/12/2025</a:t>
             </a:fld>
             <a:endParaRPr lang="en-GB" dirty="0"/>
           </a:p>
@@ -5811,7 +5841,7 @@
           </a:lstStyle>
           <a:p>
             <a:r>
-              <a:rPr lang="en-US" smtClean="0"/>
+              <a:rPr lang="en-US"/>
               <a:t>Click to edit Master title style</a:t>
             </a:r>
             <a:endParaRPr lang="en-US" dirty="0"/>
@@ -5932,7 +5962,7 @@
           <a:p>
             <a:pPr lvl="0"/>
             <a:r>
-              <a:rPr lang="en-US" smtClean="0"/>
+              <a:rPr lang="en-US"/>
               <a:t>Click to edit Master text styles</a:t>
             </a:r>
           </a:p>
@@ -5956,7 +5986,7 @@
             <a:fld id="{C473AACB-D821-4991-9D88-46EB8D29E619}" type="datetimeFigureOut">
               <a:rPr lang="en-GB" smtClean="0"/>
               <a:pPr/>
-              <a:t>12/12/2024</a:t>
+              <a:t>16/12/2025</a:t>
             </a:fld>
             <a:endParaRPr lang="en-GB" dirty="0"/>
           </a:p>
@@ -6010,7 +6040,7 @@
           <p:cNvPr id="7" name="Picture 6">
             <a:extLst>
               <a:ext uri="{FF2B5EF4-FFF2-40B4-BE49-F238E27FC236}">
-                <a16:creationId xmlns="" xmlns:a16="http://schemas.microsoft.com/office/drawing/2014/main" id="{6331EFED-43C1-4CBA-8BE3-308E3AA13B9B}"/>
+                <a16:creationId xmlns:a16="http://schemas.microsoft.com/office/drawing/2014/main" xmlns="" id="{6331EFED-43C1-4CBA-8BE3-308E3AA13B9B}"/>
               </a:ext>
             </a:extLst>
           </p:cNvPr>
@@ -6081,7 +6111,7 @@
           <a:lstStyle/>
           <a:p>
             <a:r>
-              <a:rPr lang="en-US" smtClean="0"/>
+              <a:rPr lang="en-US"/>
               <a:t>Click to edit Master title style</a:t>
             </a:r>
             <a:endParaRPr lang="en-US" dirty="0"/>
@@ -6110,35 +6140,35 @@
           <a:p>
             <a:pPr lvl="0"/>
             <a:r>
-              <a:rPr lang="en-US" smtClean="0"/>
+              <a:rPr lang="en-US"/>
               <a:t>Click to edit Master text styles</a:t>
             </a:r>
           </a:p>
           <a:p>
             <a:pPr lvl="1"/>
             <a:r>
-              <a:rPr lang="en-US" smtClean="0"/>
+              <a:rPr lang="en-US"/>
               <a:t>Second level</a:t>
             </a:r>
           </a:p>
           <a:p>
             <a:pPr lvl="2"/>
             <a:r>
-              <a:rPr lang="en-US" smtClean="0"/>
+              <a:rPr lang="en-US"/>
               <a:t>Third level</a:t>
             </a:r>
           </a:p>
           <a:p>
             <a:pPr lvl="3"/>
             <a:r>
-              <a:rPr lang="en-US" smtClean="0"/>
+              <a:rPr lang="en-US"/>
               <a:t>Fourth level</a:t>
             </a:r>
           </a:p>
           <a:p>
             <a:pPr lvl="4"/>
             <a:r>
-              <a:rPr lang="en-US" smtClean="0"/>
+              <a:rPr lang="en-US"/>
               <a:t>Fifth level</a:t>
             </a:r>
             <a:endParaRPr lang="en-US" dirty="0"/>
@@ -6167,35 +6197,35 @@
           <a:p>
             <a:pPr lvl="0"/>
             <a:r>
-              <a:rPr lang="en-US" smtClean="0"/>
+              <a:rPr lang="en-US"/>
               <a:t>Click to edit Master text styles</a:t>
             </a:r>
           </a:p>
           <a:p>
             <a:pPr lvl="1"/>
             <a:r>
-              <a:rPr lang="en-US" smtClean="0"/>
+              <a:rPr lang="en-US"/>
               <a:t>Second level</a:t>
             </a:r>
           </a:p>
           <a:p>
             <a:pPr lvl="2"/>
             <a:r>
-              <a:rPr lang="en-US" smtClean="0"/>
+              <a:rPr lang="en-US"/>
               <a:t>Third level</a:t>
             </a:r>
           </a:p>
           <a:p>
             <a:pPr lvl="3"/>
             <a:r>
-              <a:rPr lang="en-US" smtClean="0"/>
+              <a:rPr lang="en-US"/>
               <a:t>Fourth level</a:t>
             </a:r>
           </a:p>
           <a:p>
             <a:pPr lvl="4"/>
             <a:r>
-              <a:rPr lang="en-US" smtClean="0"/>
+              <a:rPr lang="en-US"/>
               <a:t>Fifth level</a:t>
             </a:r>
             <a:endParaRPr lang="en-US" dirty="0"/>
@@ -6220,7 +6250,7 @@
             <a:fld id="{C473AACB-D821-4991-9D88-46EB8D29E619}" type="datetimeFigureOut">
               <a:rPr lang="en-GB" smtClean="0"/>
               <a:pPr/>
-              <a:t>12/12/2024</a:t>
+              <a:t>16/12/2025</a:t>
             </a:fld>
             <a:endParaRPr lang="en-GB" dirty="0"/>
           </a:p>
@@ -6274,7 +6304,7 @@
           <p:cNvPr id="9" name="Picture 8">
             <a:extLst>
               <a:ext uri="{FF2B5EF4-FFF2-40B4-BE49-F238E27FC236}">
-                <a16:creationId xmlns="" xmlns:a16="http://schemas.microsoft.com/office/drawing/2014/main" id="{1034EA63-4BE3-4A73-A7E6-4A75BE4C1D48}"/>
+                <a16:creationId xmlns:a16="http://schemas.microsoft.com/office/drawing/2014/main" xmlns="" id="{1034EA63-4BE3-4A73-A7E6-4A75BE4C1D48}"/>
               </a:ext>
             </a:extLst>
           </p:cNvPr>
@@ -6333,7 +6363,7 @@
           <p:cNvPr id="10" name="Picture 9">
             <a:extLst>
               <a:ext uri="{FF2B5EF4-FFF2-40B4-BE49-F238E27FC236}">
-                <a16:creationId xmlns="" xmlns:a16="http://schemas.microsoft.com/office/drawing/2014/main" id="{204DC1E6-B5F4-4160-90F3-351FB3242E92}"/>
+                <a16:creationId xmlns:a16="http://schemas.microsoft.com/office/drawing/2014/main" xmlns="" id="{204DC1E6-B5F4-4160-90F3-351FB3242E92}"/>
               </a:ext>
             </a:extLst>
           </p:cNvPr>
@@ -6383,7 +6413,7 @@
           </a:lstStyle>
           <a:p>
             <a:r>
-              <a:rPr lang="en-US" smtClean="0"/>
+              <a:rPr lang="en-US"/>
               <a:t>Click to edit Master title style</a:t>
             </a:r>
             <a:endParaRPr lang="en-US" dirty="0"/>
@@ -6451,7 +6481,7 @@
           <a:p>
             <a:pPr lvl="0"/>
             <a:r>
-              <a:rPr lang="en-US" smtClean="0"/>
+              <a:rPr lang="en-US"/>
               <a:t>Click to edit Master text styles</a:t>
             </a:r>
           </a:p>
@@ -6481,35 +6511,35 @@
           <a:p>
             <a:pPr lvl="0"/>
             <a:r>
-              <a:rPr lang="en-US" smtClean="0"/>
+              <a:rPr lang="en-US"/>
               <a:t>Click to edit Master text styles</a:t>
             </a:r>
           </a:p>
           <a:p>
             <a:pPr lvl="1"/>
             <a:r>
-              <a:rPr lang="en-US" smtClean="0"/>
+              <a:rPr lang="en-US"/>
               <a:t>Second level</a:t>
             </a:r>
           </a:p>
           <a:p>
             <a:pPr lvl="2"/>
             <a:r>
-              <a:rPr lang="en-US" smtClean="0"/>
+              <a:rPr lang="en-US"/>
               <a:t>Third level</a:t>
             </a:r>
           </a:p>
           <a:p>
             <a:pPr lvl="3"/>
             <a:r>
-              <a:rPr lang="en-US" smtClean="0"/>
+              <a:rPr lang="en-US"/>
               <a:t>Fourth level</a:t>
             </a:r>
           </a:p>
           <a:p>
             <a:pPr lvl="4"/>
             <a:r>
-              <a:rPr lang="en-US" smtClean="0"/>
+              <a:rPr lang="en-US"/>
               <a:t>Fifth level</a:t>
             </a:r>
             <a:endParaRPr lang="en-US" dirty="0"/>
@@ -6577,7 +6607,7 @@
           <a:p>
             <a:pPr lvl="0"/>
             <a:r>
-              <a:rPr lang="en-US" smtClean="0"/>
+              <a:rPr lang="en-US"/>
               <a:t>Click to edit Master text styles</a:t>
             </a:r>
           </a:p>
@@ -6607,35 +6637,35 @@
           <a:p>
             <a:pPr lvl="0"/>
             <a:r>
-              <a:rPr lang="en-US" smtClean="0"/>
+              <a:rPr lang="en-US"/>
               <a:t>Click to edit Master text styles</a:t>
             </a:r>
           </a:p>
           <a:p>
             <a:pPr lvl="1"/>
             <a:r>
-              <a:rPr lang="en-US" smtClean="0"/>
+              <a:rPr lang="en-US"/>
               <a:t>Second level</a:t>
             </a:r>
           </a:p>
           <a:p>
             <a:pPr lvl="2"/>
             <a:r>
-              <a:rPr lang="en-US" smtClean="0"/>
+              <a:rPr lang="en-US"/>
               <a:t>Third level</a:t>
             </a:r>
           </a:p>
           <a:p>
             <a:pPr lvl="3"/>
             <a:r>
-              <a:rPr lang="en-US" smtClean="0"/>
+              <a:rPr lang="en-US"/>
               <a:t>Fourth level</a:t>
             </a:r>
           </a:p>
           <a:p>
             <a:pPr lvl="4"/>
             <a:r>
-              <a:rPr lang="en-US" smtClean="0"/>
+              <a:rPr lang="en-US"/>
               <a:t>Fifth level</a:t>
             </a:r>
             <a:endParaRPr lang="en-US" dirty="0"/>
@@ -6660,7 +6690,7 @@
             <a:fld id="{C473AACB-D821-4991-9D88-46EB8D29E619}" type="datetimeFigureOut">
               <a:rPr lang="en-GB" smtClean="0"/>
               <a:pPr/>
-              <a:t>12/12/2024</a:t>
+              <a:t>16/12/2025</a:t>
             </a:fld>
             <a:endParaRPr lang="en-GB" dirty="0"/>
           </a:p>
@@ -6744,7 +6774,7 @@
           <p:cNvPr id="6" name="Picture 5">
             <a:extLst>
               <a:ext uri="{FF2B5EF4-FFF2-40B4-BE49-F238E27FC236}">
-                <a16:creationId xmlns="" xmlns:a16="http://schemas.microsoft.com/office/drawing/2014/main" id="{E7897C67-3827-4595-8E3A-71E9F2EAB3AF}"/>
+                <a16:creationId xmlns:a16="http://schemas.microsoft.com/office/drawing/2014/main" xmlns="" id="{E7897C67-3827-4595-8E3A-71E9F2EAB3AF}"/>
               </a:ext>
             </a:extLst>
           </p:cNvPr>
@@ -6790,7 +6820,7 @@
           <a:lstStyle/>
           <a:p>
             <a:r>
-              <a:rPr lang="en-US" smtClean="0"/>
+              <a:rPr lang="en-US"/>
               <a:t>Click to edit Master title style</a:t>
             </a:r>
             <a:endParaRPr lang="en-US" dirty="0"/>
@@ -6815,7 +6845,7 @@
             <a:fld id="{C473AACB-D821-4991-9D88-46EB8D29E619}" type="datetimeFigureOut">
               <a:rPr lang="en-GB" smtClean="0"/>
               <a:pPr/>
-              <a:t>12/12/2024</a:t>
+              <a:t>16/12/2025</a:t>
             </a:fld>
             <a:endParaRPr lang="en-GB" dirty="0"/>
           </a:p>
@@ -6912,7 +6942,7 @@
             <a:fld id="{C473AACB-D821-4991-9D88-46EB8D29E619}" type="datetimeFigureOut">
               <a:rPr lang="en-GB" smtClean="0"/>
               <a:pPr/>
-              <a:t>12/12/2024</a:t>
+              <a:t>16/12/2025</a:t>
             </a:fld>
             <a:endParaRPr lang="en-GB" dirty="0"/>
           </a:p>
@@ -6966,7 +6996,7 @@
           <p:cNvPr id="6" name="Picture 5">
             <a:extLst>
               <a:ext uri="{FF2B5EF4-FFF2-40B4-BE49-F238E27FC236}">
-                <a16:creationId xmlns="" xmlns:a16="http://schemas.microsoft.com/office/drawing/2014/main" id="{F1825398-026A-4668-BB48-C16AD1C9062B}"/>
+                <a16:creationId xmlns:a16="http://schemas.microsoft.com/office/drawing/2014/main" xmlns="" id="{F1825398-026A-4668-BB48-C16AD1C9062B}"/>
               </a:ext>
             </a:extLst>
           </p:cNvPr>
@@ -7584,7 +7614,7 @@
           <a:lstStyle/>
           <a:p>
             <a:r>
-              <a:rPr lang="en-US" smtClean="0"/>
+              <a:rPr lang="en-US"/>
               <a:t>Click to edit Master title style</a:t>
             </a:r>
             <a:endParaRPr lang="en-US" dirty="0"/>
@@ -7618,35 +7648,35 @@
           <a:p>
             <a:pPr lvl="0"/>
             <a:r>
-              <a:rPr lang="en-US" smtClean="0"/>
+              <a:rPr lang="en-US"/>
               <a:t>Click to edit Master text styles</a:t>
             </a:r>
           </a:p>
           <a:p>
             <a:pPr lvl="1"/>
             <a:r>
-              <a:rPr lang="en-US" smtClean="0"/>
+              <a:rPr lang="en-US"/>
               <a:t>Second level</a:t>
             </a:r>
           </a:p>
           <a:p>
             <a:pPr lvl="2"/>
             <a:r>
-              <a:rPr lang="en-US" smtClean="0"/>
+              <a:rPr lang="en-US"/>
               <a:t>Third level</a:t>
             </a:r>
           </a:p>
           <a:p>
             <a:pPr lvl="3"/>
             <a:r>
-              <a:rPr lang="en-US" smtClean="0"/>
+              <a:rPr lang="en-US"/>
               <a:t>Fourth level</a:t>
             </a:r>
           </a:p>
           <a:p>
             <a:pPr lvl="4"/>
             <a:r>
-              <a:rPr lang="en-US" smtClean="0"/>
+              <a:rPr lang="en-US"/>
               <a:t>Fifth level</a:t>
             </a:r>
             <a:endParaRPr lang="en-US" dirty="0"/>
@@ -7689,7 +7719,7 @@
             <a:fld id="{C473AACB-D821-4991-9D88-46EB8D29E619}" type="datetimeFigureOut">
               <a:rPr lang="en-GB" smtClean="0"/>
               <a:pPr/>
-              <a:t>12/12/2024</a:t>
+              <a:t>16/12/2025</a:t>
             </a:fld>
             <a:endParaRPr lang="en-GB" dirty="0"/>
           </a:p>
@@ -8232,10 +8262,9 @@
           <a:lstStyle/>
           <a:p>
             <a:r>
-              <a:rPr lang="en-GB" dirty="0" smtClean="0"/>
+              <a:rPr lang="en-GB" dirty="0"/>
               <a:t>GCBASIC</a:t>
             </a:r>
-            <a:endParaRPr lang="en-GB" dirty="0"/>
           </a:p>
         </p:txBody>
       </p:sp>
@@ -8262,14 +8291,14 @@
           <a:lstStyle/>
           <a:p>
             <a:r>
-              <a:rPr lang="en-GB" dirty="0" smtClean="0"/>
-              <a:t>PIC18FxxQ24</a:t>
-            </a:r>
-          </a:p>
-          <a:p>
-            <a:r>
-              <a:rPr lang="en-GB" dirty="0" smtClean="0"/>
-              <a:t>Part 15 – External interrupt</a:t>
+              <a:rPr lang="en-GB" dirty="0"/>
+              <a:t>PIC16F175xx</a:t>
+            </a:r>
+          </a:p>
+          <a:p>
+            <a:r>
+              <a:rPr lang="en-GB" dirty="0"/>
+              <a:t>Part 15 – Millis and Interrupts</a:t>
             </a:r>
             <a:endParaRPr lang="en-GB" sz="1600" dirty="0"/>
           </a:p>
@@ -8327,21 +8356,22 @@
         </p:nvSpPr>
         <p:spPr/>
         <p:txBody>
-          <a:bodyPr/>
+          <a:bodyPr vert="horz" lIns="85064" tIns="42531" rIns="85064" bIns="42531" rtlCol="0" anchor="ctr">
+            <a:normAutofit/>
+          </a:bodyPr>
           <a:lstStyle/>
           <a:p>
             <a:pPr algn="l"/>
             <a:r>
-              <a:rPr lang="en-GB" dirty="0" smtClean="0"/>
-              <a:t>Principles of Interrupts</a:t>
-            </a:r>
-            <a:endParaRPr lang="en-GB" dirty="0"/>
-          </a:p>
-        </p:txBody>
-      </p:sp>
-      <p:sp>
-        <p:nvSpPr>
-          <p:cNvPr id="6" name="Content Placeholder 5"/>
+              <a:rPr lang="en-GB" dirty="0"/>
+              <a:t>Lab</a:t>
+            </a:r>
+          </a:p>
+        </p:txBody>
+      </p:sp>
+      <p:sp>
+        <p:nvSpPr>
+          <p:cNvPr id="3" name="Content Placeholder 2"/>
           <p:cNvSpPr>
             <a:spLocks noGrp="1"/>
           </p:cNvSpPr>
@@ -8349,310 +8379,35 @@
             <p:ph idx="1"/>
           </p:nvPr>
         </p:nvSpPr>
-        <p:spPr>
-          <a:xfrm>
-            <a:off x="539552" y="1563638"/>
-            <a:ext cx="7416824" cy="3456384"/>
-          </a:xfrm>
-          <a:solidFill>
-            <a:schemeClr val="bg1"/>
-          </a:solidFill>
-        </p:spPr>
-        <p:txBody>
-          <a:bodyPr vert="horz" lIns="85064" tIns="42531" rIns="85064" bIns="42531" rtlCol="0">
-            <a:noAutofit/>
+        <p:spPr/>
+        <p:txBody>
+          <a:bodyPr>
+            <a:normAutofit/>
           </a:bodyPr>
           <a:lstStyle/>
           <a:p>
-            <a:pPr marL="266700" indent="-174625" defTabSz="898525">
-              <a:spcBef>
-                <a:spcPts val="0"/>
-              </a:spcBef>
-            </a:pPr>
-            <a:r>
-              <a:rPr lang="en-GB" sz="1100" b="1" dirty="0"/>
-              <a:t>Interrupts are events that alter the normal execution flow of a program to respond to external or internal events</a:t>
-            </a:r>
-            <a:r>
-              <a:rPr lang="en-GB" sz="1100" b="1" dirty="0" smtClean="0"/>
-              <a:t>.</a:t>
-            </a:r>
-            <a:endParaRPr lang="en-GB" sz="1100" b="1" dirty="0"/>
-          </a:p>
-          <a:p>
-            <a:pPr marL="266700" indent="-174625" defTabSz="898525">
-              <a:spcBef>
-                <a:spcPts val="0"/>
-              </a:spcBef>
-            </a:pPr>
-            <a:endParaRPr lang="en-GB" sz="1100" b="1" dirty="0" smtClean="0"/>
-          </a:p>
-          <a:p>
-            <a:pPr marL="266700" indent="-174625" defTabSz="898525">
-              <a:spcBef>
-                <a:spcPts val="0"/>
-              </a:spcBef>
-            </a:pPr>
-            <a:r>
-              <a:rPr lang="en-GB" sz="1100" b="1" dirty="0" smtClean="0"/>
-              <a:t>Advantages</a:t>
-            </a:r>
-            <a:endParaRPr lang="en-GB" sz="1100" b="1" dirty="0"/>
-          </a:p>
-          <a:p>
-            <a:pPr marL="566737" lvl="2" indent="-174625" defTabSz="898525">
-              <a:spcBef>
-                <a:spcPts val="0"/>
-              </a:spcBef>
-            </a:pPr>
-            <a:r>
-              <a:rPr lang="en-GB" dirty="0"/>
-              <a:t>Immediate response to critical events</a:t>
-            </a:r>
-          </a:p>
-          <a:p>
-            <a:pPr marL="566737" lvl="2" indent="-174625" defTabSz="898525">
-              <a:spcBef>
-                <a:spcPts val="0"/>
-              </a:spcBef>
-            </a:pPr>
-            <a:r>
-              <a:rPr lang="en-GB" dirty="0"/>
-              <a:t>Efficient use of the microcontroller's </a:t>
-            </a:r>
-            <a:r>
-              <a:rPr lang="en-GB" dirty="0" smtClean="0"/>
-              <a:t>resources</a:t>
-            </a:r>
-            <a:endParaRPr lang="en-GB" b="1" dirty="0"/>
-          </a:p>
-          <a:p>
-            <a:pPr marL="266700" indent="-174625" defTabSz="898525">
-              <a:spcBef>
-                <a:spcPts val="0"/>
-              </a:spcBef>
-            </a:pPr>
-            <a:endParaRPr lang="en-GB" sz="1100" b="1" dirty="0" smtClean="0"/>
-          </a:p>
-          <a:p>
-            <a:pPr marL="266700" indent="-174625" defTabSz="898525">
-              <a:spcBef>
-                <a:spcPts val="0"/>
-              </a:spcBef>
-            </a:pPr>
-            <a:r>
-              <a:rPr lang="en-GB" sz="1100" b="1" dirty="0" smtClean="0"/>
-              <a:t>Types </a:t>
-            </a:r>
-            <a:r>
-              <a:rPr lang="en-GB" sz="1100" b="1" dirty="0"/>
-              <a:t>of </a:t>
-            </a:r>
-            <a:r>
-              <a:rPr lang="en-GB" sz="1100" b="1" dirty="0" smtClean="0"/>
-              <a:t>Interrupts</a:t>
-            </a:r>
-            <a:endParaRPr lang="en-GB" sz="1100" b="1" dirty="0"/>
-          </a:p>
-          <a:p>
-            <a:pPr marL="566737" lvl="2" indent="-174625" defTabSz="898525">
-              <a:spcBef>
-                <a:spcPts val="0"/>
-              </a:spcBef>
-            </a:pPr>
-            <a:r>
-              <a:rPr lang="en-GB" dirty="0"/>
-              <a:t>External Interrupts: Triggered by events on external pins (RB0/INT0, RB1/INT1, etc.)</a:t>
-            </a:r>
-          </a:p>
-          <a:p>
-            <a:pPr marL="566737" lvl="2" indent="-174625" defTabSz="898525">
-              <a:spcBef>
-                <a:spcPts val="0"/>
-              </a:spcBef>
-            </a:pPr>
-            <a:r>
-              <a:rPr lang="en-GB" dirty="0"/>
-              <a:t>Timer Interrupts: Triggered by timer overflows or matches</a:t>
-            </a:r>
-          </a:p>
-          <a:p>
-            <a:pPr marL="566737" lvl="2" indent="-174625" defTabSz="898525">
-              <a:spcBef>
-                <a:spcPts val="0"/>
-              </a:spcBef>
-            </a:pPr>
-            <a:r>
-              <a:rPr lang="en-GB" dirty="0"/>
-              <a:t>Peripheral Interrupts: Triggered by events from peripherals (</a:t>
-            </a:r>
-            <a:r>
-              <a:rPr lang="en-GB" dirty="0" smtClean="0"/>
-              <a:t>USART</a:t>
-            </a:r>
-            <a:r>
-              <a:rPr lang="en-GB" dirty="0"/>
-              <a:t>, ADC, etc.)</a:t>
-            </a:r>
-          </a:p>
-          <a:p>
-            <a:pPr marL="566737" lvl="2" indent="-174625" defTabSz="898525">
-              <a:spcBef>
-                <a:spcPts val="0"/>
-              </a:spcBef>
-            </a:pPr>
-            <a:r>
-              <a:rPr lang="en-GB" dirty="0"/>
-              <a:t>Software Interrupts: Triggered by software </a:t>
-            </a:r>
-            <a:r>
-              <a:rPr lang="en-GB" dirty="0" smtClean="0"/>
-              <a:t>instructions</a:t>
-            </a:r>
-            <a:endParaRPr lang="en-GB" b="1" dirty="0"/>
-          </a:p>
-          <a:p>
-            <a:pPr marL="266700" indent="-174625" defTabSz="898525">
-              <a:spcBef>
-                <a:spcPts val="0"/>
-              </a:spcBef>
-            </a:pPr>
-            <a:endParaRPr lang="en-GB" sz="1100" b="1" dirty="0" smtClean="0"/>
-          </a:p>
-          <a:p>
-            <a:pPr marL="266700" indent="-174625" defTabSz="898525">
-              <a:spcBef>
-                <a:spcPts val="0"/>
-              </a:spcBef>
-            </a:pPr>
-            <a:r>
-              <a:rPr lang="en-GB" sz="1100" b="1" dirty="0" smtClean="0"/>
-              <a:t>Key </a:t>
-            </a:r>
-            <a:r>
-              <a:rPr lang="en-GB" sz="1100" b="1" dirty="0" smtClean="0"/>
-              <a:t>Registers</a:t>
-            </a:r>
-            <a:endParaRPr lang="en-GB" sz="1100" b="1" dirty="0"/>
-          </a:p>
-          <a:p>
-            <a:pPr marL="566737" lvl="2" indent="-174625" defTabSz="898525">
-              <a:spcBef>
-                <a:spcPts val="0"/>
-              </a:spcBef>
-            </a:pPr>
-            <a:r>
-              <a:rPr lang="en-GB" dirty="0" smtClean="0"/>
-              <a:t>INTCON</a:t>
-            </a:r>
-            <a:r>
-              <a:rPr lang="en-GB" dirty="0"/>
-              <a:t>: Controls global interrupt enable and individual interrupt flags</a:t>
-            </a:r>
-          </a:p>
-          <a:p>
-            <a:pPr marL="566737" lvl="2" indent="-174625" defTabSz="898525">
-              <a:spcBef>
-                <a:spcPts val="0"/>
-              </a:spcBef>
-            </a:pPr>
-            <a:r>
-              <a:rPr lang="en-GB" dirty="0"/>
-              <a:t>PIE1, PIE2: Peripheral Interrupt Enable registers</a:t>
-            </a:r>
-          </a:p>
-          <a:p>
-            <a:pPr marL="566737" lvl="2" indent="-174625" defTabSz="898525">
-              <a:spcBef>
-                <a:spcPts val="0"/>
-              </a:spcBef>
-            </a:pPr>
-            <a:r>
-              <a:rPr lang="en-GB" dirty="0"/>
-              <a:t>PIR1, PIR2: Peripheral Interrupt Request (flag) </a:t>
-            </a:r>
-            <a:r>
-              <a:rPr lang="en-GB" dirty="0" smtClean="0"/>
-              <a:t>registers</a:t>
-            </a:r>
-            <a:endParaRPr lang="en-GB" b="1" dirty="0"/>
-          </a:p>
-          <a:p>
-            <a:pPr marL="266700" indent="-174625" defTabSz="898525">
-              <a:spcBef>
-                <a:spcPts val="0"/>
-              </a:spcBef>
-            </a:pPr>
-            <a:endParaRPr lang="en-GB" sz="1100" b="1" dirty="0" smtClean="0"/>
-          </a:p>
-          <a:p>
-            <a:pPr marL="266700" indent="-174625" defTabSz="898525">
-              <a:spcBef>
-                <a:spcPts val="0"/>
-              </a:spcBef>
-            </a:pPr>
-            <a:r>
-              <a:rPr lang="en-GB" sz="1100" b="1" dirty="0" smtClean="0"/>
-              <a:t>Interrupt </a:t>
-            </a:r>
-            <a:r>
-              <a:rPr lang="en-GB" sz="1100" b="1" dirty="0"/>
-              <a:t>Service Routine (ISR</a:t>
-            </a:r>
-            <a:r>
-              <a:rPr lang="en-GB" sz="1100" b="1" dirty="0" smtClean="0"/>
-              <a:t>)</a:t>
-            </a:r>
-            <a:endParaRPr lang="en-GB" sz="1100" b="1" dirty="0"/>
-          </a:p>
-          <a:p>
-            <a:pPr marL="566737" lvl="2" indent="-174625" defTabSz="898525">
-              <a:spcBef>
-                <a:spcPts val="0"/>
-              </a:spcBef>
-            </a:pPr>
-            <a:r>
-              <a:rPr lang="en-GB" dirty="0"/>
-              <a:t>Special function that executes when an interrupt occurs</a:t>
-            </a:r>
-          </a:p>
-          <a:p>
-            <a:pPr marL="566737" lvl="2" indent="-174625" defTabSz="898525">
-              <a:spcBef>
-                <a:spcPts val="0"/>
-              </a:spcBef>
-            </a:pPr>
-            <a:r>
-              <a:rPr lang="en-GB" dirty="0"/>
-              <a:t>Must be as short and efficient as possible to avoid delaying other operations</a:t>
-            </a:r>
-          </a:p>
-          <a:p>
-            <a:pPr marL="92075" indent="0" defTabSz="898525">
-              <a:spcBef>
-                <a:spcPts val="0"/>
-              </a:spcBef>
-              <a:buNone/>
-            </a:pPr>
-            <a:endParaRPr lang="en-GB" sz="1100" b="1" dirty="0"/>
+            <a:r>
+              <a:rPr lang="en-GB" sz="2000" dirty="0"/>
+              <a:t>Walk the example </a:t>
+            </a:r>
           </a:p>
         </p:txBody>
       </p:sp>
     </p:spTree>
     <p:extLst>
       <p:ext uri="{BB962C8B-B14F-4D97-AF65-F5344CB8AC3E}">
-        <p14:creationId xmlns:p14="http://schemas.microsoft.com/office/powerpoint/2010/main" val="3780033866"/>
+        <p14:creationId xmlns:p14="http://schemas.microsoft.com/office/powerpoint/2010/main" val="3369390441"/>
       </p:ext>
     </p:extLst>
   </p:cSld>
   <p:clrMapOvr>
     <a:masterClrMapping/>
   </p:clrMapOvr>
-  <mc:AlternateContent xmlns:mc="http://schemas.openxmlformats.org/markup-compatibility/2006">
-    <mc:Choice xmlns:p14="http://schemas.microsoft.com/office/powerpoint/2010/main" Requires="p14">
+  <mc:AlternateContent xmlns:mc="http://schemas.openxmlformats.org/markup-compatibility/2006" xmlns:p14="http://schemas.microsoft.com/office/powerpoint/2010/main">
+    <mc:Choice Requires="p14">
       <p:transition spd="slow" p14:dur="2000" advClick="0"/>
     </mc:Choice>
-    <mc:Fallback>
+    <mc:Fallback xmlns="">
       <p:transition spd="slow" advClick="0"/>
     </mc:Fallback>
   </mc:AlternateContent>
@@ -8700,10 +8455,9 @@
           <a:p>
             <a:pPr algn="l"/>
             <a:r>
-              <a:rPr lang="en-GB" dirty="0" smtClean="0"/>
-              <a:t>Interrupts…</a:t>
-            </a:r>
-            <a:endParaRPr lang="en-GB" dirty="0"/>
+              <a:rPr lang="en-GB" dirty="0"/>
+              <a:t>Principles of Interrupts</a:t>
+            </a:r>
           </a:p>
         </p:txBody>
       </p:sp>
@@ -8719,1198 +8473,255 @@
         </p:nvSpPr>
         <p:spPr>
           <a:xfrm>
-            <a:off x="467544" y="915566"/>
-            <a:ext cx="3754757" cy="3960440"/>
+            <a:off x="539552" y="1563638"/>
+            <a:ext cx="7416824" cy="3456384"/>
           </a:xfrm>
           <a:solidFill>
             <a:schemeClr val="bg1"/>
           </a:solidFill>
         </p:spPr>
         <p:txBody>
-          <a:bodyPr>
+          <a:bodyPr vert="horz" lIns="85064" tIns="42531" rIns="85064" bIns="42531" rtlCol="0">
             <a:noAutofit/>
           </a:bodyPr>
           <a:lstStyle/>
           <a:p>
-            <a:pPr marL="0" indent="0">
-              <a:buNone/>
-            </a:pPr>
-            <a:r>
-              <a:rPr lang="en-GB" sz="800" dirty="0"/>
-              <a:t>F</a:t>
-            </a:r>
-            <a:r>
-              <a:rPr lang="en-GB" sz="800" dirty="0" smtClean="0"/>
-              <a:t>or </a:t>
-            </a:r>
-            <a:r>
-              <a:rPr lang="en-GB" sz="800" dirty="0"/>
-              <a:t>specific details of the interrupts see the microcontroller datasheet</a:t>
-            </a:r>
-          </a:p>
-          <a:p>
-            <a:pPr marL="0" indent="0">
-              <a:buNone/>
-            </a:pPr>
-            <a:r>
-              <a:rPr lang="en-GB" sz="800" dirty="0" smtClean="0"/>
-              <a:t>The </a:t>
-            </a:r>
-            <a:r>
-              <a:rPr lang="en-GB" sz="800" dirty="0"/>
-              <a:t>first parameter is the GCBASIC identifier used in user code to expose the specific interrupt</a:t>
-            </a:r>
-          </a:p>
-          <a:p>
-            <a:pPr marL="514350" indent="-514350" defTabSz="850636">
-              <a:lnSpc>
-                <a:spcPct val="80000"/>
-              </a:lnSpc>
-              <a:spcBef>
-                <a:spcPct val="20000"/>
-              </a:spcBef>
-              <a:buFont typeface="+mj-lt"/>
-              <a:buAutoNum type="arabicPeriod"/>
-            </a:pPr>
-            <a:r>
-              <a:rPr lang="en-GB" sz="800" dirty="0">
-                <a:solidFill>
-                  <a:schemeClr val="tx1"/>
-                </a:solidFill>
-              </a:rPr>
-              <a:t>16bitUniversalTimerAInterrupt:TU16AIE,TU16AIF</a:t>
-            </a:r>
-          </a:p>
-          <a:p>
-            <a:pPr marL="514350" indent="-514350" defTabSz="850636">
-              <a:lnSpc>
-                <a:spcPct val="80000"/>
-              </a:lnSpc>
-              <a:spcBef>
-                <a:spcPct val="20000"/>
-              </a:spcBef>
-              <a:buFont typeface="+mj-lt"/>
-              <a:buAutoNum type="arabicPeriod"/>
-            </a:pPr>
-            <a:r>
-              <a:rPr lang="en-GB" sz="800" dirty="0">
-                <a:solidFill>
-                  <a:schemeClr val="tx1"/>
-                </a:solidFill>
-              </a:rPr>
-              <a:t>16bitUniversalTimerBInterrupt:TU16BIE,TU16BIF</a:t>
-            </a:r>
-          </a:p>
-          <a:p>
-            <a:pPr marL="514350" indent="-514350" defTabSz="850636">
-              <a:lnSpc>
-                <a:spcPct val="80000"/>
-              </a:lnSpc>
-              <a:spcBef>
-                <a:spcPct val="20000"/>
-              </a:spcBef>
-              <a:buFont typeface="+mj-lt"/>
-              <a:buAutoNum type="arabicPeriod"/>
-            </a:pPr>
-            <a:r>
-              <a:rPr lang="en-GB" sz="800" dirty="0" err="1">
-                <a:solidFill>
-                  <a:schemeClr val="tx1"/>
-                </a:solidFill>
-              </a:rPr>
-              <a:t>ADCReady:ADIE,ADIF</a:t>
-            </a:r>
-            <a:endParaRPr lang="en-GB" sz="800" dirty="0">
-              <a:solidFill>
-                <a:schemeClr val="tx1"/>
-              </a:solidFill>
-            </a:endParaRPr>
-          </a:p>
-          <a:p>
-            <a:pPr marL="514350" indent="-514350" defTabSz="850636">
-              <a:lnSpc>
-                <a:spcPct val="80000"/>
-              </a:lnSpc>
-              <a:spcBef>
-                <a:spcPct val="20000"/>
-              </a:spcBef>
-              <a:buFont typeface="+mj-lt"/>
-              <a:buAutoNum type="arabicPeriod"/>
-            </a:pPr>
-            <a:r>
-              <a:rPr lang="en-GB" sz="800" dirty="0" err="1">
-                <a:solidFill>
-                  <a:schemeClr val="tx1"/>
-                </a:solidFill>
-              </a:rPr>
-              <a:t>ADThreshold:ADTIE,ADTIF</a:t>
-            </a:r>
-            <a:endParaRPr lang="en-GB" sz="800" dirty="0">
-              <a:solidFill>
-                <a:schemeClr val="tx1"/>
-              </a:solidFill>
-            </a:endParaRPr>
-          </a:p>
-          <a:p>
-            <a:pPr marL="514350" indent="-514350" defTabSz="850636">
-              <a:lnSpc>
-                <a:spcPct val="80000"/>
-              </a:lnSpc>
-              <a:spcBef>
-                <a:spcPct val="20000"/>
-              </a:spcBef>
-              <a:buFont typeface="+mj-lt"/>
-              <a:buAutoNum type="arabicPeriod"/>
-            </a:pPr>
-            <a:r>
-              <a:rPr lang="en-GB" sz="800" dirty="0" err="1">
-                <a:solidFill>
-                  <a:schemeClr val="tx1"/>
-                </a:solidFill>
-              </a:rPr>
-              <a:t>ActiveClockTuning:ACTIE,ACTIF</a:t>
-            </a:r>
-            <a:endParaRPr lang="en-GB" sz="800" dirty="0">
-              <a:solidFill>
-                <a:schemeClr val="tx1"/>
-              </a:solidFill>
-            </a:endParaRPr>
-          </a:p>
-          <a:p>
-            <a:pPr marL="514350" indent="-514350" defTabSz="850636">
-              <a:lnSpc>
-                <a:spcPct val="80000"/>
-              </a:lnSpc>
-              <a:spcBef>
-                <a:spcPct val="20000"/>
-              </a:spcBef>
-              <a:buFont typeface="+mj-lt"/>
-              <a:buAutoNum type="arabicPeriod"/>
-            </a:pPr>
-            <a:r>
-              <a:rPr lang="en-GB" sz="800" dirty="0">
-                <a:solidFill>
-                  <a:schemeClr val="tx1"/>
-                </a:solidFill>
-              </a:rPr>
-              <a:t>CCP1:CCP1IE,CCP1IF</a:t>
-            </a:r>
-          </a:p>
-          <a:p>
-            <a:pPr marL="514350" indent="-514350" defTabSz="850636">
-              <a:lnSpc>
-                <a:spcPct val="80000"/>
-              </a:lnSpc>
-              <a:spcBef>
-                <a:spcPct val="20000"/>
-              </a:spcBef>
-              <a:buFont typeface="+mj-lt"/>
-              <a:buAutoNum type="arabicPeriod"/>
-            </a:pPr>
-            <a:r>
-              <a:rPr lang="en-GB" sz="800" dirty="0">
-                <a:solidFill>
-                  <a:schemeClr val="tx1"/>
-                </a:solidFill>
-              </a:rPr>
-              <a:t>CCP2:CCP2IE,CCP2IF</a:t>
-            </a:r>
-          </a:p>
-          <a:p>
-            <a:pPr marL="514350" indent="-514350" defTabSz="850636">
-              <a:lnSpc>
-                <a:spcPct val="80000"/>
-              </a:lnSpc>
-              <a:spcBef>
-                <a:spcPct val="20000"/>
-              </a:spcBef>
-              <a:buFont typeface="+mj-lt"/>
-              <a:buAutoNum type="arabicPeriod"/>
-            </a:pPr>
-            <a:r>
-              <a:rPr lang="en-GB" sz="800" dirty="0" err="1">
-                <a:solidFill>
-                  <a:schemeClr val="tx1"/>
-                </a:solidFill>
-              </a:rPr>
-              <a:t>CRCComplete:CRCIE,CRCIF</a:t>
-            </a:r>
-            <a:endParaRPr lang="en-GB" sz="800" dirty="0">
-              <a:solidFill>
-                <a:schemeClr val="tx1"/>
-              </a:solidFill>
-            </a:endParaRPr>
-          </a:p>
-          <a:p>
-            <a:pPr marL="514350" indent="-514350" defTabSz="850636">
-              <a:lnSpc>
-                <a:spcPct val="80000"/>
-              </a:lnSpc>
-              <a:spcBef>
-                <a:spcPct val="20000"/>
-              </a:spcBef>
-              <a:buFont typeface="+mj-lt"/>
-              <a:buAutoNum type="arabicPeriod"/>
-            </a:pPr>
-            <a:r>
-              <a:rPr lang="en-GB" sz="800" dirty="0">
-                <a:solidFill>
-                  <a:schemeClr val="tx1"/>
-                </a:solidFill>
-              </a:rPr>
-              <a:t>CWG1ShutDown:CWG1IE,CWG1IF</a:t>
-            </a:r>
-          </a:p>
-          <a:p>
-            <a:pPr marL="514350" indent="-514350" defTabSz="850636">
-              <a:lnSpc>
-                <a:spcPct val="80000"/>
-              </a:lnSpc>
-              <a:spcBef>
-                <a:spcPct val="20000"/>
-              </a:spcBef>
-              <a:buFont typeface="+mj-lt"/>
-              <a:buAutoNum type="arabicPeriod"/>
-            </a:pPr>
-            <a:r>
-              <a:rPr lang="en-GB" sz="800" dirty="0" err="1">
-                <a:solidFill>
-                  <a:schemeClr val="tx1"/>
-                </a:solidFill>
-              </a:rPr>
-              <a:t>ClockSwitchComplete:CSWIE,CSWIF</a:t>
-            </a:r>
-            <a:endParaRPr lang="en-GB" sz="800" dirty="0">
-              <a:solidFill>
-                <a:schemeClr val="tx1"/>
-              </a:solidFill>
-            </a:endParaRPr>
-          </a:p>
-          <a:p>
-            <a:pPr marL="514350" indent="-514350" defTabSz="850636">
-              <a:lnSpc>
-                <a:spcPct val="80000"/>
-              </a:lnSpc>
-              <a:spcBef>
-                <a:spcPct val="20000"/>
-              </a:spcBef>
-              <a:buFont typeface="+mj-lt"/>
-              <a:buAutoNum type="arabicPeriod"/>
-            </a:pPr>
-            <a:r>
-              <a:rPr lang="en-GB" sz="800" dirty="0">
-                <a:solidFill>
-                  <a:schemeClr val="tx1"/>
-                </a:solidFill>
-              </a:rPr>
-              <a:t>DMA1AbortInterrupt:DMA1AIE,DMA1AIF</a:t>
-            </a:r>
-          </a:p>
-          <a:p>
-            <a:pPr marL="514350" indent="-514350" defTabSz="850636">
-              <a:lnSpc>
-                <a:spcPct val="80000"/>
-              </a:lnSpc>
-              <a:spcBef>
-                <a:spcPct val="20000"/>
-              </a:spcBef>
-              <a:buFont typeface="+mj-lt"/>
-              <a:buAutoNum type="arabicPeriod"/>
-            </a:pPr>
-            <a:r>
-              <a:rPr lang="en-GB" sz="800" dirty="0">
-                <a:solidFill>
-                  <a:schemeClr val="tx1"/>
-                </a:solidFill>
-              </a:rPr>
-              <a:t>DMA1DestinationCountInterrupt:DMA1DCNTIE,DMA1DCNTIF</a:t>
-            </a:r>
-          </a:p>
-          <a:p>
-            <a:pPr marL="514350" indent="-514350" defTabSz="850636">
-              <a:lnSpc>
-                <a:spcPct val="80000"/>
-              </a:lnSpc>
-              <a:spcBef>
-                <a:spcPct val="20000"/>
-              </a:spcBef>
-              <a:buFont typeface="+mj-lt"/>
-              <a:buAutoNum type="arabicPeriod"/>
-            </a:pPr>
-            <a:r>
-              <a:rPr lang="en-GB" sz="800" dirty="0">
-                <a:solidFill>
-                  <a:schemeClr val="tx1"/>
-                </a:solidFill>
-              </a:rPr>
-              <a:t>DMA1OverrunInterrupt:DMA1ORIE,DMA1ORIF</a:t>
-            </a:r>
-          </a:p>
-          <a:p>
-            <a:pPr marL="514350" indent="-514350" defTabSz="850636">
-              <a:lnSpc>
-                <a:spcPct val="80000"/>
-              </a:lnSpc>
-              <a:spcBef>
-                <a:spcPct val="20000"/>
-              </a:spcBef>
-              <a:buFont typeface="+mj-lt"/>
-              <a:buAutoNum type="arabicPeriod"/>
-            </a:pPr>
-            <a:r>
-              <a:rPr lang="en-GB" sz="800" dirty="0">
-                <a:solidFill>
-                  <a:schemeClr val="tx1"/>
-                </a:solidFill>
-              </a:rPr>
-              <a:t>DMA1SourceCountInterrupt:DMA1SCNTIE,DMA1SCNTIF</a:t>
-            </a:r>
-          </a:p>
-          <a:p>
-            <a:pPr marL="514350" indent="-514350" defTabSz="850636">
-              <a:lnSpc>
-                <a:spcPct val="80000"/>
-              </a:lnSpc>
-              <a:spcBef>
-                <a:spcPct val="20000"/>
-              </a:spcBef>
-              <a:buFont typeface="+mj-lt"/>
-              <a:buAutoNum type="arabicPeriod"/>
-            </a:pPr>
-            <a:r>
-              <a:rPr lang="en-GB" sz="800" dirty="0">
-                <a:solidFill>
-                  <a:schemeClr val="tx1"/>
-                </a:solidFill>
-              </a:rPr>
-              <a:t>DMA2AbortInterrupt:DMA2AIE,DMA2AIF</a:t>
-            </a:r>
-          </a:p>
-          <a:p>
-            <a:pPr marL="514350" indent="-514350" defTabSz="850636">
-              <a:lnSpc>
-                <a:spcPct val="80000"/>
-              </a:lnSpc>
-              <a:spcBef>
-                <a:spcPct val="20000"/>
-              </a:spcBef>
-              <a:buFont typeface="+mj-lt"/>
-              <a:buAutoNum type="arabicPeriod"/>
-            </a:pPr>
-            <a:r>
-              <a:rPr lang="en-GB" sz="800" dirty="0">
-                <a:solidFill>
-                  <a:schemeClr val="tx1"/>
-                </a:solidFill>
-              </a:rPr>
-              <a:t>DMA2DestinationCountInterrupt:DMA2DCNTIE,DMA2DCNTIF</a:t>
-            </a:r>
-          </a:p>
-          <a:p>
-            <a:pPr marL="514350" indent="-514350" defTabSz="850636">
-              <a:lnSpc>
-                <a:spcPct val="80000"/>
-              </a:lnSpc>
-              <a:spcBef>
-                <a:spcPct val="20000"/>
-              </a:spcBef>
-              <a:buFont typeface="+mj-lt"/>
-              <a:buAutoNum type="arabicPeriod"/>
-            </a:pPr>
-            <a:r>
-              <a:rPr lang="en-GB" sz="800" dirty="0">
-                <a:solidFill>
-                  <a:schemeClr val="tx1"/>
-                </a:solidFill>
-              </a:rPr>
-              <a:t>DMA2OverrunInterrupt:DMA2ORIE,DMA2ORIF</a:t>
-            </a:r>
-          </a:p>
-          <a:p>
-            <a:pPr marL="514350" indent="-514350" defTabSz="850636">
-              <a:lnSpc>
-                <a:spcPct val="80000"/>
-              </a:lnSpc>
-              <a:spcBef>
-                <a:spcPct val="20000"/>
-              </a:spcBef>
-              <a:buFont typeface="+mj-lt"/>
-              <a:buAutoNum type="arabicPeriod"/>
-            </a:pPr>
-            <a:r>
-              <a:rPr lang="en-GB" sz="800" dirty="0">
-                <a:solidFill>
-                  <a:schemeClr val="tx1"/>
-                </a:solidFill>
-              </a:rPr>
-              <a:t>DMA2SourceCountInterrupt:DMA2SCNTIE,DMA2SCNTIF</a:t>
-            </a:r>
-          </a:p>
-          <a:p>
-            <a:pPr marL="514350" indent="-514350" defTabSz="850636">
-              <a:lnSpc>
-                <a:spcPct val="80000"/>
-              </a:lnSpc>
-              <a:spcBef>
-                <a:spcPct val="20000"/>
-              </a:spcBef>
-              <a:buFont typeface="+mj-lt"/>
-              <a:buAutoNum type="arabicPeriod"/>
-            </a:pPr>
-            <a:r>
-              <a:rPr lang="en-GB" sz="800" dirty="0">
-                <a:solidFill>
-                  <a:schemeClr val="tx1"/>
-                </a:solidFill>
-              </a:rPr>
-              <a:t>DMA3AbortInterrupt:DMA3AIE,DMA3AIF</a:t>
-            </a:r>
-          </a:p>
-          <a:p>
-            <a:pPr marL="514350" indent="-514350" defTabSz="850636">
-              <a:lnSpc>
-                <a:spcPct val="80000"/>
-              </a:lnSpc>
-              <a:spcBef>
-                <a:spcPct val="20000"/>
-              </a:spcBef>
-              <a:buFont typeface="+mj-lt"/>
-              <a:buAutoNum type="arabicPeriod"/>
-            </a:pPr>
-            <a:r>
-              <a:rPr lang="en-GB" sz="800" dirty="0">
-                <a:solidFill>
-                  <a:schemeClr val="tx1"/>
-                </a:solidFill>
-              </a:rPr>
-              <a:t>DMA3DestinationCountInterrupt:DMA3DCNTIE,DMA3DCNTIF</a:t>
-            </a:r>
-          </a:p>
-          <a:p>
-            <a:pPr marL="514350" indent="-514350" defTabSz="850636">
-              <a:lnSpc>
-                <a:spcPct val="80000"/>
-              </a:lnSpc>
-              <a:spcBef>
-                <a:spcPct val="20000"/>
-              </a:spcBef>
-              <a:buFont typeface="+mj-lt"/>
-              <a:buAutoNum type="arabicPeriod"/>
-            </a:pPr>
-            <a:r>
-              <a:rPr lang="en-GB" sz="800" dirty="0">
-                <a:solidFill>
-                  <a:schemeClr val="tx1"/>
-                </a:solidFill>
-              </a:rPr>
-              <a:t>DMA3OverrunInterrupt:DMA3ORIE,DMA3ORIF</a:t>
-            </a:r>
-          </a:p>
-          <a:p>
-            <a:pPr marL="514350" indent="-514350" defTabSz="850636">
-              <a:lnSpc>
-                <a:spcPct val="80000"/>
-              </a:lnSpc>
-              <a:spcBef>
-                <a:spcPct val="20000"/>
-              </a:spcBef>
-              <a:buFont typeface="+mj-lt"/>
-              <a:buAutoNum type="arabicPeriod"/>
-            </a:pPr>
-            <a:r>
-              <a:rPr lang="en-GB" sz="800" dirty="0">
-                <a:solidFill>
-                  <a:schemeClr val="tx1"/>
-                </a:solidFill>
-              </a:rPr>
-              <a:t>DMA3SourceCountInterrupt:DMA3SCNTIE,DMA3SCNTIF</a:t>
-            </a:r>
-          </a:p>
-          <a:p>
-            <a:pPr marL="514350" indent="-514350" defTabSz="850636">
-              <a:lnSpc>
-                <a:spcPct val="80000"/>
-              </a:lnSpc>
-              <a:spcBef>
-                <a:spcPct val="20000"/>
-              </a:spcBef>
-              <a:buFont typeface="+mj-lt"/>
-              <a:buAutoNum type="arabicPeriod"/>
-            </a:pPr>
-            <a:r>
-              <a:rPr lang="en-GB" sz="800" dirty="0">
-                <a:solidFill>
-                  <a:schemeClr val="tx1"/>
-                </a:solidFill>
-              </a:rPr>
-              <a:t>DMA4AbortInterrupt:DMA4AIE,DMA4AIF</a:t>
-            </a:r>
-          </a:p>
-          <a:p>
-            <a:pPr marL="514350" indent="-514350" defTabSz="850636">
-              <a:lnSpc>
-                <a:spcPct val="80000"/>
-              </a:lnSpc>
-              <a:spcBef>
-                <a:spcPct val="20000"/>
-              </a:spcBef>
-              <a:buFont typeface="+mj-lt"/>
-              <a:buAutoNum type="arabicPeriod"/>
-            </a:pPr>
-            <a:r>
-              <a:rPr lang="en-GB" sz="800" dirty="0">
-                <a:solidFill>
-                  <a:schemeClr val="tx1"/>
-                </a:solidFill>
-              </a:rPr>
-              <a:t>DMA4DestinationCountInterrupt:DMA4DCNTIE,DMA4DCNTIF</a:t>
-            </a:r>
-          </a:p>
-          <a:p>
-            <a:pPr marL="514350" indent="-514350" defTabSz="850636">
-              <a:lnSpc>
-                <a:spcPct val="80000"/>
-              </a:lnSpc>
-              <a:spcBef>
-                <a:spcPct val="20000"/>
-              </a:spcBef>
-              <a:buFont typeface="+mj-lt"/>
-              <a:buAutoNum type="arabicPeriod"/>
-            </a:pPr>
-            <a:r>
-              <a:rPr lang="en-GB" sz="800" dirty="0">
-                <a:solidFill>
-                  <a:schemeClr val="tx1"/>
-                </a:solidFill>
-              </a:rPr>
-              <a:t>DMA4OverrunInterrupt:DMA4ORIE,DMA4ORIF</a:t>
-            </a:r>
-          </a:p>
-          <a:p>
-            <a:pPr marL="514350" indent="-514350" defTabSz="850636">
-              <a:lnSpc>
-                <a:spcPct val="80000"/>
-              </a:lnSpc>
-              <a:spcBef>
-                <a:spcPct val="20000"/>
-              </a:spcBef>
-              <a:buFont typeface="+mj-lt"/>
-              <a:buAutoNum type="arabicPeriod"/>
-            </a:pPr>
-            <a:r>
-              <a:rPr lang="en-GB" sz="800" dirty="0">
-                <a:solidFill>
-                  <a:schemeClr val="tx1"/>
-                </a:solidFill>
-              </a:rPr>
-              <a:t>DMA4SourceCountInterrupt:DMA4SCNTIE,DMA4SCNTIF</a:t>
-            </a:r>
-          </a:p>
-          <a:p>
-            <a:pPr marL="514350" indent="-514350" defTabSz="850636">
-              <a:lnSpc>
-                <a:spcPct val="80000"/>
-              </a:lnSpc>
-              <a:spcBef>
-                <a:spcPct val="20000"/>
-              </a:spcBef>
-              <a:buFont typeface="+mj-lt"/>
-              <a:buAutoNum type="arabicPeriod"/>
-            </a:pPr>
-            <a:r>
-              <a:rPr lang="en-GB" sz="800" dirty="0">
-                <a:solidFill>
-                  <a:schemeClr val="tx1"/>
-                </a:solidFill>
-              </a:rPr>
-              <a:t>ExtInt0:INT0IE,INT0IF</a:t>
-            </a:r>
-          </a:p>
-          <a:p>
-            <a:pPr marL="514350" indent="-514350" defTabSz="850636">
-              <a:lnSpc>
-                <a:spcPct val="80000"/>
-              </a:lnSpc>
-              <a:spcBef>
-                <a:spcPct val="20000"/>
-              </a:spcBef>
-              <a:buFont typeface="+mj-lt"/>
-              <a:buAutoNum type="arabicPeriod"/>
-            </a:pPr>
-            <a:r>
-              <a:rPr lang="en-GB" sz="800" dirty="0">
-                <a:solidFill>
-                  <a:schemeClr val="tx1"/>
-                </a:solidFill>
-              </a:rPr>
-              <a:t>ExtInt1:INT1I</a:t>
-            </a:r>
-            <a:r>
-              <a:rPr lang="en-GB" sz="800" dirty="0" smtClean="0"/>
-              <a:t>E,INT1IF</a:t>
-            </a:r>
-            <a:endParaRPr lang="en-GB" sz="800" dirty="0"/>
-          </a:p>
-        </p:txBody>
-      </p:sp>
-      <p:sp>
-        <p:nvSpPr>
-          <p:cNvPr id="4" name="Content Placeholder 5"/>
-          <p:cNvSpPr txBox="1">
-            <a:spLocks/>
-          </p:cNvSpPr>
-          <p:nvPr/>
-        </p:nvSpPr>
-        <p:spPr>
-          <a:xfrm>
-            <a:off x="4283968" y="545430"/>
-            <a:ext cx="3250702" cy="3394472"/>
-          </a:xfrm>
-          <a:prstGeom prst="rect">
-            <a:avLst/>
-          </a:prstGeom>
-          <a:solidFill>
-            <a:schemeClr val="bg1"/>
-          </a:solidFill>
-        </p:spPr>
-        <p:txBody>
-          <a:bodyPr vert="horz" lIns="85064" tIns="42531" rIns="85064" bIns="42531" rtlCol="0">
-            <a:normAutofit fontScale="25000" lnSpcReduction="20000"/>
-          </a:bodyPr>
-          <a:lstStyle>
-            <a:lvl1pPr marL="318988" indent="-318988" algn="l" defTabSz="850636" rtl="0" eaLnBrk="1" latinLnBrk="0" hangingPunct="1">
-              <a:spcBef>
-                <a:spcPct val="20000"/>
-              </a:spcBef>
-              <a:buFont typeface="Arial" pitchFamily="34" charset="0"/>
-              <a:buChar char="•"/>
-              <a:defRPr sz="3000" kern="1200">
-                <a:solidFill>
-                  <a:schemeClr val="tx1"/>
-                </a:solidFill>
-                <a:latin typeface="+mn-lt"/>
-                <a:ea typeface="+mn-ea"/>
-                <a:cs typeface="+mn-cs"/>
-              </a:defRPr>
-            </a:lvl1pPr>
-            <a:lvl2pPr marL="691142" indent="-265824" algn="l" defTabSz="850636" rtl="0" eaLnBrk="1" latinLnBrk="0" hangingPunct="1">
-              <a:spcBef>
-                <a:spcPct val="20000"/>
-              </a:spcBef>
-              <a:buFont typeface="Arial" pitchFamily="34" charset="0"/>
-              <a:buChar char="–"/>
-              <a:defRPr sz="2600" kern="1200">
-                <a:solidFill>
-                  <a:schemeClr val="tx1"/>
-                </a:solidFill>
-                <a:latin typeface="+mn-lt"/>
-                <a:ea typeface="+mn-ea"/>
-                <a:cs typeface="+mn-cs"/>
-              </a:defRPr>
-            </a:lvl2pPr>
-            <a:lvl3pPr marL="1063295" indent="-212659" algn="l" defTabSz="850636" rtl="0" eaLnBrk="1" latinLnBrk="0" hangingPunct="1">
-              <a:spcBef>
-                <a:spcPct val="20000"/>
-              </a:spcBef>
-              <a:buFont typeface="Arial" pitchFamily="34" charset="0"/>
-              <a:buChar char="•"/>
-              <a:defRPr sz="2200" kern="1200">
-                <a:solidFill>
-                  <a:schemeClr val="tx1"/>
-                </a:solidFill>
-                <a:latin typeface="+mn-lt"/>
-                <a:ea typeface="+mn-ea"/>
-                <a:cs typeface="+mn-cs"/>
-              </a:defRPr>
-            </a:lvl3pPr>
-            <a:lvl4pPr marL="1488614" indent="-212659" algn="l" defTabSz="850636" rtl="0" eaLnBrk="1" latinLnBrk="0" hangingPunct="1">
-              <a:spcBef>
-                <a:spcPct val="20000"/>
-              </a:spcBef>
-              <a:buFont typeface="Arial" pitchFamily="34" charset="0"/>
-              <a:buChar char="–"/>
-              <a:defRPr sz="1900" kern="1200">
-                <a:solidFill>
-                  <a:schemeClr val="tx1"/>
-                </a:solidFill>
-                <a:latin typeface="+mn-lt"/>
-                <a:ea typeface="+mn-ea"/>
-                <a:cs typeface="+mn-cs"/>
-              </a:defRPr>
-            </a:lvl4pPr>
-            <a:lvl5pPr marL="1913932" indent="-212659" algn="l" defTabSz="850636" rtl="0" eaLnBrk="1" latinLnBrk="0" hangingPunct="1">
-              <a:spcBef>
-                <a:spcPct val="20000"/>
-              </a:spcBef>
-              <a:buFont typeface="Arial" pitchFamily="34" charset="0"/>
-              <a:buChar char="»"/>
-              <a:defRPr sz="1900" kern="1200">
-                <a:solidFill>
-                  <a:schemeClr val="tx1"/>
-                </a:solidFill>
-                <a:latin typeface="+mn-lt"/>
-                <a:ea typeface="+mn-ea"/>
-                <a:cs typeface="+mn-cs"/>
-              </a:defRPr>
-            </a:lvl5pPr>
-            <a:lvl6pPr marL="2339250" indent="-212659" algn="l" defTabSz="850636" rtl="0" eaLnBrk="1" latinLnBrk="0" hangingPunct="1">
-              <a:spcBef>
-                <a:spcPct val="20000"/>
-              </a:spcBef>
-              <a:buFont typeface="Arial" pitchFamily="34" charset="0"/>
-              <a:buChar char="•"/>
-              <a:defRPr sz="1900" kern="1200">
-                <a:solidFill>
-                  <a:schemeClr val="tx1"/>
-                </a:solidFill>
-                <a:latin typeface="+mn-lt"/>
-                <a:ea typeface="+mn-ea"/>
-                <a:cs typeface="+mn-cs"/>
-              </a:defRPr>
-            </a:lvl6pPr>
-            <a:lvl7pPr marL="2764568" indent="-212659" algn="l" defTabSz="850636" rtl="0" eaLnBrk="1" latinLnBrk="0" hangingPunct="1">
-              <a:spcBef>
-                <a:spcPct val="20000"/>
-              </a:spcBef>
-              <a:buFont typeface="Arial" pitchFamily="34" charset="0"/>
-              <a:buChar char="•"/>
-              <a:defRPr sz="1900" kern="1200">
-                <a:solidFill>
-                  <a:schemeClr val="tx1"/>
-                </a:solidFill>
-                <a:latin typeface="+mn-lt"/>
-                <a:ea typeface="+mn-ea"/>
-                <a:cs typeface="+mn-cs"/>
-              </a:defRPr>
-            </a:lvl7pPr>
-            <a:lvl8pPr marL="3189887" indent="-212659" algn="l" defTabSz="850636" rtl="0" eaLnBrk="1" latinLnBrk="0" hangingPunct="1">
-              <a:spcBef>
-                <a:spcPct val="20000"/>
-              </a:spcBef>
-              <a:buFont typeface="Arial" pitchFamily="34" charset="0"/>
-              <a:buChar char="•"/>
-              <a:defRPr sz="1900" kern="1200">
-                <a:solidFill>
-                  <a:schemeClr val="tx1"/>
-                </a:solidFill>
-                <a:latin typeface="+mn-lt"/>
-                <a:ea typeface="+mn-ea"/>
-                <a:cs typeface="+mn-cs"/>
-              </a:defRPr>
-            </a:lvl8pPr>
-            <a:lvl9pPr marL="3615205" indent="-212659" algn="l" defTabSz="850636" rtl="0" eaLnBrk="1" latinLnBrk="0" hangingPunct="1">
-              <a:spcBef>
-                <a:spcPct val="20000"/>
-              </a:spcBef>
-              <a:buFont typeface="Arial" pitchFamily="34" charset="0"/>
-              <a:buChar char="•"/>
-              <a:defRPr sz="1900" kern="1200">
-                <a:solidFill>
-                  <a:schemeClr val="tx1"/>
-                </a:solidFill>
-                <a:latin typeface="+mn-lt"/>
-                <a:ea typeface="+mn-ea"/>
-                <a:cs typeface="+mn-cs"/>
-              </a:defRPr>
-            </a:lvl9pPr>
-          </a:lstStyle>
-          <a:p>
-            <a:pPr marL="514350" indent="-514350">
-              <a:buFont typeface="+mj-lt"/>
-              <a:buAutoNum type="arabicPeriod" startAt="29"/>
-            </a:pPr>
-            <a:r>
-              <a:rPr lang="en-GB" dirty="0" smtClean="0"/>
-              <a:t>ExtInt1:INT1IE,INT1IF</a:t>
-            </a:r>
-          </a:p>
-          <a:p>
-            <a:pPr marL="514350" indent="-514350">
-              <a:buFont typeface="+mj-lt"/>
-              <a:buAutoNum type="arabicPeriod" startAt="29"/>
-            </a:pPr>
-            <a:r>
-              <a:rPr lang="en-GB" dirty="0" smtClean="0"/>
-              <a:t>ExtInt2:INT2IE,INT2IF</a:t>
-            </a:r>
-          </a:p>
-          <a:p>
-            <a:pPr marL="514350" indent="-514350">
-              <a:buFont typeface="+mj-lt"/>
-              <a:buAutoNum type="arabicPeriod" startAt="29"/>
-            </a:pPr>
-            <a:r>
-              <a:rPr lang="en-GB" dirty="0" smtClean="0"/>
-              <a:t>I2C1ErrorInterrupt:I2C1EIE,I2C1EIF</a:t>
-            </a:r>
-          </a:p>
-          <a:p>
-            <a:pPr marL="514350" indent="-514350">
-              <a:buFont typeface="+mj-lt"/>
-              <a:buAutoNum type="arabicPeriod" startAt="29"/>
-            </a:pPr>
-            <a:r>
-              <a:rPr lang="en-GB" dirty="0" smtClean="0"/>
-              <a:t>I2C1Interrupt:I2C1IE,I2C1IF</a:t>
-            </a:r>
-          </a:p>
-          <a:p>
-            <a:pPr marL="514350" indent="-514350">
-              <a:buFont typeface="+mj-lt"/>
-              <a:buAutoNum type="arabicPeriod" startAt="29"/>
-            </a:pPr>
-            <a:r>
-              <a:rPr lang="en-GB" dirty="0" smtClean="0"/>
-              <a:t>I2C1ReceiveInterrupt:I2C1RXIE,I2C1RXIF</a:t>
-            </a:r>
-          </a:p>
-          <a:p>
-            <a:pPr marL="514350" indent="-514350">
-              <a:buFont typeface="+mj-lt"/>
-              <a:buAutoNum type="arabicPeriod" startAt="29"/>
-            </a:pPr>
-            <a:r>
-              <a:rPr lang="en-GB" dirty="0" smtClean="0"/>
-              <a:t>I2C1TransmitInterrupt:I2C1TXIE,I2C1TXIF</a:t>
-            </a:r>
-          </a:p>
-          <a:p>
-            <a:pPr marL="514350" indent="-514350">
-              <a:buFont typeface="+mj-lt"/>
-              <a:buAutoNum type="arabicPeriod" startAt="29"/>
-            </a:pPr>
-            <a:r>
-              <a:rPr lang="en-GB" dirty="0" smtClean="0"/>
-              <a:t>LogicCell1Event:CLC1IE,CLC1IF</a:t>
-            </a:r>
-          </a:p>
-          <a:p>
-            <a:pPr marL="514350" indent="-514350">
-              <a:buFont typeface="+mj-lt"/>
-              <a:buAutoNum type="arabicPeriod" startAt="29"/>
-            </a:pPr>
-            <a:r>
-              <a:rPr lang="en-GB" dirty="0" smtClean="0"/>
-              <a:t>LogicCell2Event:CLC2IE,CLC2IF</a:t>
-            </a:r>
-          </a:p>
-          <a:p>
-            <a:pPr marL="514350" indent="-514350">
-              <a:buFont typeface="+mj-lt"/>
-              <a:buAutoNum type="arabicPeriod" startAt="29"/>
-            </a:pPr>
-            <a:r>
-              <a:rPr lang="en-GB" dirty="0" smtClean="0"/>
-              <a:t>LogicCell3Event:CLC3IE,CLC3IF</a:t>
-            </a:r>
-          </a:p>
-          <a:p>
-            <a:pPr marL="514350" indent="-514350">
-              <a:buFont typeface="+mj-lt"/>
-              <a:buAutoNum type="arabicPeriod" startAt="29"/>
-            </a:pPr>
-            <a:r>
-              <a:rPr lang="en-GB" dirty="0" smtClean="0"/>
-              <a:t>LogicCell4Event:CLC4IE,CLC4IF</a:t>
-            </a:r>
-          </a:p>
-          <a:p>
-            <a:pPr marL="514350" indent="-514350">
-              <a:buFont typeface="+mj-lt"/>
-              <a:buAutoNum type="arabicPeriod" startAt="29"/>
-            </a:pPr>
-            <a:r>
-              <a:rPr lang="en-GB" dirty="0" err="1" smtClean="0"/>
-              <a:t>NVMComplete:NVMIE,NVMIF</a:t>
-            </a:r>
-            <a:endParaRPr lang="en-GB" dirty="0" smtClean="0"/>
-          </a:p>
-          <a:p>
-            <a:pPr marL="514350" indent="-514350">
-              <a:buFont typeface="+mj-lt"/>
-              <a:buAutoNum type="arabicPeriod" startAt="29"/>
-            </a:pPr>
-            <a:r>
-              <a:rPr lang="en-GB" dirty="0" err="1" smtClean="0"/>
-              <a:t>OscillatorFail:OSFIE,OSFIF</a:t>
-            </a:r>
-            <a:endParaRPr lang="en-GB" dirty="0" smtClean="0"/>
-          </a:p>
-          <a:p>
-            <a:pPr marL="514350" indent="-514350">
-              <a:buFont typeface="+mj-lt"/>
-              <a:buAutoNum type="arabicPeriod" startAt="29"/>
-            </a:pPr>
-            <a:r>
-              <a:rPr lang="en-GB" b="1" dirty="0" err="1" smtClean="0"/>
-              <a:t>PORTABChange:IOCIE,IOCIF</a:t>
-            </a:r>
-            <a:endParaRPr lang="en-GB" b="1" dirty="0" smtClean="0"/>
-          </a:p>
-          <a:p>
-            <a:pPr marL="514350" indent="-514350">
-              <a:buFont typeface="+mj-lt"/>
-              <a:buAutoNum type="arabicPeriod" startAt="29"/>
-            </a:pPr>
-            <a:r>
-              <a:rPr lang="en-GB" dirty="0" smtClean="0"/>
-              <a:t>PWM1MatchEvent:PWM1IE,PWM1IF</a:t>
-            </a:r>
-          </a:p>
-          <a:p>
-            <a:pPr marL="514350" indent="-514350">
-              <a:buFont typeface="+mj-lt"/>
-              <a:buAutoNum type="arabicPeriod" startAt="29"/>
-            </a:pPr>
-            <a:r>
-              <a:rPr lang="en-GB" dirty="0" smtClean="0"/>
-              <a:t>PWM2MatchEvent:PWM2IE,PWM2IF</a:t>
-            </a:r>
-          </a:p>
-          <a:p>
-            <a:pPr marL="514350" indent="-514350">
-              <a:buFont typeface="+mj-lt"/>
-              <a:buAutoNum type="arabicPeriod" startAt="29"/>
-            </a:pPr>
-            <a:r>
-              <a:rPr lang="en-GB" dirty="0" smtClean="0"/>
-              <a:t>PWM2PeriodEvent:PWM2PIE,PWM2PIF</a:t>
-            </a:r>
-          </a:p>
-          <a:p>
-            <a:pPr marL="514350" indent="-514350">
-              <a:buFont typeface="+mj-lt"/>
-              <a:buAutoNum type="arabicPeriod" startAt="29"/>
-            </a:pPr>
-            <a:r>
-              <a:rPr lang="en-GB" dirty="0" smtClean="0"/>
-              <a:t>PWMPeriodEvent:PWM1PIE,PWM1PIF</a:t>
-            </a:r>
-          </a:p>
-          <a:p>
-            <a:pPr marL="514350" indent="-514350">
-              <a:buFont typeface="+mj-lt"/>
-              <a:buAutoNum type="arabicPeriod" startAt="29"/>
-            </a:pPr>
-            <a:r>
-              <a:rPr lang="en-GB" dirty="0" err="1" smtClean="0"/>
-              <a:t>PortChange:IOCIE,IOCIF</a:t>
-            </a:r>
-            <a:endParaRPr lang="en-GB" dirty="0" smtClean="0"/>
-          </a:p>
-          <a:p>
-            <a:pPr marL="514350" indent="-514350">
-              <a:buFont typeface="+mj-lt"/>
-              <a:buAutoNum type="arabicPeriod" startAt="29"/>
-            </a:pPr>
-            <a:r>
-              <a:rPr lang="en-GB" dirty="0" smtClean="0"/>
-              <a:t>SPIInterrupt:SPI1IE,SPI1IF</a:t>
-            </a:r>
-          </a:p>
-          <a:p>
-            <a:pPr marL="514350" indent="-514350">
-              <a:buFont typeface="+mj-lt"/>
-              <a:buAutoNum type="arabicPeriod" startAt="29"/>
-            </a:pPr>
-            <a:r>
-              <a:rPr lang="en-GB" dirty="0" smtClean="0"/>
-              <a:t>SPIReceiveInterrupt:SPI1RXIE,SPI1RXIF</a:t>
-            </a:r>
-          </a:p>
-          <a:p>
-            <a:pPr marL="514350" indent="-514350">
-              <a:buFont typeface="+mj-lt"/>
-              <a:buAutoNum type="arabicPeriod" startAt="29"/>
-            </a:pPr>
-            <a:r>
-              <a:rPr lang="en-GB" dirty="0" smtClean="0"/>
-              <a:t>SPITransmitInterrupt:SPI1TXIE,SPI1TXIF</a:t>
-            </a:r>
-          </a:p>
-          <a:p>
-            <a:pPr marL="514350" indent="-514350">
-              <a:buFont typeface="+mj-lt"/>
-              <a:buAutoNum type="arabicPeriod" startAt="29"/>
-            </a:pPr>
-            <a:r>
-              <a:rPr lang="en-GB" dirty="0" err="1" smtClean="0"/>
-              <a:t>ScanComplete:SCANIE,SCANIF</a:t>
-            </a:r>
-            <a:endParaRPr lang="en-GB" dirty="0" smtClean="0"/>
-          </a:p>
-          <a:p>
-            <a:pPr marL="514350" indent="-514350">
-              <a:buFont typeface="+mj-lt"/>
-              <a:buAutoNum type="arabicPeriod" startAt="29"/>
-            </a:pPr>
-            <a:r>
-              <a:rPr lang="en-GB" dirty="0" err="1" smtClean="0"/>
-              <a:t>SoftwareInterrupt:SWIE,SWIF</a:t>
-            </a:r>
-            <a:endParaRPr lang="en-GB" dirty="0" smtClean="0"/>
-          </a:p>
-          <a:p>
-            <a:pPr marL="514350" indent="-514350">
-              <a:buFont typeface="+mj-lt"/>
-              <a:buAutoNum type="arabicPeriod" startAt="29"/>
-            </a:pPr>
-            <a:r>
-              <a:rPr lang="en-GB" dirty="0" smtClean="0"/>
-              <a:t>Timer0Overflow:TMR0IE,TMR0IF</a:t>
-            </a:r>
-          </a:p>
-          <a:p>
-            <a:pPr marL="514350" indent="-514350">
-              <a:buFont typeface="+mj-lt"/>
-              <a:buAutoNum type="arabicPeriod" startAt="29"/>
-            </a:pPr>
-            <a:r>
-              <a:rPr lang="en-GB" dirty="0" smtClean="0"/>
-              <a:t>Timer1Gate:TMR1GIE,TMR1GIF</a:t>
-            </a:r>
-          </a:p>
-          <a:p>
-            <a:pPr marL="514350" indent="-514350">
-              <a:buFont typeface="+mj-lt"/>
-              <a:buAutoNum type="arabicPeriod" startAt="29"/>
-            </a:pPr>
-            <a:r>
-              <a:rPr lang="en-GB" dirty="0" smtClean="0"/>
-              <a:t>Timer1Overflow:TMR1IE,TMR1IF</a:t>
-            </a:r>
-          </a:p>
-          <a:p>
-            <a:pPr marL="514350" indent="-514350">
-              <a:buFont typeface="+mj-lt"/>
-              <a:buAutoNum type="arabicPeriod" startAt="29"/>
-            </a:pPr>
-            <a:r>
-              <a:rPr lang="en-GB" dirty="0" smtClean="0"/>
-              <a:t>Timer2Match:TMR2IE,TMR2IF</a:t>
-            </a:r>
-          </a:p>
-          <a:p>
-            <a:pPr marL="514350" indent="-514350">
-              <a:buFont typeface="+mj-lt"/>
-              <a:buAutoNum type="arabicPeriod" startAt="29"/>
-            </a:pPr>
-            <a:r>
-              <a:rPr lang="en-GB" dirty="0" smtClean="0"/>
-              <a:t>Timer4Match:TMR4IE,TMR4IF</a:t>
-            </a:r>
-          </a:p>
-          <a:p>
-            <a:pPr marL="514350" indent="-514350">
-              <a:buFont typeface="+mj-lt"/>
-              <a:buAutoNum type="arabicPeriod" startAt="29"/>
-            </a:pPr>
-            <a:r>
-              <a:rPr lang="en-GB" dirty="0" smtClean="0"/>
-              <a:t>UART1FramingErrorInterrupt:U1EIE,U1EIF</a:t>
-            </a:r>
-          </a:p>
-          <a:p>
-            <a:pPr marL="514350" indent="-514350">
-              <a:buFont typeface="+mj-lt"/>
-              <a:buAutoNum type="arabicPeriod" startAt="29"/>
-            </a:pPr>
-            <a:r>
-              <a:rPr lang="en-GB" dirty="0" smtClean="0"/>
-              <a:t>UART1Interrupt:U1IE,U1IF</a:t>
-            </a:r>
-          </a:p>
-          <a:p>
-            <a:pPr marL="514350" indent="-514350">
-              <a:buFont typeface="+mj-lt"/>
-              <a:buAutoNum type="arabicPeriod" startAt="29"/>
-            </a:pPr>
-            <a:r>
-              <a:rPr lang="en-GB" dirty="0" smtClean="0"/>
-              <a:t>UART1ReceiveInterrupt:U1RXIE,U1RXIF</a:t>
-            </a:r>
-          </a:p>
-          <a:p>
-            <a:pPr marL="514350" indent="-514350">
-              <a:buFont typeface="+mj-lt"/>
-              <a:buAutoNum type="arabicPeriod" startAt="29"/>
-            </a:pPr>
-            <a:r>
-              <a:rPr lang="en-GB" dirty="0" smtClean="0"/>
-              <a:t>UART1TransmitInterrupt:U1TXIE,U1TXIF</a:t>
-            </a:r>
-          </a:p>
-          <a:p>
-            <a:pPr marL="514350" indent="-514350">
-              <a:buFont typeface="+mj-lt"/>
-              <a:buAutoNum type="arabicPeriod" startAt="29"/>
-            </a:pPr>
-            <a:r>
-              <a:rPr lang="en-GB" dirty="0" smtClean="0"/>
-              <a:t>UART2FramingErrorInterrupt:U2EIE,U2EIF</a:t>
-            </a:r>
-          </a:p>
-          <a:p>
-            <a:pPr marL="514350" indent="-514350">
-              <a:buFont typeface="+mj-lt"/>
-              <a:buAutoNum type="arabicPeriod" startAt="29"/>
-            </a:pPr>
-            <a:r>
-              <a:rPr lang="en-GB" dirty="0" smtClean="0"/>
-              <a:t>UART2Interrupt:U2IE,U2IF</a:t>
-            </a:r>
-          </a:p>
-          <a:p>
-            <a:pPr marL="514350" indent="-514350">
-              <a:buFont typeface="+mj-lt"/>
-              <a:buAutoNum type="arabicPeriod" startAt="29"/>
-            </a:pPr>
-            <a:r>
-              <a:rPr lang="en-GB" dirty="0" smtClean="0"/>
-              <a:t>UART2ReceiveInterrupt:U2RXIE,U2RXIF</a:t>
-            </a:r>
-          </a:p>
-          <a:p>
-            <a:pPr marL="514350" indent="-514350">
-              <a:buFont typeface="+mj-lt"/>
-              <a:buAutoNum type="arabicPeriod" startAt="29"/>
-            </a:pPr>
-            <a:r>
-              <a:rPr lang="en-GB" dirty="0" smtClean="0"/>
-              <a:t>UART2TransmitInterrupt:U2TXIE,U2TXIF</a:t>
-            </a:r>
-          </a:p>
-          <a:p>
-            <a:pPr marL="514350" indent="-514350">
-              <a:buFont typeface="+mj-lt"/>
-              <a:buAutoNum type="arabicPeriod" startAt="29"/>
-            </a:pPr>
-            <a:r>
-              <a:rPr lang="en-GB" dirty="0" err="1" smtClean="0"/>
-              <a:t>VoltageFail:HLVDIE,HLVDIF</a:t>
-            </a:r>
-            <a:endParaRPr lang="en-GB" dirty="0" smtClean="0"/>
-          </a:p>
-          <a:p>
-            <a:endParaRPr lang="en-GB" dirty="0"/>
+            <a:pPr marL="266700" indent="-174625" defTabSz="898525">
+              <a:spcBef>
+                <a:spcPts val="0"/>
+              </a:spcBef>
+            </a:pPr>
+            <a:r>
+              <a:rPr lang="en-GB" sz="1100" b="1" dirty="0"/>
+              <a:t>Interrupts are events that alter the normal execution flow of a program to respond to external or internal events.</a:t>
+            </a:r>
+          </a:p>
+          <a:p>
+            <a:pPr marL="266700" indent="-174625" defTabSz="898525">
+              <a:spcBef>
+                <a:spcPts val="0"/>
+              </a:spcBef>
+            </a:pPr>
+            <a:endParaRPr lang="en-GB" sz="1100" b="1" dirty="0"/>
+          </a:p>
+          <a:p>
+            <a:pPr marL="266700" indent="-174625" defTabSz="898525">
+              <a:spcBef>
+                <a:spcPts val="0"/>
+              </a:spcBef>
+            </a:pPr>
+            <a:r>
+              <a:rPr lang="en-GB" sz="1100" b="1" dirty="0"/>
+              <a:t>Advantages</a:t>
+            </a:r>
+          </a:p>
+          <a:p>
+            <a:pPr marL="566737" lvl="2" indent="-174625" defTabSz="898525">
+              <a:spcBef>
+                <a:spcPts val="0"/>
+              </a:spcBef>
+            </a:pPr>
+            <a:r>
+              <a:rPr lang="en-GB" dirty="0"/>
+              <a:t>Immediate response to critical events</a:t>
+            </a:r>
+          </a:p>
+          <a:p>
+            <a:pPr marL="566737" lvl="2" indent="-174625" defTabSz="898525">
+              <a:spcBef>
+                <a:spcPts val="0"/>
+              </a:spcBef>
+            </a:pPr>
+            <a:r>
+              <a:rPr lang="en-GB" dirty="0"/>
+              <a:t>Efficient use of the microcontroller's resources</a:t>
+            </a:r>
+            <a:endParaRPr lang="en-GB" b="1" dirty="0"/>
+          </a:p>
+          <a:p>
+            <a:pPr marL="266700" indent="-174625" defTabSz="898525">
+              <a:spcBef>
+                <a:spcPts val="0"/>
+              </a:spcBef>
+            </a:pPr>
+            <a:endParaRPr lang="en-GB" sz="1100" b="1" dirty="0"/>
+          </a:p>
+          <a:p>
+            <a:pPr marL="266700" indent="-174625" defTabSz="898525">
+              <a:spcBef>
+                <a:spcPts val="0"/>
+              </a:spcBef>
+            </a:pPr>
+            <a:r>
+              <a:rPr lang="en-GB" sz="1100" b="1" dirty="0"/>
+              <a:t>Types of Interrupts</a:t>
+            </a:r>
+          </a:p>
+          <a:p>
+            <a:pPr marL="566737" lvl="2" indent="-174625" defTabSz="898525">
+              <a:spcBef>
+                <a:spcPts val="0"/>
+              </a:spcBef>
+            </a:pPr>
+            <a:r>
+              <a:rPr lang="en-GB" dirty="0"/>
+              <a:t>External Interrupts: Triggered by events on external pins (RB0/INT0, RB1/INT1, etc.)</a:t>
+            </a:r>
+          </a:p>
+          <a:p>
+            <a:pPr marL="566737" lvl="2" indent="-174625" defTabSz="898525">
+              <a:spcBef>
+                <a:spcPts val="0"/>
+              </a:spcBef>
+            </a:pPr>
+            <a:r>
+              <a:rPr lang="en-GB" dirty="0"/>
+              <a:t>Timer Interrupts: Triggered by timer overflows or matches</a:t>
+            </a:r>
+          </a:p>
+          <a:p>
+            <a:pPr marL="566737" lvl="2" indent="-174625" defTabSz="898525">
+              <a:spcBef>
+                <a:spcPts val="0"/>
+              </a:spcBef>
+            </a:pPr>
+            <a:r>
+              <a:rPr lang="en-GB" dirty="0"/>
+              <a:t>Peripheral Interrupts: Triggered by events from peripherals (USART, ADC, etc.)</a:t>
+            </a:r>
+          </a:p>
+          <a:p>
+            <a:pPr marL="566737" lvl="2" indent="-174625" defTabSz="898525">
+              <a:spcBef>
+                <a:spcPts val="0"/>
+              </a:spcBef>
+            </a:pPr>
+            <a:r>
+              <a:rPr lang="en-GB" dirty="0"/>
+              <a:t>Software Interrupts: Triggered by software instructions</a:t>
+            </a:r>
+            <a:endParaRPr lang="en-GB" b="1" dirty="0"/>
+          </a:p>
+          <a:p>
+            <a:pPr marL="266700" indent="-174625" defTabSz="898525">
+              <a:spcBef>
+                <a:spcPts val="0"/>
+              </a:spcBef>
+            </a:pPr>
+            <a:endParaRPr lang="en-GB" sz="1100" b="1" dirty="0"/>
+          </a:p>
+          <a:p>
+            <a:pPr marL="266700" indent="-174625" defTabSz="898525">
+              <a:spcBef>
+                <a:spcPts val="0"/>
+              </a:spcBef>
+            </a:pPr>
+            <a:r>
+              <a:rPr lang="en-GB" sz="1100" b="1" dirty="0"/>
+              <a:t>Key Registers</a:t>
+            </a:r>
+          </a:p>
+          <a:p>
+            <a:pPr marL="566737" lvl="2" indent="-174625" defTabSz="898525">
+              <a:spcBef>
+                <a:spcPts val="0"/>
+              </a:spcBef>
+            </a:pPr>
+            <a:r>
+              <a:rPr lang="en-GB" dirty="0"/>
+              <a:t>INTCON: Controls global interrupt enable and individual interrupt flags</a:t>
+            </a:r>
+          </a:p>
+          <a:p>
+            <a:pPr marL="566737" lvl="2" indent="-174625" defTabSz="898525">
+              <a:spcBef>
+                <a:spcPts val="0"/>
+              </a:spcBef>
+            </a:pPr>
+            <a:r>
+              <a:rPr lang="en-GB" dirty="0"/>
+              <a:t>PIE1, PIE2: Peripheral Interrupt Enable registers</a:t>
+            </a:r>
+          </a:p>
+          <a:p>
+            <a:pPr marL="566737" lvl="2" indent="-174625" defTabSz="898525">
+              <a:spcBef>
+                <a:spcPts val="0"/>
+              </a:spcBef>
+            </a:pPr>
+            <a:r>
+              <a:rPr lang="en-GB" dirty="0"/>
+              <a:t>PIR1, PIR2: Peripheral Interrupt Request (flag) registers</a:t>
+            </a:r>
+            <a:endParaRPr lang="en-GB" b="1" dirty="0"/>
+          </a:p>
+          <a:p>
+            <a:pPr marL="266700" indent="-174625" defTabSz="898525">
+              <a:spcBef>
+                <a:spcPts val="0"/>
+              </a:spcBef>
+            </a:pPr>
+            <a:endParaRPr lang="en-GB" sz="1100" b="1" dirty="0"/>
+          </a:p>
+          <a:p>
+            <a:pPr marL="266700" indent="-174625" defTabSz="898525">
+              <a:spcBef>
+                <a:spcPts val="0"/>
+              </a:spcBef>
+            </a:pPr>
+            <a:r>
+              <a:rPr lang="en-GB" sz="1100" b="1" dirty="0"/>
+              <a:t>Interrupt Service Routine (ISR)</a:t>
+            </a:r>
+          </a:p>
+          <a:p>
+            <a:pPr marL="566737" lvl="2" indent="-174625" defTabSz="898525">
+              <a:spcBef>
+                <a:spcPts val="0"/>
+              </a:spcBef>
+            </a:pPr>
+            <a:r>
+              <a:rPr lang="en-GB" dirty="0"/>
+              <a:t>Special function that executes when an interrupt occurs</a:t>
+            </a:r>
+          </a:p>
+          <a:p>
+            <a:pPr marL="566737" lvl="2" indent="-174625" defTabSz="898525">
+              <a:spcBef>
+                <a:spcPts val="0"/>
+              </a:spcBef>
+            </a:pPr>
+            <a:r>
+              <a:rPr lang="en-GB" dirty="0"/>
+              <a:t>Must be as short and efficient as possible to avoid delaying other operations</a:t>
+            </a:r>
+          </a:p>
+          <a:p>
+            <a:pPr marL="92075" indent="0" defTabSz="898525">
+              <a:spcBef>
+                <a:spcPts val="0"/>
+              </a:spcBef>
+              <a:buNone/>
+            </a:pPr>
+            <a:endParaRPr lang="en-GB" sz="1100" b="1" dirty="0"/>
           </a:p>
         </p:txBody>
       </p:sp>
     </p:spTree>
     <p:extLst>
       <p:ext uri="{BB962C8B-B14F-4D97-AF65-F5344CB8AC3E}">
-        <p14:creationId xmlns:p14="http://schemas.microsoft.com/office/powerpoint/2010/main" val="1291147938"/>
+        <p14:creationId xmlns:p14="http://schemas.microsoft.com/office/powerpoint/2010/main" val="2429066046"/>
       </p:ext>
     </p:extLst>
   </p:cSld>
   <p:clrMapOvr>
     <a:masterClrMapping/>
   </p:clrMapOvr>
-  <mc:AlternateContent xmlns:mc="http://schemas.openxmlformats.org/markup-compatibility/2006">
-    <mc:Choice xmlns:p14="http://schemas.microsoft.com/office/powerpoint/2010/main" Requires="p14">
+  <mc:AlternateContent xmlns:mc="http://schemas.openxmlformats.org/markup-compatibility/2006" xmlns:p14="http://schemas.microsoft.com/office/powerpoint/2010/main">
+    <mc:Choice Requires="p14">
       <p:transition spd="slow" p14:dur="2000" advClick="0"/>
     </mc:Choice>
-    <mc:Fallback>
+    <mc:Fallback xmlns="">
       <p:transition spd="slow" advClick="0"/>
     </mc:Fallback>
   </mc:AlternateContent>
@@ -9951,22 +8762,15 @@
             <p:ph type="title"/>
           </p:nvPr>
         </p:nvSpPr>
-        <p:spPr>
-          <a:xfrm>
-            <a:off x="179512" y="411510"/>
-            <a:ext cx="5400600" cy="558552"/>
-          </a:xfrm>
-        </p:spPr>
-        <p:txBody>
-          <a:bodyPr vert="horz" lIns="85064" tIns="42531" rIns="85064" bIns="42531" rtlCol="0" anchor="ctr">
-            <a:normAutofit/>
-          </a:bodyPr>
+        <p:spPr/>
+        <p:txBody>
+          <a:bodyPr/>
           <a:lstStyle/>
           <a:p>
             <a:pPr algn="l"/>
             <a:r>
               <a:rPr lang="en-GB" dirty="0"/>
-              <a:t>Interrupt on Change (IOC)</a:t>
+              <a:t>Interrupts…</a:t>
             </a:r>
           </a:p>
         </p:txBody>
@@ -9981,137 +8785,1087 @@
             <p:ph idx="1"/>
           </p:nvPr>
         </p:nvSpPr>
-        <p:spPr/>
-        <p:txBody>
-          <a:bodyPr vert="horz" lIns="85064" tIns="42531" rIns="85064" bIns="42531" rtlCol="0">
+        <p:spPr>
+          <a:xfrm>
+            <a:off x="467544" y="915566"/>
+            <a:ext cx="3754757" cy="3960440"/>
+          </a:xfrm>
+          <a:solidFill>
+            <a:schemeClr val="bg1"/>
+          </a:solidFill>
+        </p:spPr>
+        <p:txBody>
+          <a:bodyPr>
             <a:noAutofit/>
           </a:bodyPr>
           <a:lstStyle/>
           <a:p>
-            <a:pPr marL="266700" indent="-174625" defTabSz="898525"/>
-            <a:r>
-              <a:rPr lang="en-GB" sz="1400" b="1" dirty="0" smtClean="0"/>
-              <a:t>Detects </a:t>
-            </a:r>
-            <a:r>
-              <a:rPr lang="en-GB" sz="1400" b="1" dirty="0"/>
-              <a:t>changes in the state of selected </a:t>
-            </a:r>
-            <a:r>
-              <a:rPr lang="en-GB" sz="1400" b="1" dirty="0" smtClean="0"/>
-              <a:t>pins</a:t>
-            </a:r>
-          </a:p>
-          <a:p>
-            <a:pPr marL="266700" indent="-174625" defTabSz="898525"/>
-            <a:endParaRPr lang="en-GB" sz="1400" b="1" dirty="0" smtClean="0"/>
-          </a:p>
-          <a:p>
-            <a:pPr marL="266700" indent="-174625" defTabSz="898525"/>
-            <a:r>
-              <a:rPr lang="en-GB" sz="1400" b="1" dirty="0" smtClean="0"/>
-              <a:t>Key Points</a:t>
-            </a:r>
-            <a:endParaRPr lang="en-GB" sz="1400" b="1" dirty="0"/>
-          </a:p>
-          <a:p>
-            <a:pPr marL="638854" lvl="1" indent="-174625" defTabSz="898525"/>
-            <a:r>
-              <a:rPr lang="en-GB" sz="1200" b="1" dirty="0"/>
-              <a:t>Configuration: Set </a:t>
-            </a:r>
-            <a:r>
-              <a:rPr lang="en-GB" sz="1200" b="1" dirty="0" smtClean="0"/>
-              <a:t>IO </a:t>
-            </a:r>
-            <a:r>
-              <a:rPr lang="en-GB" sz="1200" b="1" dirty="0" err="1" smtClean="0"/>
-              <a:t>port.pin</a:t>
-            </a:r>
-            <a:r>
-              <a:rPr lang="en-GB" sz="1200" b="1" dirty="0" smtClean="0"/>
-              <a:t> </a:t>
-            </a:r>
-            <a:r>
-              <a:rPr lang="en-GB" sz="1200" b="1" dirty="0"/>
-              <a:t>as inputs and configure the </a:t>
-            </a:r>
-            <a:r>
-              <a:rPr lang="en-GB" sz="1200" b="1" dirty="0" smtClean="0"/>
-              <a:t>correct register </a:t>
-            </a:r>
-            <a:r>
-              <a:rPr lang="en-GB" sz="1200" b="1" dirty="0"/>
-              <a:t>for edge detection (rising or falling edge).</a:t>
-            </a:r>
-          </a:p>
-          <a:p>
-            <a:pPr marL="266700" indent="-174625" defTabSz="898525"/>
-            <a:r>
-              <a:rPr lang="en-GB" sz="1400" b="1" dirty="0"/>
-              <a:t>Interrupt Service Routine (</a:t>
-            </a:r>
-            <a:r>
-              <a:rPr lang="en-GB" sz="1400" b="1" dirty="0" smtClean="0"/>
-              <a:t>ISR)</a:t>
-            </a:r>
-          </a:p>
-          <a:p>
-            <a:pPr marL="638854" lvl="1" indent="-174625" defTabSz="898525"/>
-            <a:r>
-              <a:rPr lang="en-GB" sz="1200" b="1" dirty="0" smtClean="0"/>
-              <a:t>Handles </a:t>
-            </a:r>
-            <a:r>
-              <a:rPr lang="en-GB" sz="1200" b="1" dirty="0"/>
-              <a:t>the interrupt </a:t>
-            </a:r>
-            <a:r>
-              <a:rPr lang="en-GB" sz="1200" b="1" dirty="0" smtClean="0"/>
-              <a:t>event</a:t>
-            </a:r>
-            <a:endParaRPr lang="en-GB" sz="1200" b="1" dirty="0"/>
-          </a:p>
-          <a:p>
-            <a:pPr marL="266700" indent="-174625" defTabSz="898525"/>
-            <a:r>
-              <a:rPr lang="en-GB" sz="1400" b="1" dirty="0"/>
-              <a:t>Global Interrupt Enable (GIE): </a:t>
-            </a:r>
-            <a:endParaRPr lang="en-GB" sz="1400" b="1" dirty="0" smtClean="0"/>
-          </a:p>
-          <a:p>
-            <a:pPr marL="638854" lvl="1" indent="-174625" defTabSz="898525"/>
-            <a:r>
-              <a:rPr lang="en-GB" sz="1200" b="1" dirty="0" smtClean="0"/>
-              <a:t>Enables </a:t>
-            </a:r>
-            <a:r>
-              <a:rPr lang="en-GB" sz="1200" b="1" dirty="0"/>
-              <a:t>the microcontroller to respond to interrupts</a:t>
-            </a:r>
-          </a:p>
-          <a:p>
-            <a:pPr marL="266700" indent="-174625" defTabSz="898525"/>
-            <a:endParaRPr lang="en-GB" sz="1400" b="1" dirty="0"/>
+            <a:pPr marL="0" indent="0">
+              <a:buNone/>
+            </a:pPr>
+            <a:r>
+              <a:rPr lang="en-GB" sz="800" dirty="0"/>
+              <a:t>For specific details of the interrupts see the microcontroller datasheet</a:t>
+            </a:r>
+          </a:p>
+          <a:p>
+            <a:pPr marL="0" indent="0">
+              <a:buNone/>
+            </a:pPr>
+            <a:r>
+              <a:rPr lang="en-GB" sz="800" dirty="0"/>
+              <a:t>The first parameter is the GCBASIC identifier used in user code to expose the specific interrupt</a:t>
+            </a:r>
+          </a:p>
+          <a:p>
+            <a:pPr marL="0" indent="0">
+              <a:spcBef>
+                <a:spcPts val="0"/>
+              </a:spcBef>
+              <a:buNone/>
+            </a:pPr>
+            <a:r>
+              <a:rPr lang="en-GB" sz="800" dirty="0"/>
+              <a:t>1. </a:t>
+            </a:r>
+            <a:r>
+              <a:rPr lang="en-GB" sz="800" dirty="0" err="1"/>
+              <a:t>ADCReady:ADIE,ADIF</a:t>
+            </a:r>
+            <a:r>
+              <a:rPr lang="en-GB" sz="800" dirty="0"/>
+              <a:t>  </a:t>
+            </a:r>
+          </a:p>
+          <a:p>
+            <a:pPr marL="0" indent="0">
+              <a:spcBef>
+                <a:spcPts val="0"/>
+              </a:spcBef>
+              <a:buNone/>
+            </a:pPr>
+            <a:r>
+              <a:rPr lang="en-GB" sz="800" dirty="0"/>
+              <a:t>2. </a:t>
+            </a:r>
+            <a:r>
+              <a:rPr lang="en-GB" sz="800" dirty="0" err="1"/>
+              <a:t>ADThreshold:ADTIE,ADTIF</a:t>
+            </a:r>
+            <a:r>
+              <a:rPr lang="en-GB" sz="800" dirty="0"/>
+              <a:t>  </a:t>
+            </a:r>
+          </a:p>
+          <a:p>
+            <a:pPr marL="0" indent="0">
+              <a:spcBef>
+                <a:spcPts val="0"/>
+              </a:spcBef>
+              <a:buNone/>
+            </a:pPr>
+            <a:r>
+              <a:rPr lang="en-GB" sz="800" dirty="0"/>
+              <a:t>3. </a:t>
+            </a:r>
+            <a:r>
+              <a:rPr lang="en-GB" sz="800" dirty="0" err="1"/>
+              <a:t>ActiveClockTuning:ACTIE,ACTIF</a:t>
+            </a:r>
+            <a:r>
+              <a:rPr lang="en-GB" sz="800" dirty="0"/>
+              <a:t>  </a:t>
+            </a:r>
+          </a:p>
+          <a:p>
+            <a:pPr marL="0" indent="0">
+              <a:spcBef>
+                <a:spcPts val="0"/>
+              </a:spcBef>
+              <a:buNone/>
+            </a:pPr>
+            <a:r>
+              <a:rPr lang="en-GB" sz="800" dirty="0"/>
+              <a:t>4. CCP1:CCP1IE,CCP1IF  </a:t>
+            </a:r>
+          </a:p>
+          <a:p>
+            <a:pPr marL="0" indent="0">
+              <a:spcBef>
+                <a:spcPts val="0"/>
+              </a:spcBef>
+              <a:buNone/>
+            </a:pPr>
+            <a:r>
+              <a:rPr lang="en-GB" sz="800" dirty="0"/>
+              <a:t>5. CCP2:CCP2IE,CCP2IF  </a:t>
+            </a:r>
+          </a:p>
+          <a:p>
+            <a:pPr marL="0" indent="0">
+              <a:spcBef>
+                <a:spcPts val="0"/>
+              </a:spcBef>
+              <a:buNone/>
+            </a:pPr>
+            <a:r>
+              <a:rPr lang="en-GB" sz="800" dirty="0"/>
+              <a:t>6. </a:t>
+            </a:r>
+            <a:r>
+              <a:rPr lang="en-GB" sz="800" dirty="0" err="1"/>
+              <a:t>CRCComplete:CRCIE,CRCIF</a:t>
+            </a:r>
+            <a:r>
+              <a:rPr lang="en-GB" sz="800" dirty="0"/>
+              <a:t>  </a:t>
+            </a:r>
+          </a:p>
+          <a:p>
+            <a:pPr marL="0" indent="0">
+              <a:spcBef>
+                <a:spcPts val="0"/>
+              </a:spcBef>
+              <a:buNone/>
+            </a:pPr>
+            <a:r>
+              <a:rPr lang="en-GB" sz="800" dirty="0"/>
+              <a:t>7. CWG1ShutDown:CWG1IE,CWG1IF  </a:t>
+            </a:r>
+          </a:p>
+          <a:p>
+            <a:pPr marL="0" indent="0">
+              <a:spcBef>
+                <a:spcPts val="0"/>
+              </a:spcBef>
+              <a:buNone/>
+            </a:pPr>
+            <a:r>
+              <a:rPr lang="en-GB" sz="800" dirty="0"/>
+              <a:t>8. </a:t>
+            </a:r>
+            <a:r>
+              <a:rPr lang="en-GB" sz="800" dirty="0" err="1"/>
+              <a:t>ClockSwitchComplete:CSWIE,CSWIF</a:t>
+            </a:r>
+            <a:r>
+              <a:rPr lang="en-GB" sz="800" dirty="0"/>
+              <a:t>  </a:t>
+            </a:r>
+          </a:p>
+          <a:p>
+            <a:pPr marL="0" indent="0">
+              <a:spcBef>
+                <a:spcPts val="0"/>
+              </a:spcBef>
+              <a:buNone/>
+            </a:pPr>
+            <a:r>
+              <a:rPr lang="en-GB" sz="800" dirty="0"/>
+              <a:t>9. Comp1Change:CM1IE,CM1IF  </a:t>
+            </a:r>
+          </a:p>
+          <a:p>
+            <a:pPr marL="0" indent="0">
+              <a:spcBef>
+                <a:spcPts val="0"/>
+              </a:spcBef>
+              <a:buNone/>
+            </a:pPr>
+            <a:r>
+              <a:rPr lang="en-GB" sz="800" dirty="0"/>
+              <a:t>10. ExtInt0:INTE,INTF  </a:t>
+            </a:r>
+          </a:p>
+          <a:p>
+            <a:pPr marL="0" indent="0">
+              <a:spcBef>
+                <a:spcPts val="0"/>
+              </a:spcBef>
+              <a:buNone/>
+            </a:pPr>
+            <a:r>
+              <a:rPr lang="en-GB" sz="800" dirty="0"/>
+              <a:t>11. LogicCell1Event:CLC1IE,CLC1IF  </a:t>
+            </a:r>
+          </a:p>
+          <a:p>
+            <a:pPr marL="0" indent="0">
+              <a:spcBef>
+                <a:spcPts val="0"/>
+              </a:spcBef>
+              <a:buNone/>
+            </a:pPr>
+            <a:r>
+              <a:rPr lang="en-GB" sz="800" dirty="0"/>
+              <a:t>12. LogicCell2Event:CLC2IE,CLC2IF  </a:t>
+            </a:r>
+          </a:p>
+          <a:p>
+            <a:pPr marL="0" indent="0">
+              <a:spcBef>
+                <a:spcPts val="0"/>
+              </a:spcBef>
+              <a:buNone/>
+            </a:pPr>
+            <a:r>
+              <a:rPr lang="en-GB" sz="800" dirty="0"/>
+              <a:t>13. LogicCell3Event:CLC3IE,CLC3IF  </a:t>
+            </a:r>
+          </a:p>
+          <a:p>
+            <a:pPr marL="0" indent="0">
+              <a:spcBef>
+                <a:spcPts val="0"/>
+              </a:spcBef>
+              <a:buNone/>
+            </a:pPr>
+            <a:r>
+              <a:rPr lang="en-GB" sz="800" dirty="0"/>
+              <a:t>14. LogicCell4Event:CLC4IE,CLC4IF  </a:t>
+            </a:r>
+          </a:p>
+          <a:p>
+            <a:pPr marL="0" indent="0">
+              <a:spcBef>
+                <a:spcPts val="0"/>
+              </a:spcBef>
+              <a:buNone/>
+            </a:pPr>
+            <a:r>
+              <a:rPr lang="en-GB" sz="800" dirty="0"/>
+              <a:t>15. LowPowerComparator:CMLP1IE,CMLP1IF  </a:t>
+            </a:r>
+          </a:p>
+          <a:p>
+            <a:pPr marL="0" indent="0">
+              <a:spcBef>
+                <a:spcPts val="0"/>
+              </a:spcBef>
+              <a:buNone/>
+            </a:pPr>
+            <a:r>
+              <a:rPr lang="en-GB" sz="800" dirty="0"/>
+              <a:t>16. </a:t>
+            </a:r>
+            <a:r>
+              <a:rPr lang="en-GB" sz="800" dirty="0" err="1"/>
+              <a:t>NVMComplete:NVMIE,NVMIF</a:t>
+            </a:r>
+            <a:r>
+              <a:rPr lang="en-GB" sz="800" dirty="0"/>
+              <a:t>  </a:t>
+            </a:r>
+          </a:p>
+          <a:p>
+            <a:pPr marL="0" indent="0">
+              <a:spcBef>
+                <a:spcPts val="0"/>
+              </a:spcBef>
+              <a:buNone/>
+            </a:pPr>
+            <a:r>
+              <a:rPr lang="en-GB" sz="800" dirty="0"/>
+              <a:t>17. NumericOscOverflow:NCO1IE,NCO1IF  </a:t>
+            </a:r>
+          </a:p>
+          <a:p>
+            <a:pPr marL="0" indent="0">
+              <a:spcBef>
+                <a:spcPts val="0"/>
+              </a:spcBef>
+              <a:buNone/>
+            </a:pPr>
+            <a:r>
+              <a:rPr lang="en-GB" sz="800" dirty="0"/>
+              <a:t>18. OPA1SelfCalibration:OPA1CIE,OPA1CIF  </a:t>
+            </a:r>
+          </a:p>
+          <a:p>
+            <a:pPr marL="0" indent="0">
+              <a:spcBef>
+                <a:spcPts val="0"/>
+              </a:spcBef>
+              <a:buNone/>
+            </a:pPr>
+            <a:r>
+              <a:rPr lang="en-GB" sz="800" dirty="0"/>
+              <a:t>19. OPA2SelfCalibration:OPA2CIE,OPA2CIF  </a:t>
+            </a:r>
+          </a:p>
+          <a:p>
+            <a:pPr marL="0" indent="0">
+              <a:spcBef>
+                <a:spcPts val="0"/>
+              </a:spcBef>
+              <a:buNone/>
+            </a:pPr>
+            <a:r>
+              <a:rPr lang="en-GB" sz="800" dirty="0"/>
+              <a:t>20. OPA3SelfCalibration:OPA3CIE,OPA3CIF  </a:t>
+            </a:r>
+          </a:p>
+          <a:p>
+            <a:pPr marL="0" indent="0">
+              <a:spcBef>
+                <a:spcPts val="0"/>
+              </a:spcBef>
+              <a:buNone/>
+            </a:pPr>
+            <a:r>
+              <a:rPr lang="en-GB" sz="800" dirty="0"/>
+              <a:t>21. </a:t>
+            </a:r>
+            <a:r>
+              <a:rPr lang="en-GB" sz="800" dirty="0" err="1"/>
+              <a:t>OscillatorFail:OSFIE,OSFIF</a:t>
+            </a:r>
+            <a:r>
+              <a:rPr lang="en-GB" sz="800" dirty="0"/>
+              <a:t>  </a:t>
+            </a:r>
+          </a:p>
+          <a:p>
+            <a:pPr marL="0" indent="0">
+              <a:spcBef>
+                <a:spcPts val="0"/>
+              </a:spcBef>
+              <a:buNone/>
+            </a:pPr>
+            <a:r>
+              <a:rPr lang="en-GB" sz="800" dirty="0"/>
+              <a:t>22. </a:t>
+            </a:r>
+            <a:r>
+              <a:rPr lang="en-GB" sz="800" dirty="0" err="1"/>
+              <a:t>PORTABChange:IOCIE,IOCIF</a:t>
+            </a:r>
+            <a:r>
+              <a:rPr lang="en-GB" sz="800" dirty="0"/>
+              <a:t>  </a:t>
+            </a:r>
+          </a:p>
+          <a:p>
+            <a:pPr marL="0" indent="0">
+              <a:spcBef>
+                <a:spcPts val="0"/>
+              </a:spcBef>
+              <a:buNone/>
+            </a:pPr>
+            <a:r>
+              <a:rPr lang="en-GB" sz="800" dirty="0"/>
+              <a:t>23. PWM1MatchEvent:PWM1IE,PWM1IF  </a:t>
+            </a:r>
+          </a:p>
+          <a:p>
+            <a:pPr marL="0" indent="0">
+              <a:spcBef>
+                <a:spcPts val="0"/>
+              </a:spcBef>
+              <a:buNone/>
+            </a:pPr>
+            <a:r>
+              <a:rPr lang="en-GB" sz="800" dirty="0"/>
+              <a:t>24. PWM2MatchEvent:PWM2IE,PWM2IF  </a:t>
+            </a:r>
+          </a:p>
+          <a:p>
+            <a:pPr marL="0" indent="0">
+              <a:spcBef>
+                <a:spcPts val="0"/>
+              </a:spcBef>
+              <a:buNone/>
+            </a:pPr>
+            <a:r>
+              <a:rPr lang="en-GB" sz="800" dirty="0"/>
+              <a:t>25. PWM2PeriodEvent:PWM2PIE,PWM2PIF  </a:t>
+            </a:r>
+          </a:p>
+          <a:p>
+            <a:pPr marL="0" indent="0">
+              <a:spcBef>
+                <a:spcPts val="0"/>
+              </a:spcBef>
+              <a:buNone/>
+            </a:pPr>
+            <a:r>
+              <a:rPr lang="en-GB" sz="800" dirty="0"/>
+              <a:t>26. PWMPeriodEvent:PWM1PIE,PWM1PIF  </a:t>
+            </a:r>
+          </a:p>
+          <a:p>
+            <a:pPr marL="0" indent="0">
+              <a:spcBef>
+                <a:spcPts val="0"/>
+              </a:spcBef>
+              <a:buNone/>
+            </a:pPr>
+            <a:r>
+              <a:rPr lang="en-GB" sz="800" dirty="0"/>
+              <a:t>27. </a:t>
+            </a:r>
+            <a:r>
+              <a:rPr lang="en-GB" sz="800" dirty="0" err="1"/>
+              <a:t>PortChange:IOCIE,IOCIF</a:t>
+            </a:r>
+            <a:r>
+              <a:rPr lang="en-GB" sz="800" dirty="0"/>
+              <a:t>  </a:t>
+            </a:r>
+          </a:p>
+          <a:p>
+            <a:pPr marL="0" indent="0">
+              <a:spcBef>
+                <a:spcPts val="0"/>
+              </a:spcBef>
+              <a:buNone/>
+            </a:pPr>
+            <a:r>
+              <a:rPr lang="en-GB" sz="800" dirty="0"/>
+              <a:t>28. SSP1Collision:BCL1IE,BCL1IF  </a:t>
+            </a:r>
+          </a:p>
+          <a:p>
+            <a:pPr marL="0" indent="0">
+              <a:spcBef>
+                <a:spcPts val="0"/>
+              </a:spcBef>
+              <a:buNone/>
+            </a:pPr>
+            <a:r>
+              <a:rPr lang="en-GB" sz="800" dirty="0"/>
+              <a:t>29. SSP1Ready:SSP1IE,SSP1IF  </a:t>
+            </a:r>
+          </a:p>
+          <a:p>
+            <a:pPr marL="0" indent="0">
+              <a:spcBef>
+                <a:spcPts val="0"/>
+              </a:spcBef>
+              <a:buNone/>
+            </a:pPr>
+            <a:r>
+              <a:rPr lang="en-GB" sz="800" dirty="0"/>
+              <a:t>30. SSP2Collision:BCL2IE,BCL2IF  </a:t>
+            </a:r>
+          </a:p>
+        </p:txBody>
+      </p:sp>
+      <p:sp>
+        <p:nvSpPr>
+          <p:cNvPr id="4" name="Content Placeholder 5"/>
+          <p:cNvSpPr txBox="1">
+            <a:spLocks/>
+          </p:cNvSpPr>
+          <p:nvPr/>
+        </p:nvSpPr>
+        <p:spPr>
+          <a:xfrm>
+            <a:off x="4139952" y="1275606"/>
+            <a:ext cx="3250702" cy="3394472"/>
+          </a:xfrm>
+          <a:prstGeom prst="rect">
+            <a:avLst/>
+          </a:prstGeom>
+          <a:solidFill>
+            <a:schemeClr val="bg1"/>
+          </a:solidFill>
+        </p:spPr>
+        <p:txBody>
+          <a:bodyPr vert="horz" lIns="85064" tIns="42531" rIns="85064" bIns="42531" rtlCol="0">
+            <a:normAutofit/>
+          </a:bodyPr>
+          <a:lstStyle>
+            <a:lvl1pPr marL="318988" indent="-318988" algn="l" defTabSz="850636" rtl="0" eaLnBrk="1" latinLnBrk="0" hangingPunct="1">
+              <a:spcBef>
+                <a:spcPct val="20000"/>
+              </a:spcBef>
+              <a:buFont typeface="Arial" pitchFamily="34" charset="0"/>
+              <a:buChar char="•"/>
+              <a:defRPr sz="3000" kern="1200">
+                <a:solidFill>
+                  <a:schemeClr val="tx1"/>
+                </a:solidFill>
+                <a:latin typeface="+mn-lt"/>
+                <a:ea typeface="+mn-ea"/>
+                <a:cs typeface="+mn-cs"/>
+              </a:defRPr>
+            </a:lvl1pPr>
+            <a:lvl2pPr marL="691142" indent="-265824" algn="l" defTabSz="850636" rtl="0" eaLnBrk="1" latinLnBrk="0" hangingPunct="1">
+              <a:spcBef>
+                <a:spcPct val="20000"/>
+              </a:spcBef>
+              <a:buFont typeface="Arial" pitchFamily="34" charset="0"/>
+              <a:buChar char="–"/>
+              <a:defRPr sz="2600" kern="1200">
+                <a:solidFill>
+                  <a:schemeClr val="tx1"/>
+                </a:solidFill>
+                <a:latin typeface="+mn-lt"/>
+                <a:ea typeface="+mn-ea"/>
+                <a:cs typeface="+mn-cs"/>
+              </a:defRPr>
+            </a:lvl2pPr>
+            <a:lvl3pPr marL="1063295" indent="-212659" algn="l" defTabSz="850636" rtl="0" eaLnBrk="1" latinLnBrk="0" hangingPunct="1">
+              <a:spcBef>
+                <a:spcPct val="20000"/>
+              </a:spcBef>
+              <a:buFont typeface="Arial" pitchFamily="34" charset="0"/>
+              <a:buChar char="•"/>
+              <a:defRPr sz="2200" kern="1200">
+                <a:solidFill>
+                  <a:schemeClr val="tx1"/>
+                </a:solidFill>
+                <a:latin typeface="+mn-lt"/>
+                <a:ea typeface="+mn-ea"/>
+                <a:cs typeface="+mn-cs"/>
+              </a:defRPr>
+            </a:lvl3pPr>
+            <a:lvl4pPr marL="1488614" indent="-212659" algn="l" defTabSz="850636" rtl="0" eaLnBrk="1" latinLnBrk="0" hangingPunct="1">
+              <a:spcBef>
+                <a:spcPct val="20000"/>
+              </a:spcBef>
+              <a:buFont typeface="Arial" pitchFamily="34" charset="0"/>
+              <a:buChar char="–"/>
+              <a:defRPr sz="1900" kern="1200">
+                <a:solidFill>
+                  <a:schemeClr val="tx1"/>
+                </a:solidFill>
+                <a:latin typeface="+mn-lt"/>
+                <a:ea typeface="+mn-ea"/>
+                <a:cs typeface="+mn-cs"/>
+              </a:defRPr>
+            </a:lvl4pPr>
+            <a:lvl5pPr marL="1913932" indent="-212659" algn="l" defTabSz="850636" rtl="0" eaLnBrk="1" latinLnBrk="0" hangingPunct="1">
+              <a:spcBef>
+                <a:spcPct val="20000"/>
+              </a:spcBef>
+              <a:buFont typeface="Arial" pitchFamily="34" charset="0"/>
+              <a:buChar char="»"/>
+              <a:defRPr sz="1900" kern="1200">
+                <a:solidFill>
+                  <a:schemeClr val="tx1"/>
+                </a:solidFill>
+                <a:latin typeface="+mn-lt"/>
+                <a:ea typeface="+mn-ea"/>
+                <a:cs typeface="+mn-cs"/>
+              </a:defRPr>
+            </a:lvl5pPr>
+            <a:lvl6pPr marL="2339250" indent="-212659" algn="l" defTabSz="850636" rtl="0" eaLnBrk="1" latinLnBrk="0" hangingPunct="1">
+              <a:spcBef>
+                <a:spcPct val="20000"/>
+              </a:spcBef>
+              <a:buFont typeface="Arial" pitchFamily="34" charset="0"/>
+              <a:buChar char="•"/>
+              <a:defRPr sz="1900" kern="1200">
+                <a:solidFill>
+                  <a:schemeClr val="tx1"/>
+                </a:solidFill>
+                <a:latin typeface="+mn-lt"/>
+                <a:ea typeface="+mn-ea"/>
+                <a:cs typeface="+mn-cs"/>
+              </a:defRPr>
+            </a:lvl6pPr>
+            <a:lvl7pPr marL="2764568" indent="-212659" algn="l" defTabSz="850636" rtl="0" eaLnBrk="1" latinLnBrk="0" hangingPunct="1">
+              <a:spcBef>
+                <a:spcPct val="20000"/>
+              </a:spcBef>
+              <a:buFont typeface="Arial" pitchFamily="34" charset="0"/>
+              <a:buChar char="•"/>
+              <a:defRPr sz="1900" kern="1200">
+                <a:solidFill>
+                  <a:schemeClr val="tx1"/>
+                </a:solidFill>
+                <a:latin typeface="+mn-lt"/>
+                <a:ea typeface="+mn-ea"/>
+                <a:cs typeface="+mn-cs"/>
+              </a:defRPr>
+            </a:lvl7pPr>
+            <a:lvl8pPr marL="3189887" indent="-212659" algn="l" defTabSz="850636" rtl="0" eaLnBrk="1" latinLnBrk="0" hangingPunct="1">
+              <a:spcBef>
+                <a:spcPct val="20000"/>
+              </a:spcBef>
+              <a:buFont typeface="Arial" pitchFamily="34" charset="0"/>
+              <a:buChar char="•"/>
+              <a:defRPr sz="1900" kern="1200">
+                <a:solidFill>
+                  <a:schemeClr val="tx1"/>
+                </a:solidFill>
+                <a:latin typeface="+mn-lt"/>
+                <a:ea typeface="+mn-ea"/>
+                <a:cs typeface="+mn-cs"/>
+              </a:defRPr>
+            </a:lvl8pPr>
+            <a:lvl9pPr marL="3615205" indent="-212659" algn="l" defTabSz="850636" rtl="0" eaLnBrk="1" latinLnBrk="0" hangingPunct="1">
+              <a:spcBef>
+                <a:spcPct val="20000"/>
+              </a:spcBef>
+              <a:buFont typeface="Arial" pitchFamily="34" charset="0"/>
+              <a:buChar char="•"/>
+              <a:defRPr sz="1900" kern="1200">
+                <a:solidFill>
+                  <a:schemeClr val="tx1"/>
+                </a:solidFill>
+                <a:latin typeface="+mn-lt"/>
+                <a:ea typeface="+mn-ea"/>
+                <a:cs typeface="+mn-cs"/>
+              </a:defRPr>
+            </a:lvl9pPr>
+          </a:lstStyle>
+          <a:p>
+            <a:pPr marL="0" indent="0" defTabSz="342900">
+              <a:spcBef>
+                <a:spcPts val="0"/>
+              </a:spcBef>
+              <a:buClr>
+                <a:schemeClr val="accent1"/>
+              </a:buClr>
+              <a:buSzPct val="80000"/>
+              <a:buNone/>
+            </a:pPr>
+            <a:r>
+              <a:rPr lang="en-GB" sz="800" dirty="0">
+                <a:solidFill>
+                  <a:schemeClr val="tx1">
+                    <a:lumMod val="75000"/>
+                    <a:lumOff val="25000"/>
+                  </a:schemeClr>
+                </a:solidFill>
+              </a:rPr>
+              <a:t>31. SSP2Ready:SSP2IE,SSP2IF  </a:t>
+            </a:r>
+          </a:p>
+          <a:p>
+            <a:pPr marL="0" indent="0" defTabSz="342900">
+              <a:spcBef>
+                <a:spcPts val="0"/>
+              </a:spcBef>
+              <a:buClr>
+                <a:schemeClr val="accent1"/>
+              </a:buClr>
+              <a:buSzPct val="80000"/>
+              <a:buNone/>
+            </a:pPr>
+            <a:r>
+              <a:rPr lang="en-GB" sz="800" dirty="0">
+                <a:solidFill>
+                  <a:schemeClr val="tx1">
+                    <a:lumMod val="75000"/>
+                    <a:lumOff val="25000"/>
+                  </a:schemeClr>
+                </a:solidFill>
+              </a:rPr>
+              <a:t>32. </a:t>
+            </a:r>
+            <a:r>
+              <a:rPr lang="en-GB" sz="800" dirty="0" err="1">
+                <a:solidFill>
+                  <a:schemeClr val="tx1">
+                    <a:lumMod val="75000"/>
+                    <a:lumOff val="25000"/>
+                  </a:schemeClr>
+                </a:solidFill>
+              </a:rPr>
+              <a:t>ScanComplete:SCANIE,SCANIF</a:t>
+            </a:r>
+            <a:r>
+              <a:rPr lang="en-GB" sz="800" dirty="0">
+                <a:solidFill>
+                  <a:schemeClr val="tx1">
+                    <a:lumMod val="75000"/>
+                    <a:lumOff val="25000"/>
+                  </a:schemeClr>
+                </a:solidFill>
+              </a:rPr>
+              <a:t>  </a:t>
+            </a:r>
+          </a:p>
+          <a:p>
+            <a:pPr marL="0" indent="0" defTabSz="342900">
+              <a:spcBef>
+                <a:spcPts val="0"/>
+              </a:spcBef>
+              <a:buClr>
+                <a:schemeClr val="accent1"/>
+              </a:buClr>
+              <a:buSzPct val="80000"/>
+              <a:buNone/>
+            </a:pPr>
+            <a:r>
+              <a:rPr lang="en-GB" sz="800" dirty="0">
+                <a:solidFill>
+                  <a:schemeClr val="tx1">
+                    <a:lumMod val="75000"/>
+                    <a:lumOff val="25000"/>
+                  </a:schemeClr>
+                </a:solidFill>
+              </a:rPr>
+              <a:t>33. </a:t>
+            </a:r>
+            <a:r>
+              <a:rPr lang="en-GB" sz="800" dirty="0" err="1">
+                <a:solidFill>
+                  <a:schemeClr val="tx1">
+                    <a:lumMod val="75000"/>
+                    <a:lumOff val="25000"/>
+                  </a:schemeClr>
+                </a:solidFill>
+              </a:rPr>
+              <a:t>SignalRoutingPortIOC:IOCSRIE,IOCSRIF</a:t>
+            </a:r>
+            <a:r>
+              <a:rPr lang="en-GB" sz="800" dirty="0">
+                <a:solidFill>
+                  <a:schemeClr val="tx1">
+                    <a:lumMod val="75000"/>
+                    <a:lumOff val="25000"/>
+                  </a:schemeClr>
+                </a:solidFill>
+              </a:rPr>
+              <a:t>  </a:t>
+            </a:r>
+          </a:p>
+          <a:p>
+            <a:pPr marL="0" indent="0" defTabSz="342900">
+              <a:spcBef>
+                <a:spcPts val="0"/>
+              </a:spcBef>
+              <a:buClr>
+                <a:schemeClr val="accent1"/>
+              </a:buClr>
+              <a:buSzPct val="80000"/>
+              <a:buNone/>
+            </a:pPr>
+            <a:r>
+              <a:rPr lang="en-GB" sz="800" dirty="0">
+                <a:solidFill>
+                  <a:schemeClr val="tx1">
+                    <a:lumMod val="75000"/>
+                    <a:lumOff val="25000"/>
+                  </a:schemeClr>
+                </a:solidFill>
+              </a:rPr>
+              <a:t>34. Timer0Overflow:TMR0IE,TMR0IF  </a:t>
+            </a:r>
+          </a:p>
+          <a:p>
+            <a:pPr marL="0" indent="0" defTabSz="342900">
+              <a:spcBef>
+                <a:spcPts val="0"/>
+              </a:spcBef>
+              <a:buClr>
+                <a:schemeClr val="accent1"/>
+              </a:buClr>
+              <a:buSzPct val="80000"/>
+              <a:buNone/>
+            </a:pPr>
+            <a:r>
+              <a:rPr lang="en-GB" sz="800" dirty="0">
+                <a:solidFill>
+                  <a:schemeClr val="tx1">
+                    <a:lumMod val="75000"/>
+                    <a:lumOff val="25000"/>
+                  </a:schemeClr>
+                </a:solidFill>
+              </a:rPr>
+              <a:t>35. Timer1Gate:TMR1GIE,TMR1GIF  </a:t>
+            </a:r>
+          </a:p>
+          <a:p>
+            <a:pPr marL="0" indent="0" defTabSz="342900">
+              <a:spcBef>
+                <a:spcPts val="0"/>
+              </a:spcBef>
+              <a:buClr>
+                <a:schemeClr val="accent1"/>
+              </a:buClr>
+              <a:buSzPct val="80000"/>
+              <a:buNone/>
+            </a:pPr>
+            <a:r>
+              <a:rPr lang="en-GB" sz="800" dirty="0">
+                <a:solidFill>
+                  <a:schemeClr val="tx1">
+                    <a:lumMod val="75000"/>
+                    <a:lumOff val="25000"/>
+                  </a:schemeClr>
+                </a:solidFill>
+              </a:rPr>
+              <a:t>36. Timer1Overflow:TMR1IE,TMR1IF  </a:t>
+            </a:r>
+          </a:p>
+          <a:p>
+            <a:pPr marL="0" indent="0" defTabSz="342900">
+              <a:spcBef>
+                <a:spcPts val="0"/>
+              </a:spcBef>
+              <a:buClr>
+                <a:schemeClr val="accent1"/>
+              </a:buClr>
+              <a:buSzPct val="80000"/>
+              <a:buNone/>
+            </a:pPr>
+            <a:r>
+              <a:rPr lang="en-GB" sz="800" dirty="0">
+                <a:solidFill>
+                  <a:schemeClr val="tx1">
+                    <a:lumMod val="75000"/>
+                    <a:lumOff val="25000"/>
+                  </a:schemeClr>
+                </a:solidFill>
+              </a:rPr>
+              <a:t>37. Timer2Match:TMR2IE,TMR2IF  </a:t>
+            </a:r>
+          </a:p>
+          <a:p>
+            <a:pPr marL="0" indent="0" defTabSz="342900">
+              <a:spcBef>
+                <a:spcPts val="0"/>
+              </a:spcBef>
+              <a:buClr>
+                <a:schemeClr val="accent1"/>
+              </a:buClr>
+              <a:buSzPct val="80000"/>
+              <a:buNone/>
+            </a:pPr>
+            <a:r>
+              <a:rPr lang="en-GB" sz="800" dirty="0">
+                <a:solidFill>
+                  <a:schemeClr val="tx1">
+                    <a:lumMod val="75000"/>
+                    <a:lumOff val="25000"/>
+                  </a:schemeClr>
+                </a:solidFill>
+              </a:rPr>
+              <a:t>38. Timer3Gate:TMR3GIE,TMR3GIF  </a:t>
+            </a:r>
+          </a:p>
+          <a:p>
+            <a:pPr marL="0" indent="0" defTabSz="342900">
+              <a:spcBef>
+                <a:spcPts val="0"/>
+              </a:spcBef>
+              <a:buClr>
+                <a:schemeClr val="accent1"/>
+              </a:buClr>
+              <a:buSzPct val="80000"/>
+              <a:buNone/>
+            </a:pPr>
+            <a:r>
+              <a:rPr lang="en-GB" sz="800" dirty="0">
+                <a:solidFill>
+                  <a:schemeClr val="tx1">
+                    <a:lumMod val="75000"/>
+                    <a:lumOff val="25000"/>
+                  </a:schemeClr>
+                </a:solidFill>
+              </a:rPr>
+              <a:t>39. Timer3Overflow:TMR3IE,TMR3IF  </a:t>
+            </a:r>
+          </a:p>
+          <a:p>
+            <a:pPr marL="0" indent="0" defTabSz="342900">
+              <a:spcBef>
+                <a:spcPts val="0"/>
+              </a:spcBef>
+              <a:buClr>
+                <a:schemeClr val="accent1"/>
+              </a:buClr>
+              <a:buSzPct val="80000"/>
+              <a:buNone/>
+            </a:pPr>
+            <a:r>
+              <a:rPr lang="en-GB" sz="800" dirty="0">
+                <a:solidFill>
+                  <a:schemeClr val="tx1">
+                    <a:lumMod val="75000"/>
+                    <a:lumOff val="25000"/>
+                  </a:schemeClr>
+                </a:solidFill>
+              </a:rPr>
+              <a:t>40. Timer4Match:TMR4IE,TMR4IF  </a:t>
+            </a:r>
+          </a:p>
+          <a:p>
+            <a:pPr marL="0" indent="0" defTabSz="342900">
+              <a:spcBef>
+                <a:spcPts val="0"/>
+              </a:spcBef>
+              <a:buClr>
+                <a:schemeClr val="accent1"/>
+              </a:buClr>
+              <a:buSzPct val="80000"/>
+              <a:buNone/>
+            </a:pPr>
+            <a:r>
+              <a:rPr lang="en-GB" sz="800" dirty="0">
+                <a:solidFill>
+                  <a:schemeClr val="tx1">
+                    <a:lumMod val="75000"/>
+                    <a:lumOff val="25000"/>
+                  </a:schemeClr>
+                </a:solidFill>
+              </a:rPr>
+              <a:t>41. Timer6Match:TMR6IE,TMR6IF  </a:t>
+            </a:r>
+          </a:p>
+          <a:p>
+            <a:pPr marL="0" indent="0" defTabSz="342900">
+              <a:spcBef>
+                <a:spcPts val="0"/>
+              </a:spcBef>
+              <a:buClr>
+                <a:schemeClr val="accent1"/>
+              </a:buClr>
+              <a:buSzPct val="80000"/>
+              <a:buNone/>
+            </a:pPr>
+            <a:r>
+              <a:rPr lang="en-GB" sz="800" dirty="0">
+                <a:solidFill>
+                  <a:schemeClr val="tx1">
+                    <a:lumMod val="75000"/>
+                    <a:lumOff val="25000"/>
+                  </a:schemeClr>
+                </a:solidFill>
+              </a:rPr>
+              <a:t>42. UsartRX1Ready:RC1IE,RC1IF  </a:t>
+            </a:r>
+          </a:p>
+          <a:p>
+            <a:pPr marL="0" indent="0" defTabSz="342900">
+              <a:spcBef>
+                <a:spcPts val="0"/>
+              </a:spcBef>
+              <a:buClr>
+                <a:schemeClr val="accent1"/>
+              </a:buClr>
+              <a:buSzPct val="80000"/>
+              <a:buNone/>
+            </a:pPr>
+            <a:r>
+              <a:rPr lang="en-GB" sz="800" dirty="0">
+                <a:solidFill>
+                  <a:schemeClr val="tx1">
+                    <a:lumMod val="75000"/>
+                    <a:lumOff val="25000"/>
+                  </a:schemeClr>
+                </a:solidFill>
+              </a:rPr>
+              <a:t>43. UsartRX2Ready:RC2IE,RC2IF  </a:t>
+            </a:r>
+          </a:p>
+          <a:p>
+            <a:pPr marL="0" indent="0" defTabSz="342900">
+              <a:spcBef>
+                <a:spcPts val="0"/>
+              </a:spcBef>
+              <a:buClr>
+                <a:schemeClr val="accent1"/>
+              </a:buClr>
+              <a:buSzPct val="80000"/>
+              <a:buNone/>
+            </a:pPr>
+            <a:r>
+              <a:rPr lang="en-GB" sz="800" dirty="0">
+                <a:solidFill>
+                  <a:schemeClr val="tx1">
+                    <a:lumMod val="75000"/>
+                    <a:lumOff val="25000"/>
+                  </a:schemeClr>
+                </a:solidFill>
+              </a:rPr>
+              <a:t>44. UsartTX1Ready:TX1IE,TX1IF  </a:t>
+            </a:r>
+          </a:p>
+          <a:p>
+            <a:pPr marL="0" indent="0" defTabSz="342900">
+              <a:spcBef>
+                <a:spcPts val="0"/>
+              </a:spcBef>
+              <a:buClr>
+                <a:schemeClr val="accent1"/>
+              </a:buClr>
+              <a:buSzPct val="80000"/>
+              <a:buNone/>
+            </a:pPr>
+            <a:r>
+              <a:rPr lang="en-GB" sz="800" dirty="0">
+                <a:solidFill>
+                  <a:schemeClr val="tx1">
+                    <a:lumMod val="75000"/>
+                    <a:lumOff val="25000"/>
+                  </a:schemeClr>
+                </a:solidFill>
+              </a:rPr>
+              <a:t>45. UsartTX2Ready:TX2IE,TX2IF  </a:t>
+            </a:r>
+          </a:p>
+          <a:p>
+            <a:pPr marL="0" indent="0" defTabSz="342900">
+              <a:spcBef>
+                <a:spcPts val="0"/>
+              </a:spcBef>
+              <a:buClr>
+                <a:schemeClr val="accent1"/>
+              </a:buClr>
+              <a:buSzPct val="80000"/>
+              <a:buNone/>
+            </a:pPr>
+            <a:r>
+              <a:rPr lang="en-GB" sz="800" dirty="0">
+                <a:solidFill>
+                  <a:schemeClr val="tx1">
+                    <a:lumMod val="75000"/>
+                    <a:lumOff val="25000"/>
+                  </a:schemeClr>
+                </a:solidFill>
+              </a:rPr>
+              <a:t>46. </a:t>
+            </a:r>
+            <a:r>
+              <a:rPr lang="en-GB" sz="800" dirty="0" err="1">
+                <a:solidFill>
+                  <a:schemeClr val="tx1">
+                    <a:lumMod val="75000"/>
+                    <a:lumOff val="25000"/>
+                  </a:schemeClr>
+                </a:solidFill>
+              </a:rPr>
+              <a:t>ZeroCrossDetect:ZCDIE,ZCDIF</a:t>
+            </a:r>
+            <a:endParaRPr lang="en-GB" sz="800" dirty="0">
+              <a:solidFill>
+                <a:schemeClr val="tx1">
+                  <a:lumMod val="75000"/>
+                  <a:lumOff val="25000"/>
+                </a:schemeClr>
+              </a:solidFill>
+            </a:endParaRPr>
+          </a:p>
+          <a:p>
+            <a:pPr marL="0" indent="0">
+              <a:buNone/>
+            </a:pPr>
+            <a:endParaRPr lang="en-GB" sz="1200" dirty="0"/>
           </a:p>
         </p:txBody>
       </p:sp>
     </p:spTree>
     <p:extLst>
       <p:ext uri="{BB962C8B-B14F-4D97-AF65-F5344CB8AC3E}">
-        <p14:creationId xmlns:p14="http://schemas.microsoft.com/office/powerpoint/2010/main" val="2782854785"/>
+        <p14:creationId xmlns:p14="http://schemas.microsoft.com/office/powerpoint/2010/main" val="1291147938"/>
       </p:ext>
     </p:extLst>
   </p:cSld>
   <p:clrMapOvr>
     <a:masterClrMapping/>
   </p:clrMapOvr>
-  <mc:AlternateContent xmlns:mc="http://schemas.openxmlformats.org/markup-compatibility/2006">
-    <mc:Choice xmlns:p14="http://schemas.microsoft.com/office/powerpoint/2010/main" Requires="p14">
+  <mc:AlternateContent xmlns:mc="http://schemas.openxmlformats.org/markup-compatibility/2006" xmlns:p14="http://schemas.microsoft.com/office/powerpoint/2010/main">
+    <mc:Choice Requires="p14">
       <p:transition spd="slow" p14:dur="2000" advClick="0"/>
     </mc:Choice>
-    <mc:Fallback>
+    <mc:Fallback xmlns="">
       <p:transition spd="slow" advClick="0"/>
     </mc:Fallback>
   </mc:AlternateContent>
@@ -10142,9 +9896,160 @@
           <a:chExt cx="0" cy="0"/>
         </a:xfrm>
       </p:grpSpPr>
+      <p:sp>
+        <p:nvSpPr>
+          <p:cNvPr id="2" name="Title 1"/>
+          <p:cNvSpPr>
+            <a:spLocks noGrp="1"/>
+          </p:cNvSpPr>
+          <p:nvPr>
+            <p:ph type="title"/>
+          </p:nvPr>
+        </p:nvSpPr>
+        <p:spPr>
+          <a:xfrm>
+            <a:off x="179512" y="411510"/>
+            <a:ext cx="5400600" cy="558552"/>
+          </a:xfrm>
+        </p:spPr>
+        <p:txBody>
+          <a:bodyPr vert="horz" lIns="85064" tIns="42531" rIns="85064" bIns="42531" rtlCol="0" anchor="ctr">
+            <a:normAutofit/>
+          </a:bodyPr>
+          <a:lstStyle/>
+          <a:p>
+            <a:pPr algn="l"/>
+            <a:r>
+              <a:rPr lang="en-GB" dirty="0"/>
+              <a:t>Interrupt on Change (IOC)</a:t>
+            </a:r>
+          </a:p>
+        </p:txBody>
+      </p:sp>
+      <p:sp>
+        <p:nvSpPr>
+          <p:cNvPr id="6" name="Content Placeholder 5"/>
+          <p:cNvSpPr>
+            <a:spLocks noGrp="1"/>
+          </p:cNvSpPr>
+          <p:nvPr>
+            <p:ph idx="1"/>
+          </p:nvPr>
+        </p:nvSpPr>
+        <p:spPr/>
+        <p:txBody>
+          <a:bodyPr vert="horz" lIns="85064" tIns="42531" rIns="85064" bIns="42531" rtlCol="0">
+            <a:noAutofit/>
+          </a:bodyPr>
+          <a:lstStyle/>
+          <a:p>
+            <a:pPr marL="266700" indent="-174625" defTabSz="898525"/>
+            <a:r>
+              <a:rPr lang="en-GB" sz="1400" dirty="0"/>
+              <a:t>Detects changes in the state of selected pins</a:t>
+            </a:r>
+          </a:p>
+          <a:p>
+            <a:pPr marL="266700" indent="-174625" defTabSz="898525"/>
+            <a:endParaRPr lang="en-GB" sz="1400" dirty="0"/>
+          </a:p>
+          <a:p>
+            <a:pPr marL="266700" indent="-174625" defTabSz="898525"/>
+            <a:r>
+              <a:rPr lang="en-GB" sz="1400" dirty="0"/>
+              <a:t>Key Points</a:t>
+            </a:r>
+          </a:p>
+          <a:p>
+            <a:pPr marL="638854" lvl="1" indent="-174625" defTabSz="898525"/>
+            <a:r>
+              <a:rPr lang="en-GB" sz="1200" dirty="0"/>
+              <a:t>Configuration: Set IO </a:t>
+            </a:r>
+            <a:r>
+              <a:rPr lang="en-GB" sz="1200" dirty="0" err="1"/>
+              <a:t>port.pin</a:t>
+            </a:r>
+            <a:r>
+              <a:rPr lang="en-GB" sz="1200" dirty="0"/>
+              <a:t> as inputs and configure the correct register for edge detection (rising or falling edge)</a:t>
+            </a:r>
+          </a:p>
+          <a:p>
+            <a:pPr marL="266700" indent="-174625" defTabSz="898525"/>
+            <a:r>
+              <a:rPr lang="en-GB" sz="1400" dirty="0"/>
+              <a:t>Interrupt Service Routine (ISR)</a:t>
+            </a:r>
+          </a:p>
+          <a:p>
+            <a:pPr marL="638854" lvl="1" indent="-174625" defTabSz="898525"/>
+            <a:r>
+              <a:rPr lang="en-GB" sz="1200" dirty="0"/>
+              <a:t>Handles the interrupt event</a:t>
+            </a:r>
+          </a:p>
+          <a:p>
+            <a:pPr marL="266700" indent="-174625" defTabSz="898525"/>
+            <a:r>
+              <a:rPr lang="en-GB" sz="1400" dirty="0"/>
+              <a:t>Global Interrupt Enable (GIE)</a:t>
+            </a:r>
+          </a:p>
+          <a:p>
+            <a:pPr marL="638854" lvl="1" indent="-174625" defTabSz="898525"/>
+            <a:r>
+              <a:rPr lang="en-GB" sz="1200" dirty="0"/>
+              <a:t>Enables the microcontroller to respond to interrupts</a:t>
+            </a:r>
+          </a:p>
+          <a:p>
+            <a:pPr marL="266700" indent="-174625" defTabSz="898525"/>
+            <a:endParaRPr lang="en-GB" sz="1400" dirty="0"/>
+          </a:p>
+        </p:txBody>
+      </p:sp>
+    </p:spTree>
+    <p:extLst>
+      <p:ext uri="{BB962C8B-B14F-4D97-AF65-F5344CB8AC3E}">
+        <p14:creationId xmlns:p14="http://schemas.microsoft.com/office/powerpoint/2010/main" val="2782854785"/>
+      </p:ext>
+    </p:extLst>
+  </p:cSld>
+  <p:clrMapOvr>
+    <a:masterClrMapping/>
+  </p:clrMapOvr>
+  <mc:AlternateContent xmlns:mc="http://schemas.openxmlformats.org/markup-compatibility/2006" xmlns:p14="http://schemas.microsoft.com/office/powerpoint/2010/main">
+    <mc:Choice Requires="p14">
+      <p:transition spd="slow" p14:dur="2000" advClick="0"/>
+    </mc:Choice>
+    <mc:Fallback xmlns="">
+      <p:transition spd="slow" advClick="0"/>
+    </mc:Fallback>
+  </mc:AlternateContent>
+</p:sld>
+</file>
+
+<file path=ppt/slides/slide14.xml><?xml version="1.0" encoding="utf-8"?>
+<p:sld xmlns:a="http://schemas.openxmlformats.org/drawingml/2006/main" xmlns:r="http://schemas.openxmlformats.org/officeDocument/2006/relationships" xmlns:p="http://schemas.openxmlformats.org/presentationml/2006/main">
+  <p:cSld>
+    <p:spTree>
+      <p:nvGrpSpPr>
+        <p:cNvPr id="1" name=""/>
+        <p:cNvGrpSpPr/>
+        <p:nvPr/>
+      </p:nvGrpSpPr>
+      <p:grpSpPr>
+        <a:xfrm>
+          <a:off x="0" y="0"/>
+          <a:ext cx="0" cy="0"/>
+          <a:chOff x="0" y="0"/>
+          <a:chExt cx="0" cy="0"/>
+        </a:xfrm>
+      </p:grpSpPr>
       <p:pic>
         <p:nvPicPr>
-          <p:cNvPr id="3" name="Picture 2"/>
+          <p:cNvPr id="1026" name="Picture 2"/>
           <p:cNvPicPr>
             <a:picLocks noChangeAspect="1" noChangeArrowheads="1"/>
           </p:cNvPicPr>
@@ -10165,8 +10070,8 @@
         </p:blipFill>
         <p:spPr bwMode="auto">
           <a:xfrm>
-            <a:off x="323528" y="1494379"/>
-            <a:ext cx="8568952" cy="2558941"/>
+            <a:off x="107505" y="1086671"/>
+            <a:ext cx="8930578" cy="2973334"/>
           </a:xfrm>
           <a:prstGeom prst="rect">
             <a:avLst/>
@@ -10223,10 +10128,9 @@
           <a:p>
             <a:pPr algn="l"/>
             <a:r>
-              <a:rPr lang="en-GB" dirty="0" smtClean="0"/>
+              <a:rPr lang="en-GB" dirty="0"/>
               <a:t>Interrupt - IOC</a:t>
             </a:r>
-            <a:endParaRPr lang="en-GB" dirty="0"/>
           </a:p>
         </p:txBody>
       </p:sp>
@@ -10238,8 +10142,8 @@
         </p:nvSpPr>
         <p:spPr>
           <a:xfrm>
-            <a:off x="7372372" y="1733069"/>
-            <a:ext cx="432048" cy="2448710"/>
+            <a:off x="7524328" y="1293223"/>
+            <a:ext cx="432048" cy="2749731"/>
           </a:xfrm>
           <a:prstGeom prst="rect">
             <a:avLst/>
@@ -10284,8 +10188,8 @@
         </p:nvSpPr>
         <p:spPr>
           <a:xfrm>
-            <a:off x="393418" y="3632305"/>
-            <a:ext cx="8418601" cy="351449"/>
+            <a:off x="138693" y="3488613"/>
+            <a:ext cx="8874678" cy="554341"/>
           </a:xfrm>
           <a:prstGeom prst="rect">
             <a:avLst/>
@@ -10332,723 +10236,14 @@
   <p:clrMapOvr>
     <a:masterClrMapping/>
   </p:clrMapOvr>
-  <mc:AlternateContent xmlns:mc="http://schemas.openxmlformats.org/markup-compatibility/2006">
-    <mc:Choice xmlns:p14="http://schemas.microsoft.com/office/powerpoint/2010/main" Requires="p14">
+  <mc:AlternateContent xmlns:mc="http://schemas.openxmlformats.org/markup-compatibility/2006" xmlns:p14="http://schemas.microsoft.com/office/powerpoint/2010/main">
+    <mc:Choice Requires="p14">
       <p:transition spd="slow" p14:dur="2000" advClick="0"/>
     </mc:Choice>
-    <mc:Fallback>
+    <mc:Fallback xmlns="">
       <p:transition spd="slow" advClick="0"/>
     </mc:Fallback>
   </mc:AlternateContent>
-  <p:timing>
-    <p:tnLst>
-      <p:par>
-        <p:cTn id="1" dur="indefinite" restart="never" nodeType="tmRoot"/>
-      </p:par>
-    </p:tnLst>
-  </p:timing>
-</p:sld>
-</file>
-
-<file path=ppt/slides/slide14.xml><?xml version="1.0" encoding="utf-8"?>
-<p:sld xmlns:a="http://schemas.openxmlformats.org/drawingml/2006/main" xmlns:r="http://schemas.openxmlformats.org/officeDocument/2006/relationships" xmlns:p="http://schemas.openxmlformats.org/presentationml/2006/main">
-  <p:cSld>
-    <p:spTree>
-      <p:nvGrpSpPr>
-        <p:cNvPr id="1" name=""/>
-        <p:cNvGrpSpPr/>
-        <p:nvPr/>
-      </p:nvGrpSpPr>
-      <p:grpSpPr>
-        <a:xfrm>
-          <a:off x="0" y="0"/>
-          <a:ext cx="0" cy="0"/>
-          <a:chOff x="0" y="0"/>
-          <a:chExt cx="0" cy="0"/>
-        </a:xfrm>
-      </p:grpSpPr>
-      <p:sp>
-        <p:nvSpPr>
-          <p:cNvPr id="2" name="Title 1"/>
-          <p:cNvSpPr>
-            <a:spLocks noGrp="1"/>
-          </p:cNvSpPr>
-          <p:nvPr>
-            <p:ph type="title"/>
-          </p:nvPr>
-        </p:nvSpPr>
-        <p:spPr/>
-        <p:txBody>
-          <a:bodyPr/>
-          <a:lstStyle/>
-          <a:p>
-            <a:pPr algn="l"/>
-            <a:r>
-              <a:rPr lang="en-GB" dirty="0" smtClean="0"/>
-              <a:t>Interrupt Code</a:t>
-            </a:r>
-            <a:endParaRPr lang="en-GB" dirty="0"/>
-          </a:p>
-        </p:txBody>
-      </p:sp>
-      <p:sp>
-        <p:nvSpPr>
-          <p:cNvPr id="3" name="Content Placeholder 2"/>
-          <p:cNvSpPr>
-            <a:spLocks noGrp="1"/>
-          </p:cNvSpPr>
-          <p:nvPr>
-            <p:ph idx="1"/>
-          </p:nvPr>
-        </p:nvSpPr>
-        <p:spPr>
-          <a:xfrm>
-            <a:off x="502176" y="1472348"/>
-            <a:ext cx="7598216" cy="3547674"/>
-          </a:xfrm>
-          <a:solidFill>
-            <a:schemeClr val="bg1"/>
-          </a:solidFill>
-        </p:spPr>
-        <p:txBody>
-          <a:bodyPr>
-            <a:noAutofit/>
-          </a:bodyPr>
-          <a:lstStyle/>
-          <a:p>
-            <a:pPr marL="0" indent="0">
-              <a:spcBef>
-                <a:spcPts val="0"/>
-              </a:spcBef>
-              <a:buNone/>
-            </a:pPr>
-            <a:r>
-              <a:rPr lang="en-GB" sz="800" dirty="0" smtClean="0"/>
-              <a:t>……</a:t>
-            </a:r>
-          </a:p>
-          <a:p>
-            <a:pPr marL="0" indent="0">
-              <a:spcBef>
-                <a:spcPts val="0"/>
-              </a:spcBef>
-              <a:buNone/>
-            </a:pPr>
-            <a:r>
-              <a:rPr lang="en-GB" sz="800" dirty="0" smtClean="0">
-                <a:latin typeface="Courier New" pitchFamily="49" charset="0"/>
-                <a:cs typeface="Courier New" pitchFamily="49" charset="0"/>
-              </a:rPr>
-              <a:t>//IO ports setup</a:t>
-            </a:r>
-          </a:p>
-          <a:p>
-            <a:pPr marL="0" indent="0">
-              <a:spcBef>
-                <a:spcPts val="0"/>
-              </a:spcBef>
-              <a:buNone/>
-            </a:pPr>
-            <a:endParaRPr lang="en-GB" sz="800" dirty="0">
-              <a:latin typeface="Courier New" pitchFamily="49" charset="0"/>
-              <a:cs typeface="Courier New" pitchFamily="49" charset="0"/>
-            </a:endParaRPr>
-          </a:p>
-          <a:p>
-            <a:pPr marL="0" indent="0">
-              <a:spcBef>
-                <a:spcPts val="0"/>
-              </a:spcBef>
-              <a:buNone/>
-            </a:pPr>
-            <a:r>
-              <a:rPr lang="en-GB" sz="800" dirty="0">
-                <a:latin typeface="Courier New" pitchFamily="49" charset="0"/>
-                <a:cs typeface="Courier New" pitchFamily="49" charset="0"/>
-              </a:rPr>
-              <a:t>/* Interrupt-on-change enabled on the </a:t>
-            </a:r>
-            <a:r>
-              <a:rPr lang="en-GB" sz="800" dirty="0" err="1">
-                <a:latin typeface="Courier New" pitchFamily="49" charset="0"/>
-                <a:cs typeface="Courier New" pitchFamily="49" charset="0"/>
-              </a:rPr>
-              <a:t>IOCx</a:t>
-            </a:r>
-            <a:r>
-              <a:rPr lang="en-GB" sz="800" dirty="0">
-                <a:latin typeface="Courier New" pitchFamily="49" charset="0"/>
-                <a:cs typeface="Courier New" pitchFamily="49" charset="0"/>
-              </a:rPr>
-              <a:t> pin for a negative-going edge. Associated Status bit </a:t>
-            </a:r>
-          </a:p>
-          <a:p>
-            <a:pPr marL="0" indent="0">
-              <a:spcBef>
-                <a:spcPts val="0"/>
-              </a:spcBef>
-              <a:buNone/>
-            </a:pPr>
-            <a:r>
-              <a:rPr lang="en-GB" sz="800" dirty="0">
-                <a:latin typeface="Courier New" pitchFamily="49" charset="0"/>
-                <a:cs typeface="Courier New" pitchFamily="49" charset="0"/>
-              </a:rPr>
-              <a:t>    and interrupt flag will be set upon detecting an edge. </a:t>
-            </a:r>
-            <a:r>
-              <a:rPr lang="en-GB" sz="800" dirty="0" smtClean="0">
-                <a:latin typeface="Courier New" pitchFamily="49" charset="0"/>
-                <a:cs typeface="Courier New" pitchFamily="49" charset="0"/>
-              </a:rPr>
-              <a:t>*/</a:t>
-            </a:r>
-          </a:p>
-          <a:p>
-            <a:pPr marL="0" indent="0">
-              <a:spcBef>
-                <a:spcPts val="0"/>
-              </a:spcBef>
-              <a:buNone/>
-            </a:pPr>
-            <a:r>
-              <a:rPr lang="en-GB" sz="800" b="1" dirty="0" smtClean="0">
-                <a:latin typeface="Courier New" pitchFamily="49" charset="0"/>
-                <a:cs typeface="Courier New" pitchFamily="49" charset="0"/>
-              </a:rPr>
-              <a:t>IOCAN3</a:t>
-            </a:r>
-            <a:r>
-              <a:rPr lang="en-GB" sz="800" dirty="0" smtClean="0">
-                <a:latin typeface="Courier New" pitchFamily="49" charset="0"/>
-                <a:cs typeface="Courier New" pitchFamily="49" charset="0"/>
-              </a:rPr>
-              <a:t> </a:t>
-            </a:r>
-            <a:r>
-              <a:rPr lang="en-GB" sz="800" dirty="0">
-                <a:latin typeface="Courier New" pitchFamily="49" charset="0"/>
-                <a:cs typeface="Courier New" pitchFamily="49" charset="0"/>
-              </a:rPr>
-              <a:t>= </a:t>
-            </a:r>
-            <a:r>
-              <a:rPr lang="en-GB" sz="800" dirty="0" smtClean="0">
-                <a:latin typeface="Courier New" pitchFamily="49" charset="0"/>
-                <a:cs typeface="Courier New" pitchFamily="49" charset="0"/>
-              </a:rPr>
-              <a:t>1</a:t>
-            </a:r>
-          </a:p>
-          <a:p>
-            <a:pPr marL="0" indent="0">
-              <a:spcBef>
-                <a:spcPts val="0"/>
-              </a:spcBef>
-              <a:buNone/>
-            </a:pPr>
-            <a:endParaRPr lang="en-GB" sz="800" dirty="0">
-              <a:latin typeface="Courier New" pitchFamily="49" charset="0"/>
-              <a:cs typeface="Courier New" pitchFamily="49" charset="0"/>
-            </a:endParaRPr>
-          </a:p>
-          <a:p>
-            <a:pPr marL="0" indent="0">
-              <a:spcBef>
-                <a:spcPts val="0"/>
-              </a:spcBef>
-              <a:buNone/>
-            </a:pPr>
-            <a:r>
-              <a:rPr lang="en-GB" sz="800" dirty="0" smtClean="0">
-                <a:latin typeface="Courier New" pitchFamily="49" charset="0"/>
-                <a:cs typeface="Courier New" pitchFamily="49" charset="0"/>
-              </a:rPr>
-              <a:t>//Sets up GIE, create handler for interrupt</a:t>
-            </a:r>
-          </a:p>
-          <a:p>
-            <a:pPr marL="0" indent="0">
-              <a:spcBef>
-                <a:spcPts val="0"/>
-              </a:spcBef>
-              <a:buNone/>
-            </a:pPr>
-            <a:r>
-              <a:rPr lang="en-GB" sz="800" dirty="0" smtClean="0">
-                <a:latin typeface="Courier New" pitchFamily="49" charset="0"/>
-                <a:cs typeface="Courier New" pitchFamily="49" charset="0"/>
-              </a:rPr>
-              <a:t>On </a:t>
-            </a:r>
-            <a:r>
-              <a:rPr lang="en-GB" sz="800" dirty="0">
-                <a:latin typeface="Courier New" pitchFamily="49" charset="0"/>
-                <a:cs typeface="Courier New" pitchFamily="49" charset="0"/>
-              </a:rPr>
-              <a:t>Interrupt </a:t>
-            </a:r>
-            <a:r>
-              <a:rPr lang="en-GB" sz="800" b="1" dirty="0" err="1">
-                <a:latin typeface="Courier New" pitchFamily="49" charset="0"/>
-                <a:cs typeface="Courier New" pitchFamily="49" charset="0"/>
-              </a:rPr>
-              <a:t>PORTChange</a:t>
-            </a:r>
-            <a:r>
-              <a:rPr lang="en-GB" sz="800" dirty="0">
-                <a:latin typeface="Courier New" pitchFamily="49" charset="0"/>
-                <a:cs typeface="Courier New" pitchFamily="49" charset="0"/>
-              </a:rPr>
-              <a:t>  Call </a:t>
-            </a:r>
-            <a:r>
-              <a:rPr lang="en-GB" sz="800" b="1" dirty="0" err="1">
-                <a:latin typeface="Courier New" pitchFamily="49" charset="0"/>
-                <a:cs typeface="Courier New" pitchFamily="49" charset="0"/>
-              </a:rPr>
-              <a:t>InterruptHandler</a:t>
-            </a:r>
-            <a:endParaRPr lang="en-GB" sz="800" b="1" dirty="0">
-              <a:latin typeface="Courier New" pitchFamily="49" charset="0"/>
-              <a:cs typeface="Courier New" pitchFamily="49" charset="0"/>
-            </a:endParaRPr>
-          </a:p>
-          <a:p>
-            <a:pPr marL="0" indent="0">
-              <a:spcBef>
-                <a:spcPts val="0"/>
-              </a:spcBef>
-              <a:buNone/>
-            </a:pPr>
-            <a:endParaRPr lang="en-GB" sz="800" dirty="0" smtClean="0">
-              <a:latin typeface="Courier New" pitchFamily="49" charset="0"/>
-              <a:cs typeface="Courier New" pitchFamily="49" charset="0"/>
-            </a:endParaRPr>
-          </a:p>
-          <a:p>
-            <a:pPr marL="0" indent="0">
-              <a:spcBef>
-                <a:spcPts val="0"/>
-              </a:spcBef>
-              <a:buNone/>
-            </a:pPr>
-            <a:r>
-              <a:rPr lang="en-GB" sz="800" dirty="0" smtClean="0">
-                <a:latin typeface="Courier New" pitchFamily="49" charset="0"/>
-                <a:cs typeface="Courier New" pitchFamily="49" charset="0"/>
-              </a:rPr>
-              <a:t>Do</a:t>
-            </a:r>
-            <a:r>
-              <a:rPr lang="en-GB" sz="800" dirty="0">
-                <a:latin typeface="Courier New" pitchFamily="49" charset="0"/>
-                <a:cs typeface="Courier New" pitchFamily="49" charset="0"/>
-              </a:rPr>
-              <a:t/>
-            </a:r>
-            <a:br>
-              <a:rPr lang="en-GB" sz="800" dirty="0">
-                <a:latin typeface="Courier New" pitchFamily="49" charset="0"/>
-                <a:cs typeface="Courier New" pitchFamily="49" charset="0"/>
-              </a:rPr>
-            </a:br>
-            <a:r>
-              <a:rPr lang="en-GB" sz="800" dirty="0" smtClean="0">
-                <a:latin typeface="Courier New" pitchFamily="49" charset="0"/>
-                <a:cs typeface="Courier New" pitchFamily="49" charset="0"/>
-              </a:rPr>
-              <a:t>   lots of code</a:t>
-            </a:r>
-          </a:p>
-          <a:p>
-            <a:pPr marL="0" indent="0">
-              <a:spcBef>
-                <a:spcPts val="0"/>
-              </a:spcBef>
-              <a:buNone/>
-            </a:pPr>
-            <a:r>
-              <a:rPr lang="en-GB" sz="800" dirty="0" smtClean="0">
-                <a:latin typeface="Courier New" pitchFamily="49" charset="0"/>
-                <a:cs typeface="Courier New" pitchFamily="49" charset="0"/>
-              </a:rPr>
-              <a:t>Loop</a:t>
-            </a:r>
-            <a:br>
-              <a:rPr lang="en-GB" sz="800" dirty="0" smtClean="0">
-                <a:latin typeface="Courier New" pitchFamily="49" charset="0"/>
-                <a:cs typeface="Courier New" pitchFamily="49" charset="0"/>
-              </a:rPr>
-            </a:br>
-            <a:endParaRPr lang="en-GB" sz="800" dirty="0">
-              <a:latin typeface="Courier New" pitchFamily="49" charset="0"/>
-              <a:cs typeface="Courier New" pitchFamily="49" charset="0"/>
-            </a:endParaRPr>
-          </a:p>
-          <a:p>
-            <a:pPr marL="0" indent="0">
-              <a:spcBef>
-                <a:spcPts val="0"/>
-              </a:spcBef>
-              <a:buNone/>
-            </a:pPr>
-            <a:r>
-              <a:rPr lang="en-GB" sz="800" dirty="0">
-                <a:latin typeface="Courier New" pitchFamily="49" charset="0"/>
-                <a:cs typeface="Courier New" pitchFamily="49" charset="0"/>
-              </a:rPr>
-              <a:t>Sub </a:t>
-            </a:r>
-            <a:r>
-              <a:rPr lang="en-GB" sz="800" b="1" dirty="0" err="1" smtClean="0">
-                <a:latin typeface="Courier New" pitchFamily="49" charset="0"/>
-                <a:cs typeface="Courier New" pitchFamily="49" charset="0"/>
-              </a:rPr>
-              <a:t>InterruptHandler</a:t>
-            </a:r>
-            <a:endParaRPr lang="en-GB" sz="800" b="1" dirty="0">
-              <a:latin typeface="Courier New" pitchFamily="49" charset="0"/>
-              <a:cs typeface="Courier New" pitchFamily="49" charset="0"/>
-            </a:endParaRPr>
-          </a:p>
-          <a:p>
-            <a:pPr marL="0" indent="0">
-              <a:spcBef>
-                <a:spcPts val="0"/>
-              </a:spcBef>
-              <a:buNone/>
-            </a:pPr>
-            <a:r>
-              <a:rPr lang="en-GB" sz="800" dirty="0">
-                <a:latin typeface="Courier New" pitchFamily="49" charset="0"/>
-                <a:cs typeface="Courier New" pitchFamily="49" charset="0"/>
-              </a:rPr>
-              <a:t>    Dim </a:t>
-            </a:r>
-            <a:r>
-              <a:rPr lang="en-GB" sz="800" dirty="0" err="1">
-                <a:latin typeface="Courier New" pitchFamily="49" charset="0"/>
-                <a:cs typeface="Courier New" pitchFamily="49" charset="0"/>
-              </a:rPr>
-              <a:t>SWState</a:t>
-            </a:r>
-            <a:r>
-              <a:rPr lang="en-GB" sz="800" dirty="0">
-                <a:latin typeface="Courier New" pitchFamily="49" charset="0"/>
-                <a:cs typeface="Courier New" pitchFamily="49" charset="0"/>
-              </a:rPr>
-              <a:t> as BIT</a:t>
-            </a:r>
-          </a:p>
-          <a:p>
-            <a:pPr marL="0" indent="0">
-              <a:spcBef>
-                <a:spcPts val="0"/>
-              </a:spcBef>
-              <a:buNone/>
-            </a:pPr>
-            <a:endParaRPr lang="en-GB" sz="800" dirty="0">
-              <a:latin typeface="Courier New" pitchFamily="49" charset="0"/>
-              <a:cs typeface="Courier New" pitchFamily="49" charset="0"/>
-            </a:endParaRPr>
-          </a:p>
-          <a:p>
-            <a:pPr marL="0" indent="0">
-              <a:spcBef>
-                <a:spcPts val="0"/>
-              </a:spcBef>
-              <a:buNone/>
-            </a:pPr>
-            <a:r>
-              <a:rPr lang="en-GB" sz="800" dirty="0">
-                <a:latin typeface="Courier New" pitchFamily="49" charset="0"/>
-                <a:cs typeface="Courier New" pitchFamily="49" charset="0"/>
-              </a:rPr>
-              <a:t>    'Save the switch state</a:t>
-            </a:r>
-          </a:p>
-          <a:p>
-            <a:pPr marL="0" indent="0">
-              <a:spcBef>
-                <a:spcPts val="0"/>
-              </a:spcBef>
-              <a:buNone/>
-            </a:pPr>
-            <a:r>
-              <a:rPr lang="en-GB" sz="800" dirty="0">
-                <a:latin typeface="Courier New" pitchFamily="49" charset="0"/>
-                <a:cs typeface="Courier New" pitchFamily="49" charset="0"/>
-              </a:rPr>
-              <a:t>    </a:t>
-            </a:r>
-            <a:r>
-              <a:rPr lang="en-GB" sz="800" dirty="0" err="1">
-                <a:latin typeface="Courier New" pitchFamily="49" charset="0"/>
-                <a:cs typeface="Courier New" pitchFamily="49" charset="0"/>
-              </a:rPr>
-              <a:t>SWState</a:t>
-            </a:r>
-            <a:r>
-              <a:rPr lang="en-GB" sz="800" dirty="0">
-                <a:latin typeface="Courier New" pitchFamily="49" charset="0"/>
-                <a:cs typeface="Courier New" pitchFamily="49" charset="0"/>
-              </a:rPr>
-              <a:t> = SWITCHIN</a:t>
-            </a:r>
-          </a:p>
-          <a:p>
-            <a:pPr marL="0" indent="0">
-              <a:spcBef>
-                <a:spcPts val="0"/>
-              </a:spcBef>
-              <a:buNone/>
-            </a:pPr>
-            <a:r>
-              <a:rPr lang="en-GB" sz="800" dirty="0" smtClean="0">
-                <a:latin typeface="Courier New" pitchFamily="49" charset="0"/>
-                <a:cs typeface="Courier New" pitchFamily="49" charset="0"/>
-              </a:rPr>
-              <a:t>    </a:t>
-            </a:r>
-            <a:r>
-              <a:rPr lang="en-GB" sz="800" dirty="0">
-                <a:latin typeface="Courier New" pitchFamily="49" charset="0"/>
-                <a:cs typeface="Courier New" pitchFamily="49" charset="0"/>
-              </a:rPr>
-              <a:t>'Toggle the LED</a:t>
-            </a:r>
-          </a:p>
-          <a:p>
-            <a:pPr marL="0" indent="0">
-              <a:spcBef>
-                <a:spcPts val="0"/>
-              </a:spcBef>
-              <a:buNone/>
-            </a:pPr>
-            <a:r>
-              <a:rPr lang="en-GB" sz="800" dirty="0">
-                <a:latin typeface="Courier New" pitchFamily="49" charset="0"/>
-                <a:cs typeface="Courier New" pitchFamily="49" charset="0"/>
-              </a:rPr>
-              <a:t>    LEDD7 = !LEDD7</a:t>
-            </a:r>
-          </a:p>
-          <a:p>
-            <a:pPr marL="0" indent="0">
-              <a:spcBef>
-                <a:spcPts val="0"/>
-              </a:spcBef>
-              <a:buNone/>
-            </a:pPr>
-            <a:r>
-              <a:rPr lang="en-GB" sz="800" dirty="0" smtClean="0">
-                <a:latin typeface="Courier New" pitchFamily="49" charset="0"/>
-                <a:cs typeface="Courier New" pitchFamily="49" charset="0"/>
-              </a:rPr>
-              <a:t>    'a </a:t>
-            </a:r>
-            <a:r>
-              <a:rPr lang="en-GB" sz="800" dirty="0">
-                <a:latin typeface="Courier New" pitchFamily="49" charset="0"/>
-                <a:cs typeface="Courier New" pitchFamily="49" charset="0"/>
-              </a:rPr>
-              <a:t>little delay to see if the switch has changed state</a:t>
-            </a:r>
-          </a:p>
-          <a:p>
-            <a:pPr marL="0" indent="0">
-              <a:spcBef>
-                <a:spcPts val="0"/>
-              </a:spcBef>
-              <a:buNone/>
-            </a:pPr>
-            <a:r>
-              <a:rPr lang="en-GB" sz="800" dirty="0">
-                <a:latin typeface="Courier New" pitchFamily="49" charset="0"/>
-                <a:cs typeface="Courier New" pitchFamily="49" charset="0"/>
-              </a:rPr>
-              <a:t>    Do while SWITCHIN = </a:t>
-            </a:r>
-            <a:r>
-              <a:rPr lang="en-GB" sz="800" dirty="0" err="1">
-                <a:latin typeface="Courier New" pitchFamily="49" charset="0"/>
-                <a:cs typeface="Courier New" pitchFamily="49" charset="0"/>
-              </a:rPr>
-              <a:t>SWState</a:t>
-            </a:r>
-            <a:endParaRPr lang="en-GB" sz="800" dirty="0">
-              <a:latin typeface="Courier New" pitchFamily="49" charset="0"/>
-              <a:cs typeface="Courier New" pitchFamily="49" charset="0"/>
-            </a:endParaRPr>
-          </a:p>
-          <a:p>
-            <a:pPr marL="0" indent="0">
-              <a:spcBef>
-                <a:spcPts val="0"/>
-              </a:spcBef>
-              <a:buNone/>
-            </a:pPr>
-            <a:r>
-              <a:rPr lang="en-GB" sz="800" dirty="0">
-                <a:latin typeface="Courier New" pitchFamily="49" charset="0"/>
-                <a:cs typeface="Courier New" pitchFamily="49" charset="0"/>
-              </a:rPr>
-              <a:t>        wait 10 us</a:t>
-            </a:r>
-          </a:p>
-          <a:p>
-            <a:pPr marL="0" indent="0">
-              <a:spcBef>
-                <a:spcPts val="0"/>
-              </a:spcBef>
-              <a:buNone/>
-            </a:pPr>
-            <a:r>
-              <a:rPr lang="en-GB" sz="800" dirty="0">
-                <a:latin typeface="Courier New" pitchFamily="49" charset="0"/>
-                <a:cs typeface="Courier New" pitchFamily="49" charset="0"/>
-              </a:rPr>
-              <a:t>    Loop </a:t>
-            </a:r>
-          </a:p>
-          <a:p>
-            <a:pPr marL="0" indent="0">
-              <a:spcBef>
-                <a:spcPts val="0"/>
-              </a:spcBef>
-              <a:buNone/>
-            </a:pPr>
-            <a:r>
-              <a:rPr lang="en-GB" sz="800" dirty="0">
-                <a:latin typeface="Courier New" pitchFamily="49" charset="0"/>
-                <a:cs typeface="Courier New" pitchFamily="49" charset="0"/>
-              </a:rPr>
-              <a:t>    'We must clear this specific bit flag in software, the main IOC is </a:t>
-            </a:r>
-            <a:r>
-              <a:rPr lang="en-GB" sz="800" dirty="0" err="1">
-                <a:latin typeface="Courier New" pitchFamily="49" charset="0"/>
-                <a:cs typeface="Courier New" pitchFamily="49" charset="0"/>
-              </a:rPr>
-              <a:t>cleare</a:t>
-            </a:r>
-            <a:r>
-              <a:rPr lang="en-GB" sz="800" dirty="0">
-                <a:latin typeface="Courier New" pitchFamily="49" charset="0"/>
-                <a:cs typeface="Courier New" pitchFamily="49" charset="0"/>
-              </a:rPr>
-              <a:t> by the GCBASIC interrupt handler</a:t>
-            </a:r>
-          </a:p>
-          <a:p>
-            <a:pPr marL="0" indent="0">
-              <a:spcBef>
-                <a:spcPts val="0"/>
-              </a:spcBef>
-              <a:buNone/>
-            </a:pPr>
-            <a:r>
-              <a:rPr lang="en-GB" sz="800" dirty="0">
-                <a:latin typeface="Courier New" pitchFamily="49" charset="0"/>
-                <a:cs typeface="Courier New" pitchFamily="49" charset="0"/>
-              </a:rPr>
-              <a:t>    </a:t>
-            </a:r>
-            <a:r>
-              <a:rPr lang="en-GB" sz="800" b="1" dirty="0">
-                <a:latin typeface="Courier New" pitchFamily="49" charset="0"/>
-                <a:cs typeface="Courier New" pitchFamily="49" charset="0"/>
-              </a:rPr>
-              <a:t>IOCAF3</a:t>
-            </a:r>
-            <a:r>
-              <a:rPr lang="en-GB" sz="800" dirty="0">
-                <a:latin typeface="Courier New" pitchFamily="49" charset="0"/>
-                <a:cs typeface="Courier New" pitchFamily="49" charset="0"/>
-              </a:rPr>
-              <a:t>  = </a:t>
-            </a:r>
-            <a:r>
-              <a:rPr lang="en-GB" sz="800" dirty="0" smtClean="0">
-                <a:latin typeface="Courier New" pitchFamily="49" charset="0"/>
-                <a:cs typeface="Courier New" pitchFamily="49" charset="0"/>
-              </a:rPr>
-              <a:t>0</a:t>
-            </a:r>
-            <a:endParaRPr lang="en-GB" sz="800" dirty="0">
-              <a:latin typeface="Courier New" pitchFamily="49" charset="0"/>
-              <a:cs typeface="Courier New" pitchFamily="49" charset="0"/>
-            </a:endParaRPr>
-          </a:p>
-          <a:p>
-            <a:pPr marL="0" indent="0">
-              <a:spcBef>
-                <a:spcPts val="0"/>
-              </a:spcBef>
-              <a:buNone/>
-            </a:pPr>
-            <a:r>
-              <a:rPr lang="en-GB" sz="800" dirty="0">
-                <a:latin typeface="Courier New" pitchFamily="49" charset="0"/>
-                <a:cs typeface="Courier New" pitchFamily="49" charset="0"/>
-              </a:rPr>
-              <a:t>End Sub</a:t>
-            </a:r>
-          </a:p>
-          <a:p>
-            <a:pPr marL="0" indent="0">
-              <a:spcBef>
-                <a:spcPts val="0"/>
-              </a:spcBef>
-              <a:buNone/>
-            </a:pPr>
-            <a:r>
-              <a:rPr lang="en-GB" sz="800" dirty="0"/>
-              <a:t/>
-            </a:r>
-            <a:br>
-              <a:rPr lang="en-GB" sz="800" dirty="0"/>
-            </a:br>
-            <a:endParaRPr lang="en-GB" sz="800" dirty="0"/>
-          </a:p>
-          <a:p>
-            <a:pPr marL="0" indent="0">
-              <a:spcBef>
-                <a:spcPts val="0"/>
-              </a:spcBef>
-              <a:buNone/>
-            </a:pPr>
-            <a:endParaRPr lang="en-GB" sz="800" dirty="0"/>
-          </a:p>
-        </p:txBody>
-      </p:sp>
-    </p:spTree>
-    <p:extLst>
-      <p:ext uri="{BB962C8B-B14F-4D97-AF65-F5344CB8AC3E}">
-        <p14:creationId xmlns:p14="http://schemas.microsoft.com/office/powerpoint/2010/main" val="3171796957"/>
-      </p:ext>
-    </p:extLst>
-  </p:cSld>
-  <p:clrMapOvr>
-    <a:masterClrMapping/>
-  </p:clrMapOvr>
-  <mc:AlternateContent xmlns:mc="http://schemas.openxmlformats.org/markup-compatibility/2006">
-    <mc:Choice xmlns:p14="http://schemas.microsoft.com/office/powerpoint/2010/main" Requires="p14">
-      <p:transition spd="slow" p14:dur="2000" advClick="0"/>
-    </mc:Choice>
-    <mc:Fallback>
-      <p:transition spd="slow" advClick="0"/>
-    </mc:Fallback>
-  </mc:AlternateContent>
-  <p:timing>
-    <p:tnLst>
-      <p:par>
-        <p:cTn id="1" dur="indefinite" restart="never" nodeType="tmRoot"/>
-      </p:par>
-    </p:tnLst>
-  </p:timing>
 </p:sld>
 </file>
 
@@ -11081,15 +10276,13 @@
         </p:nvSpPr>
         <p:spPr/>
         <p:txBody>
-          <a:bodyPr vert="horz" lIns="85064" tIns="42531" rIns="85064" bIns="42531" rtlCol="0" anchor="ctr">
-            <a:normAutofit/>
-          </a:bodyPr>
+          <a:bodyPr/>
           <a:lstStyle/>
           <a:p>
             <a:pPr algn="l"/>
             <a:r>
-              <a:rPr lang="en-GB" dirty="0" smtClean="0"/>
-              <a:t>Lab</a:t>
+              <a:rPr lang="en-GB" dirty="0"/>
+              <a:t>Interrupt Code</a:t>
             </a:r>
           </a:p>
         </p:txBody>
@@ -11104,51 +10297,706 @@
             <p:ph idx="1"/>
           </p:nvPr>
         </p:nvSpPr>
-        <p:spPr/>
+        <p:spPr>
+          <a:xfrm>
+            <a:off x="467544" y="1131590"/>
+            <a:ext cx="7598216" cy="4011910"/>
+          </a:xfrm>
+          <a:solidFill>
+            <a:schemeClr val="bg1"/>
+          </a:solidFill>
+        </p:spPr>
         <p:txBody>
           <a:bodyPr>
-            <a:normAutofit/>
+            <a:noAutofit/>
           </a:bodyPr>
           <a:lstStyle/>
           <a:p>
-            <a:r>
-              <a:rPr lang="en-GB" sz="2000" dirty="0" smtClean="0"/>
-              <a:t>Walk the examples </a:t>
-            </a:r>
-          </a:p>
-          <a:p>
-            <a:r>
-              <a:rPr lang="en-GB" sz="2000" dirty="0" smtClean="0"/>
-              <a:t>View the scope</a:t>
-            </a:r>
+            <a:pPr marL="0" indent="0">
+              <a:spcBef>
+                <a:spcPts val="0"/>
+              </a:spcBef>
+              <a:buNone/>
+            </a:pPr>
+            <a:r>
+              <a:rPr lang="en-GB" sz="800" dirty="0"/>
+              <a:t>……</a:t>
+            </a:r>
+          </a:p>
+          <a:p>
+            <a:pPr marL="0" indent="0">
+              <a:spcBef>
+                <a:spcPts val="0"/>
+              </a:spcBef>
+              <a:buNone/>
+            </a:pPr>
+            <a:r>
+              <a:rPr lang="en-GB" sz="800" dirty="0">
+                <a:latin typeface="Courier New" pitchFamily="49" charset="0"/>
+                <a:cs typeface="Courier New" pitchFamily="49" charset="0"/>
+              </a:rPr>
+              <a:t>//IO ports setup</a:t>
+            </a:r>
+          </a:p>
+          <a:p>
+            <a:pPr marL="0" indent="0">
+              <a:spcBef>
+                <a:spcPts val="0"/>
+              </a:spcBef>
+              <a:buNone/>
+            </a:pPr>
+            <a:endParaRPr lang="en-GB" sz="800" dirty="0">
+              <a:latin typeface="Courier New" pitchFamily="49" charset="0"/>
+              <a:cs typeface="Courier New" pitchFamily="49" charset="0"/>
+            </a:endParaRPr>
+          </a:p>
+          <a:p>
+            <a:pPr marL="0" indent="0">
+              <a:spcBef>
+                <a:spcPts val="0"/>
+              </a:spcBef>
+              <a:buNone/>
+            </a:pPr>
+            <a:r>
+              <a:rPr lang="en-GB" sz="800" dirty="0">
+                <a:latin typeface="Courier New" pitchFamily="49" charset="0"/>
+                <a:cs typeface="Courier New" pitchFamily="49" charset="0"/>
+              </a:rPr>
+              <a:t>/* Interrupt-on-change enabled on the </a:t>
+            </a:r>
+            <a:r>
+              <a:rPr lang="en-GB" sz="800" dirty="0" err="1">
+                <a:latin typeface="Courier New" pitchFamily="49" charset="0"/>
+                <a:cs typeface="Courier New" pitchFamily="49" charset="0"/>
+              </a:rPr>
+              <a:t>IOCx</a:t>
+            </a:r>
+            <a:r>
+              <a:rPr lang="en-GB" sz="800" dirty="0">
+                <a:latin typeface="Courier New" pitchFamily="49" charset="0"/>
+                <a:cs typeface="Courier New" pitchFamily="49" charset="0"/>
+              </a:rPr>
+              <a:t> pin for a negative-going edge. Associated Status bit </a:t>
+            </a:r>
+          </a:p>
+          <a:p>
+            <a:pPr marL="0" indent="0">
+              <a:spcBef>
+                <a:spcPts val="0"/>
+              </a:spcBef>
+              <a:buNone/>
+            </a:pPr>
+            <a:r>
+              <a:rPr lang="en-GB" sz="800" dirty="0">
+                <a:latin typeface="Courier New" pitchFamily="49" charset="0"/>
+                <a:cs typeface="Courier New" pitchFamily="49" charset="0"/>
+              </a:rPr>
+              <a:t>    and interrupt flag will be set upon detecting an edge. */</a:t>
+            </a:r>
+          </a:p>
+          <a:p>
+            <a:pPr marL="0" indent="0">
+              <a:spcBef>
+                <a:spcPts val="0"/>
+              </a:spcBef>
+              <a:buNone/>
+            </a:pPr>
+            <a:r>
+              <a:rPr lang="en-GB" sz="800" b="1" dirty="0">
+                <a:latin typeface="Courier New" pitchFamily="49" charset="0"/>
+                <a:cs typeface="Courier New" pitchFamily="49" charset="0"/>
+              </a:rPr>
+              <a:t>IOCAN3</a:t>
+            </a:r>
+            <a:r>
+              <a:rPr lang="en-GB" sz="800" dirty="0">
+                <a:latin typeface="Courier New" pitchFamily="49" charset="0"/>
+                <a:cs typeface="Courier New" pitchFamily="49" charset="0"/>
+              </a:rPr>
+              <a:t> = 1</a:t>
+            </a:r>
+          </a:p>
+          <a:p>
+            <a:pPr marL="0" indent="0">
+              <a:spcBef>
+                <a:spcPts val="0"/>
+              </a:spcBef>
+              <a:buNone/>
+            </a:pPr>
+            <a:endParaRPr lang="en-GB" sz="800" dirty="0">
+              <a:latin typeface="Courier New" pitchFamily="49" charset="0"/>
+              <a:cs typeface="Courier New" pitchFamily="49" charset="0"/>
+            </a:endParaRPr>
+          </a:p>
+          <a:p>
+            <a:pPr marL="0" indent="0">
+              <a:spcBef>
+                <a:spcPts val="0"/>
+              </a:spcBef>
+              <a:buNone/>
+            </a:pPr>
+            <a:r>
+              <a:rPr lang="en-GB" sz="800" dirty="0">
+                <a:latin typeface="Courier New" pitchFamily="49" charset="0"/>
+                <a:cs typeface="Courier New" pitchFamily="49" charset="0"/>
+              </a:rPr>
+              <a:t>//Sets up GIE, create handler for interrupt</a:t>
+            </a:r>
+          </a:p>
+          <a:p>
+            <a:pPr marL="0" indent="0">
+              <a:spcBef>
+                <a:spcPts val="0"/>
+              </a:spcBef>
+              <a:buNone/>
+            </a:pPr>
+            <a:r>
+              <a:rPr lang="en-GB" sz="800" dirty="0">
+                <a:latin typeface="Courier New" pitchFamily="49" charset="0"/>
+                <a:cs typeface="Courier New" pitchFamily="49" charset="0"/>
+              </a:rPr>
+              <a:t>On Interrupt </a:t>
+            </a:r>
+            <a:r>
+              <a:rPr lang="en-GB" sz="800" b="1" dirty="0" err="1">
+                <a:latin typeface="Courier New" pitchFamily="49" charset="0"/>
+                <a:cs typeface="Courier New" pitchFamily="49" charset="0"/>
+              </a:rPr>
+              <a:t>PORTChange</a:t>
+            </a:r>
+            <a:r>
+              <a:rPr lang="en-GB" sz="800" dirty="0">
+                <a:latin typeface="Courier New" pitchFamily="49" charset="0"/>
+                <a:cs typeface="Courier New" pitchFamily="49" charset="0"/>
+              </a:rPr>
+              <a:t>  Call </a:t>
+            </a:r>
+            <a:r>
+              <a:rPr lang="en-GB" sz="800" b="1" dirty="0" err="1">
+                <a:latin typeface="Courier New" pitchFamily="49" charset="0"/>
+                <a:cs typeface="Courier New" pitchFamily="49" charset="0"/>
+              </a:rPr>
+              <a:t>InterruptHandler</a:t>
+            </a:r>
+            <a:endParaRPr lang="en-GB" sz="800" b="1" dirty="0">
+              <a:latin typeface="Courier New" pitchFamily="49" charset="0"/>
+              <a:cs typeface="Courier New" pitchFamily="49" charset="0"/>
+            </a:endParaRPr>
+          </a:p>
+          <a:p>
+            <a:pPr marL="0" indent="0">
+              <a:spcBef>
+                <a:spcPts val="0"/>
+              </a:spcBef>
+              <a:buNone/>
+            </a:pPr>
+            <a:endParaRPr lang="en-GB" sz="800" dirty="0">
+              <a:latin typeface="Courier New" pitchFamily="49" charset="0"/>
+              <a:cs typeface="Courier New" pitchFamily="49" charset="0"/>
+            </a:endParaRPr>
+          </a:p>
+          <a:p>
+            <a:pPr marL="0" indent="0">
+              <a:spcBef>
+                <a:spcPts val="0"/>
+              </a:spcBef>
+              <a:buNone/>
+            </a:pPr>
+            <a:r>
+              <a:rPr lang="en-GB" sz="800" dirty="0">
+                <a:latin typeface="Courier New" pitchFamily="49" charset="0"/>
+                <a:cs typeface="Courier New" pitchFamily="49" charset="0"/>
+              </a:rPr>
+              <a:t>Do</a:t>
+            </a:r>
+            <a:br>
+              <a:rPr lang="en-GB" sz="800" dirty="0">
+                <a:latin typeface="Courier New" pitchFamily="49" charset="0"/>
+                <a:cs typeface="Courier New" pitchFamily="49" charset="0"/>
+              </a:rPr>
+            </a:br>
+            <a:r>
+              <a:rPr lang="en-GB" sz="800" dirty="0">
+                <a:latin typeface="Courier New" pitchFamily="49" charset="0"/>
+                <a:cs typeface="Courier New" pitchFamily="49" charset="0"/>
+              </a:rPr>
+              <a:t>   lots of code</a:t>
+            </a:r>
+          </a:p>
+          <a:p>
+            <a:pPr marL="0" indent="0">
+              <a:spcBef>
+                <a:spcPts val="0"/>
+              </a:spcBef>
+              <a:buNone/>
+            </a:pPr>
+            <a:endParaRPr lang="en-GB" sz="800" dirty="0">
+              <a:latin typeface="Courier New" pitchFamily="49" charset="0"/>
+              <a:cs typeface="Courier New" pitchFamily="49" charset="0"/>
+            </a:endParaRPr>
+          </a:p>
+          <a:p>
+            <a:pPr marL="0" indent="0">
+              <a:spcBef>
+                <a:spcPts val="0"/>
+              </a:spcBef>
+              <a:buNone/>
+            </a:pPr>
+            <a:r>
+              <a:rPr lang="en-GB" sz="800" dirty="0">
+                <a:latin typeface="Courier New" pitchFamily="49" charset="0"/>
+                <a:cs typeface="Courier New" pitchFamily="49" charset="0"/>
+              </a:rPr>
+              <a:t>   If </a:t>
+            </a:r>
+            <a:r>
+              <a:rPr lang="en-GB" sz="800" dirty="0" err="1">
+                <a:latin typeface="Courier New" pitchFamily="49" charset="0"/>
+                <a:cs typeface="Courier New" pitchFamily="49" charset="0"/>
+              </a:rPr>
+              <a:t>SWPressed</a:t>
+            </a:r>
+            <a:r>
+              <a:rPr lang="en-GB" sz="800" dirty="0">
+                <a:latin typeface="Courier New" pitchFamily="49" charset="0"/>
+                <a:cs typeface="Courier New" pitchFamily="49" charset="0"/>
+              </a:rPr>
+              <a:t> Then </a:t>
+            </a:r>
+          </a:p>
+          <a:p>
+            <a:pPr marL="0" indent="0">
+              <a:spcBef>
+                <a:spcPts val="0"/>
+              </a:spcBef>
+              <a:buNone/>
+            </a:pPr>
+            <a:r>
+              <a:rPr lang="en-GB" sz="800" dirty="0">
+                <a:latin typeface="Courier New" pitchFamily="49" charset="0"/>
+                <a:cs typeface="Courier New" pitchFamily="49" charset="0"/>
+              </a:rPr>
+              <a:t>     RC3 = </a:t>
+            </a:r>
+            <a:r>
+              <a:rPr lang="en-GB" sz="800" dirty="0" err="1">
+                <a:latin typeface="Courier New" pitchFamily="49" charset="0"/>
+                <a:cs typeface="Courier New" pitchFamily="49" charset="0"/>
+              </a:rPr>
+              <a:t>SWState</a:t>
+            </a:r>
+            <a:endParaRPr lang="en-GB" sz="800" dirty="0">
+              <a:latin typeface="Courier New" pitchFamily="49" charset="0"/>
+              <a:cs typeface="Courier New" pitchFamily="49" charset="0"/>
+            </a:endParaRPr>
+          </a:p>
+          <a:p>
+            <a:pPr marL="0" indent="0">
+              <a:spcBef>
+                <a:spcPts val="0"/>
+              </a:spcBef>
+              <a:buNone/>
+            </a:pPr>
+            <a:r>
+              <a:rPr lang="en-GB" sz="800" dirty="0">
+                <a:latin typeface="Courier New" pitchFamily="49" charset="0"/>
+                <a:cs typeface="Courier New" pitchFamily="49" charset="0"/>
+              </a:rPr>
+              <a:t>     </a:t>
+            </a:r>
+            <a:r>
+              <a:rPr lang="en-GB" sz="800" dirty="0" err="1">
+                <a:latin typeface="Courier New" pitchFamily="49" charset="0"/>
+                <a:cs typeface="Courier New" pitchFamily="49" charset="0"/>
+              </a:rPr>
+              <a:t>SWPressed</a:t>
+            </a:r>
+            <a:r>
+              <a:rPr lang="en-GB" sz="800" dirty="0">
+                <a:latin typeface="Courier New" pitchFamily="49" charset="0"/>
+                <a:cs typeface="Courier New" pitchFamily="49" charset="0"/>
+              </a:rPr>
+              <a:t> = False</a:t>
+            </a:r>
+          </a:p>
+          <a:p>
+            <a:pPr marL="0" indent="0">
+              <a:spcBef>
+                <a:spcPts val="0"/>
+              </a:spcBef>
+              <a:buNone/>
+            </a:pPr>
+            <a:r>
+              <a:rPr lang="en-GB" sz="800" dirty="0">
+                <a:latin typeface="Courier New" pitchFamily="49" charset="0"/>
+                <a:cs typeface="Courier New" pitchFamily="49" charset="0"/>
+              </a:rPr>
+              <a:t>   End If</a:t>
+            </a:r>
+          </a:p>
+          <a:p>
+            <a:pPr marL="0" indent="0">
+              <a:spcBef>
+                <a:spcPts val="0"/>
+              </a:spcBef>
+              <a:buNone/>
+            </a:pPr>
+            <a:endParaRPr lang="en-GB" sz="800" dirty="0">
+              <a:latin typeface="Courier New" pitchFamily="49" charset="0"/>
+              <a:cs typeface="Courier New" pitchFamily="49" charset="0"/>
+            </a:endParaRPr>
+          </a:p>
+          <a:p>
+            <a:pPr marL="0" indent="0">
+              <a:spcBef>
+                <a:spcPts val="0"/>
+              </a:spcBef>
+              <a:buNone/>
+            </a:pPr>
+            <a:r>
+              <a:rPr lang="en-GB" sz="800" dirty="0">
+                <a:latin typeface="Courier New" pitchFamily="49" charset="0"/>
+                <a:cs typeface="Courier New" pitchFamily="49" charset="0"/>
+              </a:rPr>
+              <a:t>Loop</a:t>
+            </a:r>
+            <a:br>
+              <a:rPr lang="en-GB" sz="800" dirty="0">
+                <a:latin typeface="Courier New" pitchFamily="49" charset="0"/>
+                <a:cs typeface="Courier New" pitchFamily="49" charset="0"/>
+              </a:rPr>
+            </a:br>
+            <a:endParaRPr lang="en-GB" sz="800" dirty="0">
+              <a:latin typeface="Courier New" pitchFamily="49" charset="0"/>
+              <a:cs typeface="Courier New" pitchFamily="49" charset="0"/>
+            </a:endParaRPr>
+          </a:p>
+          <a:p>
+            <a:pPr marL="0" indent="0">
+              <a:spcBef>
+                <a:spcPts val="0"/>
+              </a:spcBef>
+              <a:buNone/>
+            </a:pPr>
+            <a:r>
+              <a:rPr lang="en-GB" sz="800" dirty="0">
+                <a:latin typeface="Courier New" pitchFamily="49" charset="0"/>
+                <a:cs typeface="Courier New" pitchFamily="49" charset="0"/>
+              </a:rPr>
+              <a:t>Sub </a:t>
+            </a:r>
+            <a:r>
+              <a:rPr lang="en-GB" sz="800" b="1" dirty="0" err="1">
+                <a:latin typeface="Courier New" pitchFamily="49" charset="0"/>
+                <a:cs typeface="Courier New" pitchFamily="49" charset="0"/>
+              </a:rPr>
+              <a:t>InterruptHandler</a:t>
+            </a:r>
+            <a:endParaRPr lang="en-GB" sz="800" b="1" dirty="0">
+              <a:latin typeface="Courier New" pitchFamily="49" charset="0"/>
+              <a:cs typeface="Courier New" pitchFamily="49" charset="0"/>
+            </a:endParaRPr>
+          </a:p>
+          <a:p>
+            <a:pPr marL="0" indent="0">
+              <a:spcBef>
+                <a:spcPts val="0"/>
+              </a:spcBef>
+              <a:buNone/>
+            </a:pPr>
+            <a:r>
+              <a:rPr lang="en-GB" sz="800" dirty="0">
+                <a:latin typeface="Courier New" pitchFamily="49" charset="0"/>
+                <a:cs typeface="Courier New" pitchFamily="49" charset="0"/>
+              </a:rPr>
+              <a:t>    Dim </a:t>
+            </a:r>
+            <a:r>
+              <a:rPr lang="en-GB" sz="800" dirty="0" err="1">
+                <a:latin typeface="Courier New" pitchFamily="49" charset="0"/>
+                <a:cs typeface="Courier New" pitchFamily="49" charset="0"/>
+              </a:rPr>
+              <a:t>SWState,SWPressed</a:t>
+            </a:r>
+            <a:r>
+              <a:rPr lang="en-GB" sz="800" dirty="0">
+                <a:latin typeface="Courier New" pitchFamily="49" charset="0"/>
+                <a:cs typeface="Courier New" pitchFamily="49" charset="0"/>
+              </a:rPr>
+              <a:t> as BIT</a:t>
+            </a:r>
+          </a:p>
+          <a:p>
+            <a:pPr marL="0" indent="0">
+              <a:spcBef>
+                <a:spcPts val="0"/>
+              </a:spcBef>
+              <a:buNone/>
+            </a:pPr>
+            <a:r>
+              <a:rPr lang="en-GB" sz="800" dirty="0">
+                <a:latin typeface="Courier New" pitchFamily="49" charset="0"/>
+                <a:cs typeface="Courier New" pitchFamily="49" charset="0"/>
+              </a:rPr>
+              <a:t>    If </a:t>
+            </a:r>
+            <a:r>
+              <a:rPr lang="en-GB" sz="800" dirty="0" err="1">
+                <a:latin typeface="Courier New" pitchFamily="49" charset="0"/>
+                <a:cs typeface="Courier New" pitchFamily="49" charset="0"/>
+              </a:rPr>
+              <a:t>SWState</a:t>
+            </a:r>
+            <a:r>
+              <a:rPr lang="en-GB" sz="800" dirty="0">
+                <a:latin typeface="Courier New" pitchFamily="49" charset="0"/>
+                <a:cs typeface="Courier New" pitchFamily="49" charset="0"/>
+              </a:rPr>
+              <a:t> &lt;&gt; SWITCHIN AND </a:t>
+            </a:r>
+            <a:r>
+              <a:rPr lang="en-GB" sz="800" dirty="0" err="1">
+                <a:latin typeface="Courier New" pitchFamily="49" charset="0"/>
+                <a:cs typeface="Courier New" pitchFamily="49" charset="0"/>
+              </a:rPr>
+              <a:t>SWPressed</a:t>
+            </a:r>
+            <a:r>
+              <a:rPr lang="en-GB" sz="800" dirty="0">
+                <a:latin typeface="Courier New" pitchFamily="49" charset="0"/>
+                <a:cs typeface="Courier New" pitchFamily="49" charset="0"/>
+              </a:rPr>
+              <a:t> = False Then</a:t>
+            </a:r>
+          </a:p>
+          <a:p>
+            <a:pPr marL="0" indent="0">
+              <a:spcBef>
+                <a:spcPts val="0"/>
+              </a:spcBef>
+              <a:buNone/>
+            </a:pPr>
+            <a:r>
+              <a:rPr lang="en-GB" sz="800" dirty="0">
+                <a:latin typeface="Courier New" pitchFamily="49" charset="0"/>
+                <a:cs typeface="Courier New" pitchFamily="49" charset="0"/>
+              </a:rPr>
+              <a:t>      wait 10 us</a:t>
+            </a:r>
+          </a:p>
+          <a:p>
+            <a:pPr marL="0" indent="0">
+              <a:spcBef>
+                <a:spcPts val="0"/>
+              </a:spcBef>
+              <a:buNone/>
+            </a:pPr>
+            <a:r>
+              <a:rPr lang="en-GB" sz="800" dirty="0">
+                <a:latin typeface="Courier New" pitchFamily="49" charset="0"/>
+                <a:cs typeface="Courier New" pitchFamily="49" charset="0"/>
+              </a:rPr>
+              <a:t>      'Save the switch state</a:t>
+            </a:r>
+          </a:p>
+          <a:p>
+            <a:pPr marL="0" indent="0">
+              <a:spcBef>
+                <a:spcPts val="0"/>
+              </a:spcBef>
+              <a:buNone/>
+            </a:pPr>
+            <a:r>
+              <a:rPr lang="en-GB" sz="800" dirty="0">
+                <a:latin typeface="Courier New" pitchFamily="49" charset="0"/>
+                <a:cs typeface="Courier New" pitchFamily="49" charset="0"/>
+              </a:rPr>
+              <a:t>      </a:t>
+            </a:r>
+            <a:r>
+              <a:rPr lang="en-GB" sz="800" dirty="0" err="1">
+                <a:latin typeface="Courier New" pitchFamily="49" charset="0"/>
+                <a:cs typeface="Courier New" pitchFamily="49" charset="0"/>
+              </a:rPr>
+              <a:t>SWState</a:t>
+            </a:r>
+            <a:r>
+              <a:rPr lang="en-GB" sz="800" dirty="0">
+                <a:latin typeface="Courier New" pitchFamily="49" charset="0"/>
+                <a:cs typeface="Courier New" pitchFamily="49" charset="0"/>
+              </a:rPr>
+              <a:t> = SWITCHIN</a:t>
+            </a:r>
+          </a:p>
+          <a:p>
+            <a:pPr marL="0" indent="0">
+              <a:spcBef>
+                <a:spcPts val="0"/>
+              </a:spcBef>
+              <a:buNone/>
+            </a:pPr>
+            <a:r>
+              <a:rPr lang="en-GB" sz="800" dirty="0">
+                <a:latin typeface="Courier New" pitchFamily="49" charset="0"/>
+                <a:cs typeface="Courier New" pitchFamily="49" charset="0"/>
+              </a:rPr>
+              <a:t>      'Inform main loop of interrupt</a:t>
+            </a:r>
+          </a:p>
+          <a:p>
+            <a:pPr marL="0" indent="0">
+              <a:spcBef>
+                <a:spcPts val="0"/>
+              </a:spcBef>
+              <a:buNone/>
+            </a:pPr>
+            <a:r>
+              <a:rPr lang="en-GB" sz="800" dirty="0">
+                <a:latin typeface="Courier New" pitchFamily="49" charset="0"/>
+                <a:cs typeface="Courier New" pitchFamily="49" charset="0"/>
+              </a:rPr>
+              <a:t>      </a:t>
+            </a:r>
+            <a:r>
+              <a:rPr lang="en-GB" sz="800" dirty="0" err="1">
+                <a:latin typeface="Courier New" pitchFamily="49" charset="0"/>
+                <a:cs typeface="Courier New" pitchFamily="49" charset="0"/>
+              </a:rPr>
+              <a:t>SWPressed</a:t>
+            </a:r>
+            <a:r>
+              <a:rPr lang="en-GB" sz="800" dirty="0">
+                <a:latin typeface="Courier New" pitchFamily="49" charset="0"/>
+                <a:cs typeface="Courier New" pitchFamily="49" charset="0"/>
+              </a:rPr>
+              <a:t> = True</a:t>
+            </a:r>
+          </a:p>
+          <a:p>
+            <a:pPr marL="0" indent="0">
+              <a:spcBef>
+                <a:spcPts val="0"/>
+              </a:spcBef>
+              <a:buNone/>
+            </a:pPr>
+            <a:r>
+              <a:rPr lang="en-GB" sz="800" dirty="0">
+                <a:latin typeface="Courier New" pitchFamily="49" charset="0"/>
+                <a:cs typeface="Courier New" pitchFamily="49" charset="0"/>
+              </a:rPr>
+              <a:t>    End If</a:t>
+            </a:r>
+          </a:p>
+          <a:p>
+            <a:pPr marL="0" indent="0">
+              <a:spcBef>
+                <a:spcPts val="0"/>
+              </a:spcBef>
+              <a:buNone/>
+            </a:pPr>
+            <a:r>
+              <a:rPr lang="en-GB" sz="800" dirty="0">
+                <a:latin typeface="Courier New" pitchFamily="49" charset="0"/>
+                <a:cs typeface="Courier New" pitchFamily="49" charset="0"/>
+              </a:rPr>
+              <a:t>    'We must clear this specific bit flag in software, the main IOC is </a:t>
+            </a:r>
+            <a:r>
+              <a:rPr lang="en-GB" sz="800" dirty="0" err="1">
+                <a:latin typeface="Courier New" pitchFamily="49" charset="0"/>
+                <a:cs typeface="Courier New" pitchFamily="49" charset="0"/>
+              </a:rPr>
+              <a:t>cleare</a:t>
+            </a:r>
+            <a:r>
+              <a:rPr lang="en-GB" sz="800" dirty="0">
+                <a:latin typeface="Courier New" pitchFamily="49" charset="0"/>
+                <a:cs typeface="Courier New" pitchFamily="49" charset="0"/>
+              </a:rPr>
+              <a:t> by the GCBASIC interrupt handler</a:t>
+            </a:r>
+          </a:p>
+          <a:p>
+            <a:pPr marL="0" indent="0">
+              <a:spcBef>
+                <a:spcPts val="0"/>
+              </a:spcBef>
+              <a:buNone/>
+            </a:pPr>
+            <a:r>
+              <a:rPr lang="en-GB" sz="800" dirty="0">
+                <a:latin typeface="Courier New" pitchFamily="49" charset="0"/>
+                <a:cs typeface="Courier New" pitchFamily="49" charset="0"/>
+              </a:rPr>
+              <a:t>    </a:t>
+            </a:r>
+            <a:r>
+              <a:rPr lang="en-GB" sz="800" b="1" dirty="0">
+                <a:latin typeface="Courier New" pitchFamily="49" charset="0"/>
+                <a:cs typeface="Courier New" pitchFamily="49" charset="0"/>
+              </a:rPr>
+              <a:t>IOCAF3</a:t>
+            </a:r>
+            <a:r>
+              <a:rPr lang="en-GB" sz="800" dirty="0">
+                <a:latin typeface="Courier New" pitchFamily="49" charset="0"/>
+                <a:cs typeface="Courier New" pitchFamily="49" charset="0"/>
+              </a:rPr>
+              <a:t>  = 0</a:t>
+            </a:r>
+          </a:p>
+          <a:p>
+            <a:pPr marL="0" indent="0">
+              <a:spcBef>
+                <a:spcPts val="0"/>
+              </a:spcBef>
+              <a:buNone/>
+            </a:pPr>
+            <a:r>
+              <a:rPr lang="en-GB" sz="800" dirty="0">
+                <a:latin typeface="Courier New" pitchFamily="49" charset="0"/>
+                <a:cs typeface="Courier New" pitchFamily="49" charset="0"/>
+              </a:rPr>
+              <a:t>End Sub</a:t>
+            </a:r>
+            <a:r>
+              <a:rPr lang="en-GB" sz="800" dirty="0"/>
+              <a:t/>
+            </a:r>
+            <a:br>
+              <a:rPr lang="en-GB" sz="800" dirty="0"/>
+            </a:br>
+            <a:endParaRPr lang="en-GB" sz="800" dirty="0"/>
+          </a:p>
+          <a:p>
+            <a:pPr marL="0" indent="0">
+              <a:spcBef>
+                <a:spcPts val="0"/>
+              </a:spcBef>
+              <a:buNone/>
+            </a:pPr>
+            <a:endParaRPr lang="en-GB" sz="800" dirty="0"/>
           </a:p>
         </p:txBody>
       </p:sp>
     </p:spTree>
     <p:extLst>
       <p:ext uri="{BB962C8B-B14F-4D97-AF65-F5344CB8AC3E}">
-        <p14:creationId xmlns:p14="http://schemas.microsoft.com/office/powerpoint/2010/main" val="2319042739"/>
+        <p14:creationId xmlns:p14="http://schemas.microsoft.com/office/powerpoint/2010/main" val="3171796957"/>
       </p:ext>
     </p:extLst>
   </p:cSld>
   <p:clrMapOvr>
     <a:masterClrMapping/>
   </p:clrMapOvr>
-  <mc:AlternateContent xmlns:mc="http://schemas.openxmlformats.org/markup-compatibility/2006">
-    <mc:Choice xmlns:p14="http://schemas.microsoft.com/office/powerpoint/2010/main" Requires="p14">
+  <mc:AlternateContent xmlns:mc="http://schemas.openxmlformats.org/markup-compatibility/2006" xmlns:p14="http://schemas.microsoft.com/office/powerpoint/2010/main">
+    <mc:Choice Requires="p14">
       <p:transition spd="slow" p14:dur="2000" advClick="0"/>
     </mc:Choice>
-    <mc:Fallback>
+    <mc:Fallback xmlns="">
       <p:transition spd="slow" advClick="0"/>
     </mc:Fallback>
   </mc:AlternateContent>
-  <p:timing>
-    <p:tnLst>
-      <p:par>
-        <p:cTn id="1" dur="indefinite" restart="never" nodeType="tmRoot"/>
-      </p:par>
-    </p:tnLst>
-  </p:timing>
 </p:sld>
 </file>
 
@@ -11181,10 +11029,16 @@
         </p:nvSpPr>
         <p:spPr/>
         <p:txBody>
-          <a:bodyPr/>
+          <a:bodyPr vert="horz" lIns="85064" tIns="42531" rIns="85064" bIns="42531" rtlCol="0" anchor="ctr">
+            <a:normAutofit/>
+          </a:bodyPr>
           <a:lstStyle/>
           <a:p>
-            <a:endParaRPr lang="en-GB" dirty="0"/>
+            <a:pPr algn="l"/>
+            <a:r>
+              <a:rPr lang="en-GB" dirty="0"/>
+              <a:t>Lab</a:t>
+            </a:r>
           </a:p>
         </p:txBody>
       </p:sp>
@@ -11200,33 +11054,42 @@
         </p:nvSpPr>
         <p:spPr/>
         <p:txBody>
-          <a:bodyPr/>
+          <a:bodyPr>
+            <a:normAutofit/>
+          </a:bodyPr>
           <a:lstStyle/>
           <a:p>
-            <a:endParaRPr lang="en-GB" dirty="0"/>
+            <a:r>
+              <a:rPr lang="en-GB" sz="2000" dirty="0"/>
+              <a:t>Walk the example </a:t>
+            </a:r>
+          </a:p>
+          <a:p>
+            <a:r>
+              <a:rPr lang="en-GB" sz="2000" dirty="0"/>
+              <a:t>View the scope</a:t>
+            </a:r>
           </a:p>
         </p:txBody>
       </p:sp>
     </p:spTree>
+    <p:extLst>
+      <p:ext uri="{BB962C8B-B14F-4D97-AF65-F5344CB8AC3E}">
+        <p14:creationId xmlns:p14="http://schemas.microsoft.com/office/powerpoint/2010/main" val="2319042739"/>
+      </p:ext>
+    </p:extLst>
   </p:cSld>
   <p:clrMapOvr>
     <a:masterClrMapping/>
   </p:clrMapOvr>
   <mc:AlternateContent xmlns:mc="http://schemas.openxmlformats.org/markup-compatibility/2006" xmlns:p14="http://schemas.microsoft.com/office/powerpoint/2010/main">
     <mc:Choice Requires="p14">
-      <p:transition spd="slow" p14:dur="2000"/>
+      <p:transition spd="slow" p14:dur="2000" advClick="0"/>
     </mc:Choice>
     <mc:Fallback xmlns="">
-      <p:transition spd="slow"/>
+      <p:transition spd="slow" advClick="0"/>
     </mc:Fallback>
   </mc:AlternateContent>
-  <p:timing>
-    <p:tnLst>
-      <p:par>
-        <p:cTn id="1" dur="indefinite" restart="never" nodeType="tmRoot"/>
-      </p:par>
-    </p:tnLst>
-  </p:timing>
 </p:sld>
 </file>
 
@@ -11259,15 +11122,9 @@
         </p:nvSpPr>
         <p:spPr/>
         <p:txBody>
-          <a:bodyPr>
-            <a:normAutofit/>
-          </a:bodyPr>
+          <a:bodyPr/>
           <a:lstStyle/>
           <a:p>
-            <a:r>
-              <a:rPr lang="en-GB" dirty="0" smtClean="0"/>
-              <a:t>Videos...</a:t>
-            </a:r>
             <a:endParaRPr lang="en-GB" dirty="0"/>
           </a:p>
         </p:txBody>
@@ -11282,416 +11139,20 @@
             <p:ph idx="1"/>
           </p:nvPr>
         </p:nvSpPr>
-        <p:spPr>
-          <a:xfrm>
-            <a:off x="467544" y="987574"/>
-            <a:ext cx="6447501" cy="4111476"/>
-          </a:xfrm>
-          <a:solidFill>
-            <a:schemeClr val="bg1"/>
-          </a:solidFill>
-        </p:spPr>
-        <p:txBody>
-          <a:bodyPr>
-            <a:noAutofit/>
-          </a:bodyPr>
+        <p:spPr/>
+        <p:txBody>
+          <a:bodyPr/>
           <a:lstStyle/>
           <a:p>
-            <a:pPr marL="180000" indent="-478483">
-              <a:spcBef>
-                <a:spcPts val="300"/>
-              </a:spcBef>
-              <a:buFont typeface="+mj-lt"/>
-              <a:buAutoNum type="arabicPeriod"/>
-            </a:pPr>
-            <a:r>
-              <a:rPr lang="en-GB" sz="1100" dirty="0"/>
-              <a:t>Install the hardware and make the board work – three LED programs</a:t>
-            </a:r>
-          </a:p>
-          <a:p>
-            <a:pPr marL="180000" indent="-478483">
-              <a:spcBef>
-                <a:spcPts val="300"/>
-              </a:spcBef>
-              <a:buFont typeface="+mj-lt"/>
-              <a:buAutoNum type="arabicPeriod"/>
-            </a:pPr>
-            <a:r>
-              <a:rPr lang="en-GB" sz="1100" dirty="0"/>
-              <a:t>Make  four LEDs flash in a sequence</a:t>
-            </a:r>
-          </a:p>
-          <a:p>
-            <a:pPr marL="180000" indent="-478483">
-              <a:spcBef>
-                <a:spcPts val="300"/>
-              </a:spcBef>
-              <a:buFont typeface="+mj-lt"/>
-              <a:buAutoNum type="arabicPeriod"/>
-            </a:pPr>
-            <a:r>
-              <a:rPr lang="en-GB" sz="1100" dirty="0"/>
-              <a:t>Set the LEDs to represent the value of ADC</a:t>
-            </a:r>
-          </a:p>
-          <a:p>
-            <a:pPr marL="180000" indent="-478483">
-              <a:spcBef>
-                <a:spcPts val="300"/>
-              </a:spcBef>
-              <a:buFont typeface="+mj-lt"/>
-              <a:buAutoNum type="arabicPeriod"/>
-            </a:pPr>
-            <a:r>
-              <a:rPr lang="en-GB" sz="1100" dirty="0"/>
-              <a:t>Sequence the LEDs with a delay using the value of ADC</a:t>
-            </a:r>
-          </a:p>
-          <a:p>
-            <a:pPr marL="180000" indent="-478483">
-              <a:spcBef>
-                <a:spcPts val="300"/>
-              </a:spcBef>
-              <a:buFont typeface="+mj-lt"/>
-              <a:buAutoNum type="arabicPeriod"/>
-            </a:pPr>
-            <a:r>
-              <a:rPr lang="en-GB" sz="1100" dirty="0"/>
-              <a:t>Using an input to set the state of the LEDs</a:t>
-            </a:r>
-          </a:p>
-          <a:p>
-            <a:pPr marL="180000" indent="-478483">
-              <a:spcBef>
-                <a:spcPts val="300"/>
-              </a:spcBef>
-              <a:buFont typeface="+mj-lt"/>
-              <a:buAutoNum type="arabicPeriod"/>
-            </a:pPr>
-            <a:r>
-              <a:rPr lang="en-GB" sz="1100" dirty="0"/>
-              <a:t>Using the reset switch</a:t>
-            </a:r>
-          </a:p>
-          <a:p>
-            <a:pPr marL="180000" indent="-478483">
-              <a:spcBef>
-                <a:spcPts val="300"/>
-              </a:spcBef>
-              <a:buFont typeface="+mj-lt"/>
-              <a:buAutoNum type="arabicPeriod"/>
-            </a:pPr>
-            <a:r>
-              <a:rPr lang="en-GB" sz="1100" dirty="0"/>
-              <a:t>Using the switch, ADC – make the LEDs flash in a sequence with reverse</a:t>
-            </a:r>
-          </a:p>
-          <a:p>
-            <a:pPr marL="180000" indent="-478483">
-              <a:spcBef>
-                <a:spcPts val="300"/>
-              </a:spcBef>
-              <a:buFont typeface="+mj-lt"/>
-              <a:buAutoNum type="arabicPeriod"/>
-            </a:pPr>
-            <a:r>
-              <a:rPr lang="en-GB" sz="1100" dirty="0"/>
-              <a:t>Using the serial to display values</a:t>
-            </a:r>
-          </a:p>
-          <a:p>
-            <a:pPr marL="180000" indent="-478483">
-              <a:spcBef>
-                <a:spcPts val="300"/>
-              </a:spcBef>
-              <a:buFont typeface="+mj-lt"/>
-              <a:buAutoNum type="arabicPeriod"/>
-            </a:pPr>
-            <a:r>
-              <a:rPr lang="en-GB" sz="1100" dirty="0"/>
-              <a:t>Using the </a:t>
-            </a:r>
-            <a:r>
-              <a:rPr lang="en-GB" sz="1100" dirty="0" smtClean="0"/>
-              <a:t>timer0 </a:t>
-            </a:r>
-            <a:r>
-              <a:rPr lang="en-GB" sz="1100" dirty="0"/>
-              <a:t>overflow, 8bit timer, 16bit timer to flash the LEDs</a:t>
-            </a:r>
-          </a:p>
-          <a:p>
-            <a:pPr marL="180000" indent="-478483">
-              <a:spcBef>
-                <a:spcPts val="300"/>
-              </a:spcBef>
-              <a:buFont typeface="+mj-lt"/>
-              <a:buAutoNum type="arabicPeriod"/>
-            </a:pPr>
-            <a:r>
-              <a:rPr lang="en-GB" sz="1100" dirty="0"/>
-              <a:t>Using EEProm – showing values on the serial terminal, and more constants insights</a:t>
-            </a:r>
-          </a:p>
-          <a:p>
-            <a:pPr marL="180000" indent="-478483">
-              <a:spcBef>
-                <a:spcPts val="300"/>
-              </a:spcBef>
-              <a:buFont typeface="+mj-lt"/>
-              <a:buAutoNum type="arabicPeriod"/>
-            </a:pPr>
-            <a:r>
-              <a:rPr lang="en-GB" sz="1100" dirty="0"/>
-              <a:t>Using I2C with serial to discover I2C devices</a:t>
-            </a:r>
-          </a:p>
-          <a:p>
-            <a:pPr marL="180000" indent="-478483">
-              <a:spcBef>
-                <a:spcPts val="300"/>
-              </a:spcBef>
-              <a:buFont typeface="+mj-lt"/>
-              <a:buAutoNum type="arabicPeriod"/>
-            </a:pPr>
-            <a:r>
-              <a:rPr lang="en-GB" sz="1100" dirty="0"/>
-              <a:t>Using </a:t>
-            </a:r>
-            <a:r>
-              <a:rPr lang="en-GB" sz="1100" dirty="0" smtClean="0"/>
-              <a:t>I2C </a:t>
-            </a:r>
-            <a:r>
-              <a:rPr lang="en-GB" sz="1100" dirty="0"/>
-              <a:t>GCLD </a:t>
-            </a:r>
-            <a:r>
-              <a:rPr lang="en-GB" sz="1100" dirty="0" smtClean="0"/>
-              <a:t>display solutions</a:t>
-            </a:r>
-            <a:endParaRPr lang="en-GB" sz="1100" dirty="0"/>
-          </a:p>
-          <a:p>
-            <a:pPr marL="180000" indent="-478483">
-              <a:spcBef>
-                <a:spcPts val="300"/>
-              </a:spcBef>
-              <a:buFont typeface="+mj-lt"/>
-              <a:buAutoNum type="arabicPeriod"/>
-            </a:pPr>
-            <a:r>
-              <a:rPr lang="en-GB" sz="1100" dirty="0"/>
-              <a:t>Using a </a:t>
-            </a:r>
-            <a:r>
-              <a:rPr lang="en-GB" sz="1100" dirty="0" smtClean="0"/>
-              <a:t>SPI GLCD  display solutions</a:t>
-            </a:r>
-            <a:endParaRPr lang="en-GB" sz="1100" dirty="0"/>
-          </a:p>
-          <a:p>
-            <a:pPr marL="180000" indent="-478483">
-              <a:spcBef>
-                <a:spcPts val="300"/>
-              </a:spcBef>
-              <a:buFont typeface="+mj-lt"/>
-              <a:buAutoNum type="arabicPeriod"/>
-            </a:pPr>
-            <a:r>
-              <a:rPr lang="en-GB" sz="1100" dirty="0"/>
-              <a:t>Using PWM, </a:t>
-            </a:r>
-            <a:r>
-              <a:rPr lang="en-GB" sz="1100" dirty="0" smtClean="0"/>
-              <a:t>6  </a:t>
-            </a:r>
-            <a:r>
-              <a:rPr lang="en-GB" sz="1100" dirty="0"/>
-              <a:t>ways,  to dim the LEDS</a:t>
-            </a:r>
-          </a:p>
-          <a:p>
-            <a:pPr marL="180000" indent="-478483">
-              <a:spcBef>
-                <a:spcPts val="300"/>
-              </a:spcBef>
-              <a:buFont typeface="+mj-lt"/>
-              <a:buAutoNum type="arabicPeriod"/>
-            </a:pPr>
-            <a:r>
-              <a:rPr lang="en-GB" sz="1100" dirty="0"/>
-              <a:t>Using an external interrupt to control an LED</a:t>
-            </a:r>
-          </a:p>
-          <a:p>
-            <a:pPr marL="180000" indent="-478483">
-              <a:spcBef>
-                <a:spcPts val="300"/>
-              </a:spcBef>
-              <a:buFont typeface="+mj-lt"/>
-              <a:buAutoNum type="arabicPeriod"/>
-            </a:pPr>
-            <a:r>
-              <a:rPr lang="en-GB" sz="1100" b="1" dirty="0"/>
-              <a:t>Using storage within the chip – Progmem, SAF memory, EEPROM and DATA blocks</a:t>
-            </a:r>
-          </a:p>
-          <a:p>
-            <a:pPr marL="180000" indent="-478483">
-              <a:spcBef>
-                <a:spcPts val="300"/>
-              </a:spcBef>
-              <a:buFont typeface="+mj-lt"/>
-              <a:buAutoNum type="arabicPeriod"/>
-            </a:pPr>
-            <a:r>
-              <a:rPr lang="en-GB" sz="1100" dirty="0"/>
-              <a:t>Using CLC</a:t>
-            </a:r>
-          </a:p>
-          <a:p>
-            <a:pPr marL="180000" indent="-478483">
-              <a:spcBef>
-                <a:spcPts val="300"/>
-              </a:spcBef>
-              <a:buFont typeface="+mj-lt"/>
-              <a:buAutoNum type="arabicPeriod"/>
-            </a:pPr>
-            <a:r>
-              <a:rPr lang="en-GB" sz="1100" dirty="0"/>
-              <a:t>The GCBASIC tool chain</a:t>
-            </a:r>
-          </a:p>
-          <a:p>
-            <a:pPr marL="180000" indent="-478483">
-              <a:spcBef>
-                <a:spcPts val="300"/>
-              </a:spcBef>
-              <a:buFont typeface="+mj-lt"/>
-              <a:buAutoNum type="arabicPeriod"/>
-            </a:pPr>
-            <a:r>
-              <a:rPr lang="en-GB" sz="1100" dirty="0"/>
-              <a:t>Assembly , alternatives assemblers and MPLAB-X</a:t>
-            </a:r>
-          </a:p>
-          <a:p>
-            <a:pPr marL="180000" indent="-478483">
-              <a:spcBef>
-                <a:spcPts val="300"/>
-              </a:spcBef>
-              <a:buFont typeface="+mj-lt"/>
-              <a:buAutoNum type="arabicPeriod"/>
-            </a:pPr>
-            <a:r>
-              <a:rPr lang="en-GB" sz="1100" dirty="0"/>
-              <a:t>Summary</a:t>
-            </a:r>
-          </a:p>
-          <a:p>
-            <a:pPr marL="180000" indent="-478483">
-              <a:spcBef>
-                <a:spcPts val="300"/>
-              </a:spcBef>
-              <a:buFont typeface="+mj-lt"/>
-              <a:buAutoNum type="arabicPeriod"/>
-            </a:pPr>
-            <a:endParaRPr lang="en-GB" sz="400" dirty="0" smtClean="0">
-              <a:solidFill>
-                <a:schemeClr val="bg1">
-                  <a:lumMod val="75000"/>
-                </a:schemeClr>
-              </a:solidFill>
-            </a:endParaRPr>
-          </a:p>
-          <a:p>
-            <a:pPr marL="180000" indent="-478483">
-              <a:spcBef>
-                <a:spcPts val="300"/>
-              </a:spcBef>
-              <a:buNone/>
-            </a:pPr>
-            <a:endParaRPr lang="en-GB" sz="700" dirty="0" smtClean="0"/>
-          </a:p>
-          <a:p>
-            <a:pPr marL="180000" indent="-478483">
-              <a:spcBef>
-                <a:spcPts val="300"/>
-              </a:spcBef>
-              <a:buFont typeface="+mj-lt"/>
-              <a:buAutoNum type="arabicPeriod"/>
-            </a:pPr>
-            <a:endParaRPr lang="en-GB" sz="700" dirty="0" smtClean="0"/>
-          </a:p>
-          <a:p>
-            <a:pPr marL="180000" indent="-478483">
-              <a:spcBef>
-                <a:spcPts val="300"/>
-              </a:spcBef>
-              <a:buFont typeface="+mj-lt"/>
-              <a:buAutoNum type="arabicPeriod"/>
-            </a:pPr>
-            <a:endParaRPr lang="en-GB" sz="500" dirty="0" smtClean="0"/>
-          </a:p>
-          <a:p>
-            <a:pPr marL="180000" indent="-478483">
-              <a:spcBef>
-                <a:spcPts val="300"/>
-              </a:spcBef>
-              <a:buFont typeface="+mj-lt"/>
-              <a:buAutoNum type="arabicPeriod"/>
-            </a:pPr>
-            <a:endParaRPr lang="en-GB" sz="500" dirty="0" smtClean="0"/>
-          </a:p>
-          <a:p>
-            <a:pPr marL="180000" indent="-478483">
-              <a:spcBef>
-                <a:spcPts val="300"/>
-              </a:spcBef>
-              <a:buFont typeface="+mj-lt"/>
-              <a:buAutoNum type="arabicPeriod"/>
-            </a:pPr>
-            <a:endParaRPr lang="en-GB" sz="500" dirty="0" smtClean="0"/>
-          </a:p>
-          <a:p>
-            <a:pPr marL="180000" indent="-478483">
-              <a:spcBef>
-                <a:spcPts val="300"/>
-              </a:spcBef>
-              <a:buFont typeface="+mj-lt"/>
-              <a:buAutoNum type="arabicPeriod"/>
-            </a:pPr>
-            <a:endParaRPr lang="en-GB" sz="500" dirty="0"/>
+            <a:endParaRPr lang="en-GB" dirty="0"/>
           </a:p>
         </p:txBody>
       </p:sp>
     </p:spTree>
-    <p:extLst>
-      <p:ext uri="{BB962C8B-B14F-4D97-AF65-F5344CB8AC3E}">
-        <p14:creationId xmlns:p14="http://schemas.microsoft.com/office/powerpoint/2010/main" val="21571518"/>
-      </p:ext>
-    </p:extLst>
   </p:cSld>
   <p:clrMapOvr>
     <a:masterClrMapping/>
   </p:clrMapOvr>
-  <mc:AlternateContent xmlns:mc="http://schemas.openxmlformats.org/markup-compatibility/2006" xmlns:p14="http://schemas.microsoft.com/office/powerpoint/2010/main">
-    <mc:Choice Requires="p14">
-      <p:transition spd="slow" p14:dur="2000"/>
-    </mc:Choice>
-    <mc:Fallback xmlns="">
-      <p:transition spd="slow"/>
-    </mc:Fallback>
-  </mc:AlternateContent>
-  <p:timing>
-    <p:tnLst>
-      <p:par>
-        <p:cTn id="1" dur="indefinite" restart="never" nodeType="tmRoot"/>
-      </p:par>
-    </p:tnLst>
-  </p:timing>
 </p:sld>
 </file>
 
@@ -11719,6 +11180,421 @@
             <a:spLocks noGrp="1"/>
           </p:cNvSpPr>
           <p:nvPr>
+            <p:ph type="title"/>
+          </p:nvPr>
+        </p:nvSpPr>
+        <p:spPr/>
+        <p:txBody>
+          <a:bodyPr>
+            <a:normAutofit/>
+          </a:bodyPr>
+          <a:lstStyle/>
+          <a:p>
+            <a:r>
+              <a:rPr lang="en-GB" dirty="0"/>
+              <a:t>Videos...</a:t>
+            </a:r>
+          </a:p>
+        </p:txBody>
+      </p:sp>
+      <p:sp>
+        <p:nvSpPr>
+          <p:cNvPr id="3" name="Content Placeholder 2"/>
+          <p:cNvSpPr>
+            <a:spLocks noGrp="1"/>
+          </p:cNvSpPr>
+          <p:nvPr>
+            <p:ph idx="1"/>
+          </p:nvPr>
+        </p:nvSpPr>
+        <p:spPr>
+          <a:xfrm>
+            <a:off x="467544" y="987574"/>
+            <a:ext cx="6447501" cy="4111476"/>
+          </a:xfrm>
+          <a:solidFill>
+            <a:schemeClr val="bg1"/>
+          </a:solidFill>
+        </p:spPr>
+        <p:txBody>
+          <a:bodyPr>
+            <a:noAutofit/>
+          </a:bodyPr>
+          <a:lstStyle/>
+          <a:p>
+            <a:pPr marL="180000" indent="-478483">
+              <a:spcBef>
+                <a:spcPts val="300"/>
+              </a:spcBef>
+              <a:buFont typeface="+mj-lt"/>
+              <a:buAutoNum type="arabicPeriod"/>
+            </a:pPr>
+            <a:r>
+              <a:rPr lang="en-GB" sz="1100" dirty="0"/>
+              <a:t>Install the hardware and make the board work – three LED programs</a:t>
+            </a:r>
+          </a:p>
+          <a:p>
+            <a:pPr marL="180000" indent="-478483">
+              <a:spcBef>
+                <a:spcPts val="300"/>
+              </a:spcBef>
+              <a:buFont typeface="+mj-lt"/>
+              <a:buAutoNum type="arabicPeriod"/>
+            </a:pPr>
+            <a:r>
+              <a:rPr lang="en-GB" sz="1100" dirty="0"/>
+              <a:t>Make  four LEDs flash in a sequence</a:t>
+            </a:r>
+          </a:p>
+          <a:p>
+            <a:pPr marL="180000" indent="-478483">
+              <a:spcBef>
+                <a:spcPts val="300"/>
+              </a:spcBef>
+              <a:buFont typeface="+mj-lt"/>
+              <a:buAutoNum type="arabicPeriod"/>
+            </a:pPr>
+            <a:r>
+              <a:rPr lang="en-GB" sz="1100" dirty="0"/>
+              <a:t>Set the LEDs to represent the value of ADC</a:t>
+            </a:r>
+          </a:p>
+          <a:p>
+            <a:pPr marL="180000" indent="-478483">
+              <a:spcBef>
+                <a:spcPts val="300"/>
+              </a:spcBef>
+              <a:buFont typeface="+mj-lt"/>
+              <a:buAutoNum type="arabicPeriod"/>
+            </a:pPr>
+            <a:r>
+              <a:rPr lang="en-GB" sz="1100" dirty="0"/>
+              <a:t>Sequence the LEDs with a delay using the value of ADC</a:t>
+            </a:r>
+          </a:p>
+          <a:p>
+            <a:pPr marL="180000" indent="-478483">
+              <a:spcBef>
+                <a:spcPts val="300"/>
+              </a:spcBef>
+              <a:buFont typeface="+mj-lt"/>
+              <a:buAutoNum type="arabicPeriod"/>
+            </a:pPr>
+            <a:r>
+              <a:rPr lang="en-GB" sz="1100" dirty="0"/>
+              <a:t>Using an input to set the state of the LEDs</a:t>
+            </a:r>
+          </a:p>
+          <a:p>
+            <a:pPr marL="180000" indent="-478483">
+              <a:spcBef>
+                <a:spcPts val="300"/>
+              </a:spcBef>
+              <a:buFont typeface="+mj-lt"/>
+              <a:buAutoNum type="arabicPeriod"/>
+            </a:pPr>
+            <a:r>
+              <a:rPr lang="en-GB" sz="1100" dirty="0"/>
+              <a:t>Using the reset switch</a:t>
+            </a:r>
+          </a:p>
+          <a:p>
+            <a:pPr marL="180000" indent="-478483">
+              <a:spcBef>
+                <a:spcPts val="300"/>
+              </a:spcBef>
+              <a:buFont typeface="+mj-lt"/>
+              <a:buAutoNum type="arabicPeriod"/>
+            </a:pPr>
+            <a:r>
+              <a:rPr lang="en-GB" sz="1100" dirty="0"/>
+              <a:t>Using the switch, ADC – make the LEDs flash in a sequence with reverse</a:t>
+            </a:r>
+          </a:p>
+          <a:p>
+            <a:pPr marL="180000" indent="-478483">
+              <a:spcBef>
+                <a:spcPts val="300"/>
+              </a:spcBef>
+              <a:buFont typeface="+mj-lt"/>
+              <a:buAutoNum type="arabicPeriod"/>
+            </a:pPr>
+            <a:r>
+              <a:rPr lang="en-GB" sz="1100" dirty="0"/>
+              <a:t>Using the serial to display values</a:t>
+            </a:r>
+          </a:p>
+          <a:p>
+            <a:pPr marL="180000" indent="-478483">
+              <a:spcBef>
+                <a:spcPts val="300"/>
+              </a:spcBef>
+              <a:buFont typeface="+mj-lt"/>
+              <a:buAutoNum type="arabicPeriod"/>
+            </a:pPr>
+            <a:r>
+              <a:rPr lang="en-GB" sz="1100" dirty="0"/>
+              <a:t>Using the timer0 overflow, 8bit timer, 16bit timer to flash the LEDs</a:t>
+            </a:r>
+          </a:p>
+          <a:p>
+            <a:pPr marL="180000" indent="-478483">
+              <a:spcBef>
+                <a:spcPts val="300"/>
+              </a:spcBef>
+              <a:buFont typeface="+mj-lt"/>
+              <a:buAutoNum type="arabicPeriod"/>
+            </a:pPr>
+            <a:r>
+              <a:rPr lang="en-GB" sz="1100" dirty="0"/>
+              <a:t>Using EEProm – showing values on the serial terminal, and more constants insights</a:t>
+            </a:r>
+          </a:p>
+          <a:p>
+            <a:pPr marL="180000" indent="-478483">
+              <a:spcBef>
+                <a:spcPts val="300"/>
+              </a:spcBef>
+              <a:buFont typeface="+mj-lt"/>
+              <a:buAutoNum type="arabicPeriod"/>
+            </a:pPr>
+            <a:r>
+              <a:rPr lang="en-GB" sz="1100" dirty="0"/>
+              <a:t>Using I2C with serial to discover I2C devices</a:t>
+            </a:r>
+          </a:p>
+          <a:p>
+            <a:pPr marL="180000" indent="-478483">
+              <a:spcBef>
+                <a:spcPts val="300"/>
+              </a:spcBef>
+              <a:buFont typeface="+mj-lt"/>
+              <a:buAutoNum type="arabicPeriod"/>
+            </a:pPr>
+            <a:r>
+              <a:rPr lang="en-GB" sz="1100" dirty="0"/>
+              <a:t>Using I2C GCLD display solutions</a:t>
+            </a:r>
+          </a:p>
+          <a:p>
+            <a:pPr marL="180000" indent="-478483">
+              <a:spcBef>
+                <a:spcPts val="300"/>
+              </a:spcBef>
+              <a:buFont typeface="+mj-lt"/>
+              <a:buAutoNum type="arabicPeriod"/>
+            </a:pPr>
+            <a:r>
+              <a:rPr lang="en-GB" sz="1100" dirty="0"/>
+              <a:t>Using a SPI GLCD  display solutions</a:t>
+            </a:r>
+          </a:p>
+          <a:p>
+            <a:pPr marL="180000" indent="-478483">
+              <a:spcBef>
+                <a:spcPts val="300"/>
+              </a:spcBef>
+              <a:buFont typeface="+mj-lt"/>
+              <a:buAutoNum type="arabicPeriod"/>
+            </a:pPr>
+            <a:r>
+              <a:rPr lang="en-GB" sz="1100" dirty="0"/>
+              <a:t>Using PWM, 6  ways,  to dim the LEDS</a:t>
+            </a:r>
+          </a:p>
+          <a:p>
+            <a:pPr marL="180000" indent="-478483">
+              <a:spcBef>
+                <a:spcPts val="300"/>
+              </a:spcBef>
+              <a:buFont typeface="+mj-lt"/>
+              <a:buAutoNum type="arabicPeriod"/>
+            </a:pPr>
+            <a:r>
+              <a:rPr lang="en-GB" sz="1100" dirty="0"/>
+              <a:t>Using Millis and Interrupts</a:t>
+            </a:r>
+          </a:p>
+          <a:p>
+            <a:pPr marL="180000" indent="-478483">
+              <a:spcBef>
+                <a:spcPts val="300"/>
+              </a:spcBef>
+              <a:buFont typeface="+mj-lt"/>
+              <a:buAutoNum type="arabicPeriod"/>
+            </a:pPr>
+            <a:r>
+              <a:rPr lang="en-GB" sz="1100" b="1" dirty="0"/>
+              <a:t>Using storage within the chip – Progmem, SAF memory, EEPROM and DATA blocks</a:t>
+            </a:r>
+          </a:p>
+          <a:p>
+            <a:pPr marL="180000" indent="-478483">
+              <a:spcBef>
+                <a:spcPts val="300"/>
+              </a:spcBef>
+              <a:buFont typeface="+mj-lt"/>
+              <a:buAutoNum type="arabicPeriod"/>
+            </a:pPr>
+            <a:r>
+              <a:rPr lang="en-GB" sz="1100" dirty="0"/>
+              <a:t>Using CLC</a:t>
+            </a:r>
+          </a:p>
+          <a:p>
+            <a:pPr marL="180000" indent="-478483">
+              <a:spcBef>
+                <a:spcPts val="300"/>
+              </a:spcBef>
+              <a:buFont typeface="+mj-lt"/>
+              <a:buAutoNum type="arabicPeriod"/>
+            </a:pPr>
+            <a:r>
+              <a:rPr lang="en-GB" sz="1100" dirty="0"/>
+              <a:t>The GCBASIC tool chain</a:t>
+            </a:r>
+          </a:p>
+          <a:p>
+            <a:pPr marL="180000" indent="-478483">
+              <a:spcBef>
+                <a:spcPts val="300"/>
+              </a:spcBef>
+              <a:buFont typeface="+mj-lt"/>
+              <a:buAutoNum type="arabicPeriod"/>
+            </a:pPr>
+            <a:r>
+              <a:rPr lang="en-GB" sz="1100" dirty="0"/>
+              <a:t>Assembly , alternatives assemblers and MPLAB-X</a:t>
+            </a:r>
+          </a:p>
+          <a:p>
+            <a:pPr marL="180000" indent="-478483">
+              <a:spcBef>
+                <a:spcPts val="300"/>
+              </a:spcBef>
+              <a:buFont typeface="+mj-lt"/>
+              <a:buAutoNum type="arabicPeriod"/>
+            </a:pPr>
+            <a:r>
+              <a:rPr lang="en-GB" sz="1100" dirty="0"/>
+              <a:t>Summary</a:t>
+            </a:r>
+          </a:p>
+          <a:p>
+            <a:pPr marL="180000" indent="-478483">
+              <a:spcBef>
+                <a:spcPts val="300"/>
+              </a:spcBef>
+              <a:buFont typeface="+mj-lt"/>
+              <a:buAutoNum type="arabicPeriod"/>
+            </a:pPr>
+            <a:endParaRPr lang="en-GB" sz="400" dirty="0">
+              <a:solidFill>
+                <a:schemeClr val="bg1">
+                  <a:lumMod val="75000"/>
+                </a:schemeClr>
+              </a:solidFill>
+            </a:endParaRPr>
+          </a:p>
+          <a:p>
+            <a:pPr marL="180000" indent="-478483">
+              <a:spcBef>
+                <a:spcPts val="300"/>
+              </a:spcBef>
+              <a:buNone/>
+            </a:pPr>
+            <a:endParaRPr lang="en-GB" sz="700" dirty="0"/>
+          </a:p>
+          <a:p>
+            <a:pPr marL="180000" indent="-478483">
+              <a:spcBef>
+                <a:spcPts val="300"/>
+              </a:spcBef>
+              <a:buFont typeface="+mj-lt"/>
+              <a:buAutoNum type="arabicPeriod"/>
+            </a:pPr>
+            <a:endParaRPr lang="en-GB" sz="700" dirty="0"/>
+          </a:p>
+          <a:p>
+            <a:pPr marL="180000" indent="-478483">
+              <a:spcBef>
+                <a:spcPts val="300"/>
+              </a:spcBef>
+              <a:buFont typeface="+mj-lt"/>
+              <a:buAutoNum type="arabicPeriod"/>
+            </a:pPr>
+            <a:endParaRPr lang="en-GB" sz="500" dirty="0"/>
+          </a:p>
+          <a:p>
+            <a:pPr marL="180000" indent="-478483">
+              <a:spcBef>
+                <a:spcPts val="300"/>
+              </a:spcBef>
+              <a:buFont typeface="+mj-lt"/>
+              <a:buAutoNum type="arabicPeriod"/>
+            </a:pPr>
+            <a:endParaRPr lang="en-GB" sz="500" dirty="0"/>
+          </a:p>
+          <a:p>
+            <a:pPr marL="180000" indent="-478483">
+              <a:spcBef>
+                <a:spcPts val="300"/>
+              </a:spcBef>
+              <a:buFont typeface="+mj-lt"/>
+              <a:buAutoNum type="arabicPeriod"/>
+            </a:pPr>
+            <a:endParaRPr lang="en-GB" sz="500" dirty="0"/>
+          </a:p>
+          <a:p>
+            <a:pPr marL="180000" indent="-478483">
+              <a:spcBef>
+                <a:spcPts val="300"/>
+              </a:spcBef>
+              <a:buFont typeface="+mj-lt"/>
+              <a:buAutoNum type="arabicPeriod"/>
+            </a:pPr>
+            <a:endParaRPr lang="en-GB" sz="500" dirty="0"/>
+          </a:p>
+        </p:txBody>
+      </p:sp>
+    </p:spTree>
+    <p:extLst>
+      <p:ext uri="{BB962C8B-B14F-4D97-AF65-F5344CB8AC3E}">
+        <p14:creationId xmlns:p14="http://schemas.microsoft.com/office/powerpoint/2010/main" val="21571518"/>
+      </p:ext>
+    </p:extLst>
+  </p:cSld>
+  <p:clrMapOvr>
+    <a:masterClrMapping/>
+  </p:clrMapOvr>
+</p:sld>
+</file>
+
+<file path=ppt/slides/slide19.xml><?xml version="1.0" encoding="utf-8"?>
+<p:sld xmlns:a="http://schemas.openxmlformats.org/drawingml/2006/main" xmlns:r="http://schemas.openxmlformats.org/officeDocument/2006/relationships" xmlns:p="http://schemas.openxmlformats.org/presentationml/2006/main">
+  <p:cSld>
+    <p:spTree>
+      <p:nvGrpSpPr>
+        <p:cNvPr id="1" name=""/>
+        <p:cNvGrpSpPr/>
+        <p:nvPr/>
+      </p:nvGrpSpPr>
+      <p:grpSpPr>
+        <a:xfrm>
+          <a:off x="0" y="0"/>
+          <a:ext cx="0" cy="0"/>
+          <a:chOff x="0" y="0"/>
+          <a:chExt cx="0" cy="0"/>
+        </a:xfrm>
+      </p:grpSpPr>
+      <p:sp>
+        <p:nvSpPr>
+          <p:cNvPr id="2" name="Title 1"/>
+          <p:cNvSpPr>
+            <a:spLocks noGrp="1"/>
+          </p:cNvSpPr>
+          <p:nvPr>
             <p:ph type="ctrTitle"/>
           </p:nvPr>
         </p:nvSpPr>
@@ -11728,10 +11604,9 @@
           <a:lstStyle/>
           <a:p>
             <a:r>
-              <a:rPr lang="en-GB" dirty="0" smtClean="0"/>
+              <a:rPr lang="en-GB" dirty="0"/>
               <a:t>GCBASIC</a:t>
             </a:r>
-            <a:endParaRPr lang="en-GB" dirty="0"/>
           </a:p>
         </p:txBody>
       </p:sp>
@@ -12033,22 +11908,21 @@
           </a:lstStyle>
           <a:p>
             <a:r>
-              <a:rPr lang="en-GB" dirty="0" smtClean="0"/>
-              <a:t>PIC18FxxQ24</a:t>
-            </a:r>
-          </a:p>
-          <a:p>
-            <a:r>
-              <a:rPr lang="en-GB" dirty="0" smtClean="0"/>
-              <a:t>Part 15 – External interrupt</a:t>
-            </a:r>
-            <a:endParaRPr lang="en-GB" dirty="0"/>
+              <a:rPr lang="en-GB" dirty="0"/>
+              <a:t>PIC16F175xx</a:t>
+            </a:r>
+          </a:p>
+          <a:p>
+            <a:r>
+              <a:rPr lang="en-GB" dirty="0"/>
+              <a:t>Part 15 – Millis and Interrupts</a:t>
+            </a:r>
           </a:p>
         </p:txBody>
       </p:sp>
       <p:pic>
         <p:nvPicPr>
-          <p:cNvPr id="10" name="Picture 2" descr="PIC18F26Q24"/>
+          <p:cNvPr id="7" name="Picture 4" descr="PIC16F17556 | Microchip Technology"/>
           <p:cNvPicPr>
             <a:picLocks noChangeAspect="1" noChangeArrowheads="1"/>
           </p:cNvPicPr>
@@ -12069,8 +11943,49 @@
         </p:blipFill>
         <p:spPr bwMode="auto">
           <a:xfrm>
-            <a:off x="1907705" y="4116163"/>
-            <a:ext cx="1280738" cy="922132"/>
+            <a:off x="6756864" y="3922804"/>
+            <a:ext cx="2415427" cy="1178257"/>
+          </a:xfrm>
+          <a:prstGeom prst="rect">
+            <a:avLst/>
+          </a:prstGeom>
+          <a:noFill/>
+          <a:extLst>
+            <a:ext uri="{909E8E84-426E-40DD-AFC4-6F175D3DCCD1}">
+              <a14:hiddenFill xmlns:a14="http://schemas.microsoft.com/office/drawing/2010/main">
+                <a:solidFill>
+                  <a:srgbClr val="FFFFFF"/>
+                </a:solidFill>
+              </a14:hiddenFill>
+            </a:ext>
+          </a:extLst>
+        </p:spPr>
+      </p:pic>
+      <p:pic>
+        <p:nvPicPr>
+          <p:cNvPr id="9" name="Picture 8" descr="VQFN / 28"/>
+          <p:cNvPicPr>
+            <a:picLocks noChangeAspect="1" noChangeArrowheads="1"/>
+          </p:cNvPicPr>
+          <p:nvPr/>
+        </p:nvPicPr>
+        <p:blipFill>
+          <a:blip r:embed="rId4">
+            <a:extLst>
+              <a:ext uri="{28A0092B-C50C-407E-A947-70E740481C1C}">
+                <a14:useLocalDpi xmlns:a14="http://schemas.microsoft.com/office/drawing/2010/main" val="0"/>
+              </a:ext>
+            </a:extLst>
+          </a:blip>
+          <a:srcRect/>
+          <a:stretch>
+            <a:fillRect/>
+          </a:stretch>
+        </p:blipFill>
+        <p:spPr bwMode="auto">
+          <a:xfrm>
+            <a:off x="2561760" y="4074815"/>
+            <a:ext cx="1142256" cy="1026246"/>
           </a:xfrm>
           <a:prstGeom prst="rect">
             <a:avLst/>
@@ -12097,21 +12012,6 @@
   <p:clrMapOvr>
     <a:masterClrMapping/>
   </p:clrMapOvr>
-  <mc:AlternateContent xmlns:mc="http://schemas.openxmlformats.org/markup-compatibility/2006" xmlns:p14="http://schemas.microsoft.com/office/powerpoint/2010/main">
-    <mc:Choice Requires="p14">
-      <p:transition spd="slow" p14:dur="2000"/>
-    </mc:Choice>
-    <mc:Fallback xmlns="">
-      <p:transition spd="slow"/>
-    </mc:Fallback>
-  </mc:AlternateContent>
-  <p:timing>
-    <p:tnLst>
-      <p:par>
-        <p:cTn id="1" dur="indefinite" restart="never" nodeType="tmRoot"/>
-      </p:par>
-    </p:tnLst>
-  </p:timing>
 </p:sld>
 </file>
 
@@ -12148,10 +12048,9 @@
           <a:lstStyle/>
           <a:p>
             <a:r>
-              <a:rPr lang="en-GB" dirty="0" smtClean="0"/>
+              <a:rPr lang="en-GB" dirty="0"/>
               <a:t>GCBASIC</a:t>
             </a:r>
-            <a:endParaRPr lang="en-GB" dirty="0"/>
           </a:p>
         </p:txBody>
       </p:sp>
@@ -12453,26 +12352,21 @@
           </a:lstStyle>
           <a:p>
             <a:r>
-              <a:rPr lang="en-GB" dirty="0" smtClean="0"/>
-              <a:t>PIC18FxxQ24</a:t>
-            </a:r>
-          </a:p>
-          <a:p>
-            <a:r>
-              <a:rPr lang="en-GB" dirty="0" smtClean="0"/>
-              <a:t>Part </a:t>
-            </a:r>
-            <a:r>
-              <a:rPr lang="en-GB" dirty="0" smtClean="0"/>
-              <a:t>15 – External interrupt</a:t>
-            </a:r>
-            <a:endParaRPr lang="en-GB" dirty="0"/>
+              <a:rPr lang="en-GB" dirty="0"/>
+              <a:t>PIC16F175xx</a:t>
+            </a:r>
+          </a:p>
+          <a:p>
+            <a:r>
+              <a:rPr lang="en-GB" dirty="0"/>
+              <a:t>Part 15 – Millis and Interrupts</a:t>
+            </a:r>
           </a:p>
         </p:txBody>
       </p:sp>
       <p:pic>
         <p:nvPicPr>
-          <p:cNvPr id="10" name="Picture 2" descr="PIC18F26Q24"/>
+          <p:cNvPr id="7" name="Picture 4" descr="PIC16F17556 | Microchip Technology"/>
           <p:cNvPicPr>
             <a:picLocks noChangeAspect="1" noChangeArrowheads="1"/>
           </p:cNvPicPr>
@@ -12493,8 +12387,49 @@
         </p:blipFill>
         <p:spPr bwMode="auto">
           <a:xfrm>
-            <a:off x="1907705" y="4116163"/>
-            <a:ext cx="1280738" cy="922132"/>
+            <a:off x="6756864" y="3922804"/>
+            <a:ext cx="2415427" cy="1178257"/>
+          </a:xfrm>
+          <a:prstGeom prst="rect">
+            <a:avLst/>
+          </a:prstGeom>
+          <a:noFill/>
+          <a:extLst>
+            <a:ext uri="{909E8E84-426E-40DD-AFC4-6F175D3DCCD1}">
+              <a14:hiddenFill xmlns:a14="http://schemas.microsoft.com/office/drawing/2010/main">
+                <a:solidFill>
+                  <a:srgbClr val="FFFFFF"/>
+                </a:solidFill>
+              </a14:hiddenFill>
+            </a:ext>
+          </a:extLst>
+        </p:spPr>
+      </p:pic>
+      <p:pic>
+        <p:nvPicPr>
+          <p:cNvPr id="9" name="Picture 8" descr="VQFN / 28"/>
+          <p:cNvPicPr>
+            <a:picLocks noChangeAspect="1" noChangeArrowheads="1"/>
+          </p:cNvPicPr>
+          <p:nvPr/>
+        </p:nvPicPr>
+        <p:blipFill>
+          <a:blip r:embed="rId4">
+            <a:extLst>
+              <a:ext uri="{28A0092B-C50C-407E-A947-70E740481C1C}">
+                <a14:useLocalDpi xmlns:a14="http://schemas.microsoft.com/office/drawing/2010/main" val="0"/>
+              </a:ext>
+            </a:extLst>
+          </a:blip>
+          <a:srcRect/>
+          <a:stretch>
+            <a:fillRect/>
+          </a:stretch>
+        </p:blipFill>
+        <p:spPr bwMode="auto">
+          <a:xfrm>
+            <a:off x="2561760" y="4074815"/>
+            <a:ext cx="1142256" cy="1026246"/>
           </a:xfrm>
           <a:prstGeom prst="rect">
             <a:avLst/>
@@ -12516,14 +12451,6 @@
   <p:clrMapOvr>
     <a:masterClrMapping/>
   </p:clrMapOvr>
-  <mc:AlternateContent xmlns:mc="http://schemas.openxmlformats.org/markup-compatibility/2006" xmlns:p14="http://schemas.microsoft.com/office/powerpoint/2010/main">
-    <mc:Choice Requires="p14">
-      <p:transition spd="slow" p14:dur="2000"/>
-    </mc:Choice>
-    <mc:Fallback xmlns="">
-      <p:transition spd="slow"/>
-    </mc:Fallback>
-  </mc:AlternateContent>
   <p:timing>
     <p:tnLst>
       <p:par>
@@ -12567,10 +12494,9 @@
           <a:lstStyle/>
           <a:p>
             <a:r>
-              <a:rPr lang="en-GB" dirty="0" smtClean="0"/>
+              <a:rPr lang="en-GB" dirty="0"/>
               <a:t>GCBASIC</a:t>
             </a:r>
-            <a:endParaRPr lang="en-GB" dirty="0"/>
           </a:p>
         </p:txBody>
       </p:sp>
@@ -12654,24 +12580,6 @@
           <a:p>
             <a:pPr algn="ctr"/>
             <a:r>
-              <a:rPr lang="en-US" sz="4000" b="1" dirty="0" smtClean="0">
-                <a:ln w="10541" cmpd="sng">
-                  <a:solidFill>
-                    <a:srgbClr val="7D7D7D">
-                      <a:tint val="100000"/>
-                      <a:shade val="100000"/>
-                      <a:satMod val="110000"/>
-                    </a:srgbClr>
-                  </a:solidFill>
-                  <a:prstDash val="solid"/>
-                </a:ln>
-                <a:solidFill>
-                  <a:srgbClr val="FF0000"/>
-                </a:solidFill>
-              </a:rPr>
-              <a:t>Like and subscribe</a:t>
-            </a:r>
-            <a:r>
               <a:rPr lang="en-US" sz="4000" b="1" dirty="0">
                 <a:ln w="10541" cmpd="sng">
                   <a:solidFill>
@@ -12687,29 +12595,43 @@
                   <a:srgbClr val="FF0000"/>
                 </a:solidFill>
               </a:rPr>
-              <a:t>!</a:t>
-            </a:r>
-            <a:endParaRPr lang="en-US" sz="4000" b="1" dirty="0" smtClean="0">
-              <a:ln w="10541" cmpd="sng">
-                <a:solidFill>
-                  <a:srgbClr val="7D7D7D">
-                    <a:tint val="100000"/>
-                    <a:shade val="100000"/>
-                    <a:satMod val="110000"/>
-                  </a:srgbClr>
-                </a:solidFill>
-                <a:prstDash val="solid"/>
-              </a:ln>
-              <a:solidFill>
-                <a:srgbClr val="FF0000"/>
-              </a:solidFill>
-            </a:endParaRPr>
+              <a:t>Like and subscribe!</a:t>
+            </a:r>
+          </a:p>
+        </p:txBody>
+      </p:sp>
+      <p:sp>
+        <p:nvSpPr>
+          <p:cNvPr id="11" name="Date Placeholder 3"/>
+          <p:cNvSpPr>
+            <a:spLocks noGrp="1"/>
+          </p:cNvSpPr>
+          <p:nvPr>
+            <p:ph type="dt" sz="half" idx="10"/>
+          </p:nvPr>
+        </p:nvSpPr>
+        <p:spPr>
+          <a:xfrm>
+            <a:off x="6113182" y="4384422"/>
+            <a:ext cx="354882" cy="305233"/>
+          </a:xfrm>
+        </p:spPr>
+        <p:txBody>
+          <a:bodyPr/>
+          <a:lstStyle/>
+          <a:p>
+            <a:fld id="{1E700B27-DE4C-4B9E-BB11-B9027034A00F}" type="datetimeFigureOut">
+              <a:rPr lang="en-US" smtClean="0"/>
+              <a:pPr/>
+              <a:t>12/16/2025</a:t>
+            </a:fld>
+            <a:endParaRPr lang="en-US" dirty="0"/>
           </a:p>
         </p:txBody>
       </p:sp>
       <p:pic>
         <p:nvPicPr>
-          <p:cNvPr id="8" name="Picture 2" descr="PIC18F26Q24"/>
+          <p:cNvPr id="9" name="Picture 4" descr="PIC16F17556 | Microchip Technology"/>
           <p:cNvPicPr>
             <a:picLocks noChangeAspect="1" noChangeArrowheads="1"/>
           </p:cNvPicPr>
@@ -12730,8 +12652,8 @@
         </p:blipFill>
         <p:spPr bwMode="auto">
           <a:xfrm>
-            <a:off x="1907705" y="4116163"/>
-            <a:ext cx="1280738" cy="922132"/>
+            <a:off x="6756864" y="3922804"/>
+            <a:ext cx="2415427" cy="1178257"/>
           </a:xfrm>
           <a:prstGeom prst="rect">
             <a:avLst/>
@@ -12750,7 +12672,7 @@
       </p:pic>
       <p:pic>
         <p:nvPicPr>
-          <p:cNvPr id="10" name="Picture 8" descr="C:\Users\admin\OneDrive\Desktop\Picture1.jpg"/>
+          <p:cNvPr id="12" name="Picture 11" descr="VQFN / 28"/>
           <p:cNvPicPr>
             <a:picLocks noChangeAspect="1" noChangeArrowheads="1"/>
           </p:cNvPicPr>
@@ -12771,8 +12693,8 @@
         </p:blipFill>
         <p:spPr bwMode="auto">
           <a:xfrm>
-            <a:off x="3995936" y="3937587"/>
-            <a:ext cx="2320300" cy="1129258"/>
+            <a:off x="2561760" y="4074815"/>
+            <a:ext cx="1142256" cy="1026246"/>
           </a:xfrm>
           <a:prstGeom prst="rect">
             <a:avLst/>
@@ -12789,35 +12711,6 @@
           </a:extLst>
         </p:spPr>
       </p:pic>
-      <p:sp>
-        <p:nvSpPr>
-          <p:cNvPr id="11" name="Date Placeholder 3"/>
-          <p:cNvSpPr>
-            <a:spLocks noGrp="1"/>
-          </p:cNvSpPr>
-          <p:nvPr>
-            <p:ph type="dt" sz="half" idx="10"/>
-          </p:nvPr>
-        </p:nvSpPr>
-        <p:spPr>
-          <a:xfrm>
-            <a:off x="6113182" y="4384422"/>
-            <a:ext cx="354882" cy="305233"/>
-          </a:xfrm>
-        </p:spPr>
-        <p:txBody>
-          <a:bodyPr/>
-          <a:lstStyle/>
-          <a:p>
-            <a:fld id="{1E700B27-DE4C-4B9E-BB11-B9027034A00F}" type="datetimeFigureOut">
-              <a:rPr lang="en-US" smtClean="0"/>
-              <a:pPr/>
-              <a:t>12/12/2024</a:t>
-            </a:fld>
-            <a:endParaRPr lang="en-US" dirty="0"/>
-          </a:p>
-        </p:txBody>
-      </p:sp>
     </p:spTree>
     <p:extLst>
       <p:ext uri="{BB962C8B-B14F-4D97-AF65-F5344CB8AC3E}">
@@ -12828,14 +12721,6 @@
   <p:clrMapOvr>
     <a:masterClrMapping/>
   </p:clrMapOvr>
-  <mc:AlternateContent xmlns:mc="http://schemas.openxmlformats.org/markup-compatibility/2006" xmlns:p14="http://schemas.microsoft.com/office/powerpoint/2010/main">
-    <mc:Choice Requires="p14">
-      <p:transition spd="slow" p14:dur="2000"/>
-    </mc:Choice>
-    <mc:Fallback xmlns="">
-      <p:transition spd="slow"/>
-    </mc:Fallback>
-  </mc:AlternateContent>
   <p:timing>
     <p:tnLst>
       <p:par>
@@ -12880,10 +12765,9 @@
           <a:p>
             <a:pPr algn="l"/>
             <a:r>
-              <a:rPr lang="en-GB" dirty="0" smtClean="0"/>
-              <a:t>PIC18FxxQ24</a:t>
-            </a:r>
-            <a:endParaRPr lang="en-GB" dirty="0"/>
+              <a:rPr lang="en-GB" dirty="0"/>
+              <a:t>PIC16F175xx</a:t>
+            </a:r>
           </a:p>
         </p:txBody>
       </p:sp>
@@ -12900,79 +12784,137 @@
         <p:spPr/>
         <p:txBody>
           <a:bodyPr>
-            <a:normAutofit fontScale="92500" lnSpcReduction="10000"/>
+            <a:normAutofit fontScale="92500"/>
           </a:bodyPr>
           <a:lstStyle/>
           <a:p>
             <a:r>
-              <a:rPr lang="en-GB" dirty="0" smtClean="0"/>
-              <a:t>PIC18-Q24 is a high performance PIC18 </a:t>
+              <a:rPr lang="en-GB"/>
+              <a:t>PIC16175xx  </a:t>
+            </a:r>
+            <a:r>
+              <a:rPr lang="en-GB" dirty="0"/>
+              <a:t>is a high performance PIC16</a:t>
             </a:r>
           </a:p>
           <a:p>
             <a:pPr lvl="1"/>
             <a:r>
-              <a:rPr lang="en-GB" dirty="0" smtClean="0"/>
-              <a:t>Digital and Analog peripherals </a:t>
+              <a:rPr lang="en-GB" b="1" dirty="0"/>
+              <a:t>Digital and </a:t>
+            </a:r>
+            <a:r>
+              <a:rPr lang="en-GB" b="1" dirty="0" err="1"/>
+              <a:t>analog</a:t>
+            </a:r>
+            <a:r>
+              <a:rPr lang="en-GB" b="1" dirty="0"/>
+              <a:t> peripherals</a:t>
+            </a:r>
+            <a:r>
+              <a:rPr lang="en-GB" dirty="0"/>
+              <a:t> for flexible embedded control</a:t>
             </a:r>
           </a:p>
           <a:p>
             <a:pPr lvl="1"/>
             <a:r>
-              <a:rPr lang="en-GB" dirty="0" smtClean="0"/>
+              <a:rPr lang="en-GB" b="1" dirty="0"/>
               <a:t>10-bit ADC</a:t>
             </a:r>
+            <a:r>
+              <a:rPr lang="en-GB" dirty="0"/>
+              <a:t> for accurate </a:t>
+            </a:r>
+            <a:r>
+              <a:rPr lang="en-GB" dirty="0" err="1"/>
+              <a:t>analog</a:t>
+            </a:r>
+            <a:r>
+              <a:rPr lang="en-GB" dirty="0"/>
+              <a:t> signal conversion</a:t>
+            </a:r>
           </a:p>
           <a:p>
             <a:pPr lvl="1"/>
             <a:r>
-              <a:rPr lang="en-GB" dirty="0" smtClean="0"/>
+              <a:rPr lang="en-GB" b="1" dirty="0"/>
               <a:t>Multiple communication interfaces</a:t>
             </a:r>
-          </a:p>
-          <a:p>
-            <a:pPr lvl="2"/>
-            <a:r>
-              <a:rPr lang="en-GB" dirty="0" smtClean="0"/>
-              <a:t>Serial, I2C and  SPI </a:t>
-            </a:r>
-          </a:p>
-          <a:p>
-            <a:pPr lvl="2"/>
-            <a:r>
-              <a:rPr lang="en-GB" dirty="0" smtClean="0"/>
-              <a:t>PWM – CCP/PWM and 16Bit</a:t>
+            <a:r>
+              <a:rPr lang="en-GB" dirty="0"/>
+              <a:t> including UART (serial), I²C, and SPI</a:t>
             </a:r>
           </a:p>
           <a:p>
             <a:pPr lvl="1"/>
             <a:r>
-              <a:rPr lang="en-GB" dirty="0" smtClean="0"/>
-              <a:t>Configurable Logic Cells</a:t>
+              <a:rPr lang="en-GB" b="1" dirty="0"/>
+              <a:t>PWM modules</a:t>
+            </a:r>
+            <a:r>
+              <a:rPr lang="en-GB" dirty="0"/>
+              <a:t> with CCP and 16-bit resolution for precise timing and motor control</a:t>
             </a:r>
           </a:p>
           <a:p>
             <a:pPr lvl="1"/>
             <a:r>
-              <a:rPr lang="en-GB" dirty="0" smtClean="0"/>
-              <a:t>Multi voltage domains</a:t>
-            </a:r>
-          </a:p>
-          <a:p>
-            <a:endParaRPr lang="en-GB" dirty="0" smtClean="0"/>
-          </a:p>
-          <a:p>
-            <a:r>
-              <a:rPr lang="en-GB" dirty="0" smtClean="0"/>
-              <a:t>The PIC18xxQ24 offers 28, 40 and 48-pin products in small footprint packages to support customers in a wide variety of applications. </a:t>
+              <a:rPr lang="en-GB" b="1" dirty="0"/>
+              <a:t>Configurable Logic Cells (CLCs)</a:t>
+            </a:r>
+            <a:r>
+              <a:rPr lang="en-GB" dirty="0"/>
+              <a:t> for custom hardware-level logic without external components</a:t>
+            </a:r>
+          </a:p>
+          <a:p>
+            <a:pPr lvl="1"/>
+            <a:r>
+              <a:rPr lang="en-GB" b="1" dirty="0"/>
+              <a:t>Integrated op amps</a:t>
+            </a:r>
+            <a:r>
+              <a:rPr lang="en-GB" dirty="0"/>
+              <a:t> for </a:t>
+            </a:r>
+            <a:r>
+              <a:rPr lang="en-GB" dirty="0" err="1"/>
+              <a:t>onboard</a:t>
+            </a:r>
+            <a:r>
+              <a:rPr lang="en-GB" dirty="0"/>
+              <a:t> </a:t>
+            </a:r>
+            <a:r>
+              <a:rPr lang="en-GB" dirty="0" err="1"/>
+              <a:t>analog</a:t>
+            </a:r>
+            <a:r>
+              <a:rPr lang="en-GB" dirty="0"/>
+              <a:t> signal conditioning and amplification</a:t>
             </a:r>
           </a:p>
           <a:p>
             <a:endParaRPr lang="en-GB" dirty="0"/>
           </a:p>
+          <a:p>
+            <a:r>
+              <a:rPr lang="en-GB" dirty="0"/>
+              <a:t>The PIC16175xx offers 14, 20, 28, 40 and 44-pin products in small footprint packages to support customers in a wide variety of applications. </a:t>
+            </a:r>
+          </a:p>
+          <a:p>
+            <a:endParaRPr lang="en-GB" dirty="0"/>
+          </a:p>
         </p:txBody>
       </p:sp>
     </p:spTree>
+    <p:extLst>
+      <p:ext uri="{BB962C8B-B14F-4D97-AF65-F5344CB8AC3E}">
+        <p14:creationId xmlns:p14="http://schemas.microsoft.com/office/powerpoint/2010/main" val="205076810"/>
+      </p:ext>
+    </p:extLst>
   </p:cSld>
   <p:clrMapOvr>
     <a:masterClrMapping/>
@@ -13030,10 +12972,9 @@
           <a:lstStyle/>
           <a:p>
             <a:r>
-              <a:rPr lang="en-GB" dirty="0" smtClean="0"/>
+              <a:rPr lang="en-GB" dirty="0"/>
               <a:t>Videos...</a:t>
             </a:r>
-            <a:endParaRPr lang="en-GB" dirty="0"/>
           </a:p>
         </p:txBody>
       </p:sp>
@@ -13175,15 +13116,7 @@
             </a:pPr>
             <a:r>
               <a:rPr lang="en-GB" sz="1100" dirty="0"/>
-              <a:t>Using the </a:t>
-            </a:r>
-            <a:r>
-              <a:rPr lang="en-GB" sz="1100" dirty="0" smtClean="0"/>
-              <a:t>timer0 </a:t>
-            </a:r>
-            <a:r>
-              <a:rPr lang="en-GB" sz="1100" dirty="0"/>
-              <a:t>overflow, 8bit timer, 16bit timer to flash the LEDs</a:t>
+              <a:t>Using the timer0 overflow, 8bit timer, 16bit timer to flash the LEDs</a:t>
             </a:r>
           </a:p>
           <a:p>
@@ -13222,21 +13155,8 @@
             </a:pPr>
             <a:r>
               <a:rPr lang="en-GB" sz="1100" dirty="0"/>
-              <a:t>Using </a:t>
-            </a:r>
-            <a:r>
-              <a:rPr lang="en-GB" sz="1100" dirty="0" smtClean="0"/>
-              <a:t>I2C </a:t>
-            </a:r>
-            <a:r>
-              <a:rPr lang="en-GB" sz="1100" dirty="0"/>
-              <a:t>GCLD </a:t>
-            </a:r>
-            <a:r>
-              <a:rPr lang="en-GB" sz="1100" dirty="0" smtClean="0"/>
-              <a:t>display solutions</a:t>
-            </a:r>
-            <a:endParaRPr lang="en-GB" sz="1100" dirty="0"/>
+              <a:t>Using I2C GCLD display solutions</a:t>
+            </a:r>
           </a:p>
           <a:p>
             <a:pPr marL="180000" indent="-478483">
@@ -13248,13 +13168,8 @@
             </a:pPr>
             <a:r>
               <a:rPr lang="en-GB" sz="1100" dirty="0"/>
-              <a:t>Using a </a:t>
-            </a:r>
-            <a:r>
-              <a:rPr lang="en-GB" sz="1100" dirty="0" smtClean="0"/>
-              <a:t>SPI GLCD  display solutions</a:t>
-            </a:r>
-            <a:endParaRPr lang="en-GB" sz="1100" dirty="0"/>
+              <a:t>Using a SPI GLCD  display solutions</a:t>
+            </a:r>
           </a:p>
           <a:p>
             <a:pPr marL="180000" indent="-478483">
@@ -13266,15 +13181,7 @@
             </a:pPr>
             <a:r>
               <a:rPr lang="en-GB" sz="1100" dirty="0"/>
-              <a:t>Using PWM, </a:t>
-            </a:r>
-            <a:r>
-              <a:rPr lang="en-GB" sz="1100" dirty="0" smtClean="0"/>
-              <a:t>6  </a:t>
-            </a:r>
-            <a:r>
-              <a:rPr lang="en-GB" sz="1100" dirty="0"/>
-              <a:t>ways,  to dim the LEDS</a:t>
+              <a:t>Using PWM, 6  ways,  to dim the LEDS</a:t>
             </a:r>
           </a:p>
           <a:p>
@@ -13287,7 +13194,7 @@
             </a:pPr>
             <a:r>
               <a:rPr lang="en-GB" sz="1100" b="1" dirty="0"/>
-              <a:t>Using an external interrupt to control an LED</a:t>
+              <a:t>Using Millis and Interrupts</a:t>
             </a:r>
           </a:p>
           <a:p>
@@ -13363,7 +13270,7 @@
               <a:buFont typeface="+mj-lt"/>
               <a:buAutoNum type="arabicPeriod"/>
             </a:pPr>
-            <a:endParaRPr lang="en-GB" sz="400" dirty="0" smtClean="0">
+            <a:endParaRPr lang="en-GB" sz="400" dirty="0">
               <a:solidFill>
                 <a:schemeClr val="bg1">
                   <a:lumMod val="75000"/>
@@ -13378,7 +13285,7 @@
               </a:spcBef>
               <a:buNone/>
             </a:pPr>
-            <a:endParaRPr lang="en-GB" sz="700" dirty="0" smtClean="0"/>
+            <a:endParaRPr lang="en-GB" sz="700" dirty="0"/>
           </a:p>
           <a:p>
             <a:pPr marL="180000" indent="-478483">
@@ -13388,7 +13295,7 @@
               <a:buFont typeface="+mj-lt"/>
               <a:buAutoNum type="arabicPeriod"/>
             </a:pPr>
-            <a:endParaRPr lang="en-GB" sz="700" dirty="0" smtClean="0"/>
+            <a:endParaRPr lang="en-GB" sz="700" dirty="0"/>
           </a:p>
           <a:p>
             <a:pPr marL="180000" indent="-478483">
@@ -13398,7 +13305,7 @@
               <a:buFont typeface="+mj-lt"/>
               <a:buAutoNum type="arabicPeriod"/>
             </a:pPr>
-            <a:endParaRPr lang="en-GB" sz="500" dirty="0" smtClean="0"/>
+            <a:endParaRPr lang="en-GB" sz="500" dirty="0"/>
           </a:p>
           <a:p>
             <a:pPr marL="180000" indent="-478483">
@@ -13408,7 +13315,7 @@
               <a:buFont typeface="+mj-lt"/>
               <a:buAutoNum type="arabicPeriod"/>
             </a:pPr>
-            <a:endParaRPr lang="en-GB" sz="500" dirty="0" smtClean="0"/>
+            <a:endParaRPr lang="en-GB" sz="500" dirty="0"/>
           </a:p>
           <a:p>
             <a:pPr marL="180000" indent="-478483">
@@ -13418,7 +13325,7 @@
               <a:buFont typeface="+mj-lt"/>
               <a:buAutoNum type="arabicPeriod"/>
             </a:pPr>
-            <a:endParaRPr lang="en-GB" sz="500" dirty="0" smtClean="0"/>
+            <a:endParaRPr lang="en-GB" sz="500" dirty="0"/>
           </a:p>
           <a:p>
             <a:pPr marL="180000" indent="-478483">
@@ -13442,14 +13349,6 @@
   <p:clrMapOvr>
     <a:masterClrMapping/>
   </p:clrMapOvr>
-  <mc:AlternateContent xmlns:mc="http://schemas.openxmlformats.org/markup-compatibility/2006" xmlns:p14="http://schemas.microsoft.com/office/powerpoint/2010/main">
-    <mc:Choice Requires="p14">
-      <p:transition spd="slow" p14:dur="2000"/>
-    </mc:Choice>
-    <mc:Fallback xmlns="">
-      <p:transition spd="slow"/>
-    </mc:Fallback>
-  </mc:AlternateContent>
   <p:timing>
     <p:tnLst>
       <p:par>
@@ -13514,11 +13413,11 @@
           <a:p>
             <a:pPr algn="ctr"/>
             <a:r>
-              <a:rPr lang="en-GB" sz="1100" dirty="0" smtClean="0"/>
+              <a:rPr lang="en-GB" sz="1100" dirty="0"/>
               <a:t>GCBASIC </a:t>
             </a:r>
             <a:r>
-              <a:rPr lang="en-GB" sz="1500" dirty="0" smtClean="0"/>
+              <a:rPr lang="en-GB" sz="1500" dirty="0"/>
               <a:t>Compiler</a:t>
             </a:r>
             <a:endParaRPr lang="en-GB" sz="1100" dirty="0"/>
@@ -13542,10 +13441,9 @@
           <a:p>
             <a:pPr algn="l"/>
             <a:r>
-              <a:rPr lang="en-GB" dirty="0" smtClean="0"/>
+              <a:rPr lang="en-GB" dirty="0"/>
               <a:t>GCBASIC Compiler</a:t>
             </a:r>
-            <a:endParaRPr lang="en-GB" dirty="0"/>
           </a:p>
         </p:txBody>
       </p:sp>
@@ -13558,7 +13456,7 @@
         <p:spPr>
           <a:xfrm>
             <a:off x="3563888" y="2643758"/>
-            <a:ext cx="3528392" cy="1393943"/>
+            <a:ext cx="3528392" cy="1655553"/>
           </a:xfrm>
           <a:prstGeom prst="rect">
             <a:avLst/>
@@ -13572,19 +13470,18 @@
           <a:lstStyle/>
           <a:p>
             <a:r>
-              <a:rPr lang="en-GB" dirty="0" smtClean="0"/>
-              <a:t>GCBASIC is an Open Source compiler for PIC and AVR microcontrollers</a:t>
-            </a:r>
-          </a:p>
-          <a:p>
-            <a:endParaRPr lang="en-GB" dirty="0" smtClean="0"/>
-          </a:p>
-          <a:p>
-            <a:r>
-              <a:rPr lang="en-GB" dirty="0" smtClean="0"/>
-              <a:t>GCBASIC now supports the 18FxxQ24 chip family</a:t>
-            </a:r>
+              <a:rPr lang="en-GB" dirty="0"/>
+              <a:t>GCBASIC is an Open Source compiler for PIC, AVR and LGT microcontrollers</a:t>
+            </a:r>
+          </a:p>
+          <a:p>
             <a:endParaRPr lang="en-GB" dirty="0"/>
+          </a:p>
+          <a:p>
+            <a:r>
+              <a:rPr lang="en-GB" dirty="0"/>
+              <a:t>GCBASIC now supports the 16F175xx chip family</a:t>
+            </a:r>
           </a:p>
         </p:txBody>
       </p:sp>
@@ -13593,11 +13490,11 @@
   <p:clrMapOvr>
     <a:masterClrMapping/>
   </p:clrMapOvr>
-  <mc:AlternateContent xmlns:mc="http://schemas.openxmlformats.org/markup-compatibility/2006" xmlns:p14="http://schemas.microsoft.com/office/powerpoint/2010/main">
-    <mc:Choice Requires="p14">
+  <mc:AlternateContent xmlns:mc="http://schemas.openxmlformats.org/markup-compatibility/2006">
+    <mc:Choice xmlns:p14="http://schemas.microsoft.com/office/powerpoint/2010/main" Requires="p14">
       <p:transition spd="slow" p14:dur="2000"/>
     </mc:Choice>
-    <mc:Fallback xmlns="">
+    <mc:Fallback>
       <p:transition spd="slow"/>
     </mc:Fallback>
   </mc:AlternateContent>
@@ -13614,14 +13511,6 @@
 <file path=ppt/slides/slide7.xml><?xml version="1.0" encoding="utf-8"?>
 <p:sld xmlns:a="http://schemas.openxmlformats.org/drawingml/2006/main" xmlns:r="http://schemas.openxmlformats.org/officeDocument/2006/relationships" xmlns:p="http://schemas.openxmlformats.org/presentationml/2006/main">
   <p:cSld>
-    <p:bg>
-      <p:bgPr>
-        <a:solidFill>
-          <a:schemeClr val="bg1"/>
-        </a:solidFill>
-        <a:effectLst/>
-      </p:bgPr>
-    </p:bg>
     <p:spTree>
       <p:nvGrpSpPr>
         <p:cNvPr id="1" name=""/>
@@ -13653,10 +13542,9 @@
           <a:p>
             <a:pPr algn="l"/>
             <a:r>
-              <a:rPr lang="en-GB" dirty="0" smtClean="0"/>
+              <a:rPr lang="en-GB" dirty="0"/>
               <a:t>Prerequisites </a:t>
             </a:r>
-            <a:endParaRPr lang="en-GB" dirty="0"/>
           </a:p>
         </p:txBody>
       </p:sp>
@@ -13681,82 +13569,57 @@
           <a:lstStyle/>
           <a:p>
             <a:r>
-              <a:rPr lang="en-GB" dirty="0" smtClean="0"/>
+              <a:rPr lang="en-GB" dirty="0"/>
               <a:t>Assumes you have </a:t>
             </a:r>
           </a:p>
           <a:p>
             <a:pPr marL="778521" lvl="1" indent="-478483"/>
             <a:r>
-              <a:rPr lang="en-GB" dirty="0" smtClean="0"/>
+              <a:rPr lang="en-GB" dirty="0"/>
               <a:t>Installed the GCBASIC software</a:t>
             </a:r>
           </a:p>
           <a:p>
             <a:pPr marL="778521" lvl="1" indent="-478483"/>
             <a:r>
-              <a:rPr lang="en-GB" dirty="0" smtClean="0"/>
+              <a:rPr lang="en-GB" dirty="0"/>
               <a:t>Installed your programmer software</a:t>
             </a:r>
           </a:p>
           <a:p>
             <a:pPr marL="778521" lvl="1" indent="-478483"/>
             <a:r>
-              <a:rPr lang="en-GB" dirty="0" smtClean="0"/>
-              <a:t>Test that you have the 18FxxQ24 attached</a:t>
+              <a:rPr lang="en-GB" dirty="0"/>
+              <a:t>Test that you have the 16F175xx attached</a:t>
             </a:r>
           </a:p>
           <a:p>
             <a:pPr marL="778521" lvl="1" indent="-478483"/>
             <a:r>
-              <a:rPr lang="en-GB" dirty="0" smtClean="0"/>
+              <a:rPr lang="en-GB" dirty="0"/>
+              <a:t>Switch attached</a:t>
+            </a:r>
+          </a:p>
+          <a:p>
+            <a:pPr marL="778521" lvl="1" indent="-478483"/>
+            <a:r>
+              <a:rPr lang="en-GB" dirty="0"/>
               <a:t>You have the 4 LEDs operating</a:t>
             </a:r>
           </a:p>
-          <a:p>
-            <a:pPr marL="778521" lvl="1" indent="-478483"/>
-            <a:r>
-              <a:rPr lang="en-GB" dirty="0" smtClean="0"/>
-              <a:t>You have a POT connected</a:t>
-            </a:r>
-          </a:p>
-          <a:p>
-            <a:pPr marL="778521" lvl="1" indent="-478483"/>
-            <a:r>
-              <a:rPr lang="en-GB" dirty="0" smtClean="0"/>
-              <a:t>You have </a:t>
-            </a:r>
-            <a:r>
-              <a:rPr lang="en-GB" dirty="0" err="1" smtClean="0"/>
-              <a:t>SWITCHes</a:t>
-            </a:r>
-            <a:r>
-              <a:rPr lang="en-GB" dirty="0" smtClean="0"/>
-              <a:t> connected</a:t>
-            </a:r>
-          </a:p>
-          <a:p>
-            <a:pPr marL="778521" lvl="1" indent="-478483"/>
-            <a:r>
-              <a:rPr lang="en-GB" dirty="0" smtClean="0"/>
-              <a:t>You have a USB/TTL converter</a:t>
-            </a:r>
-          </a:p>
         </p:txBody>
       </p:sp>
     </p:spTree>
+    <p:extLst>
+      <p:ext uri="{BB962C8B-B14F-4D97-AF65-F5344CB8AC3E}">
+        <p14:creationId xmlns:p14="http://schemas.microsoft.com/office/powerpoint/2010/main" val="1694456948"/>
+      </p:ext>
+    </p:extLst>
   </p:cSld>
   <p:clrMapOvr>
-    <a:overrideClrMapping bg1="lt1" tx1="dk1" bg2="lt2" tx2="dk2" accent1="accent1" accent2="accent2" accent3="accent3" accent4="accent4" accent5="accent5" accent6="accent6" hlink="hlink" folHlink="folHlink"/>
+    <a:masterClrMapping/>
   </p:clrMapOvr>
-  <mc:AlternateContent xmlns:mc="http://schemas.openxmlformats.org/markup-compatibility/2006" xmlns:p14="http://schemas.microsoft.com/office/powerpoint/2010/main">
-    <mc:Choice Requires="p14">
-      <p:transition spd="slow" p14:dur="2000"/>
-    </mc:Choice>
-    <mc:Fallback xmlns="">
-      <p:transition spd="slow"/>
-    </mc:Fallback>
-  </mc:AlternateContent>
   <p:timing>
     <p:tnLst>
       <p:par>
@@ -13799,96 +13662,276 @@
           <a:bodyPr/>
           <a:lstStyle/>
           <a:p>
-            <a:r>
-              <a:rPr lang="en-GB" dirty="0" smtClean="0"/>
-              <a:t>Power Domain – VDDIO2</a:t>
-            </a:r>
+            <a:pPr algn="l"/>
+            <a:r>
+              <a:rPr lang="en-GB" dirty="0"/>
+              <a:t>Hardware</a:t>
+            </a:r>
+          </a:p>
+        </p:txBody>
+      </p:sp>
+      <p:sp>
+        <p:nvSpPr>
+          <p:cNvPr id="3" name="Content Placeholder 2"/>
+          <p:cNvSpPr>
+            <a:spLocks noGrp="1"/>
+          </p:cNvSpPr>
+          <p:nvPr>
+            <p:ph idx="1"/>
+          </p:nvPr>
+        </p:nvSpPr>
+        <p:spPr/>
+        <p:txBody>
+          <a:bodyPr/>
+          <a:lstStyle/>
+          <a:p>
+            <a:r>
+              <a:rPr lang="en-GB" dirty="0"/>
+              <a:t>Prototype Board</a:t>
+            </a:r>
+          </a:p>
+          <a:p>
+            <a:r>
+              <a:rPr lang="en-GB" dirty="0"/>
+              <a:t>Power 5v0</a:t>
+            </a:r>
+          </a:p>
+          <a:p>
+            <a:r>
+              <a:rPr lang="en-GB" dirty="0"/>
+              <a:t>Programmer</a:t>
+            </a:r>
+          </a:p>
+          <a:p>
+            <a:r>
+              <a:rPr lang="en-GB" dirty="0"/>
+              <a:t>Switch</a:t>
+            </a:r>
+          </a:p>
+          <a:p>
+            <a:r>
+              <a:rPr lang="en-GB" dirty="0"/>
+              <a:t>LEDs &amp; resistors</a:t>
+            </a:r>
+          </a:p>
+          <a:p>
             <a:endParaRPr lang="en-GB" dirty="0"/>
           </a:p>
         </p:txBody>
       </p:sp>
-      <p:pic>
-        <p:nvPicPr>
-          <p:cNvPr id="4" name="Picture 2"/>
-          <p:cNvPicPr>
-            <a:picLocks noChangeAspect="1" noChangeArrowheads="1"/>
-          </p:cNvPicPr>
+      <p:sp>
+        <p:nvSpPr>
+          <p:cNvPr id="6" name="TextBox 5"/>
+          <p:cNvSpPr txBox="1"/>
           <p:nvPr/>
-        </p:nvPicPr>
-        <p:blipFill>
-          <a:blip r:embed="rId2">
-            <a:extLst>
-              <a:ext uri="{28A0092B-C50C-407E-A947-70E740481C1C}">
-                <a14:useLocalDpi xmlns:a14="http://schemas.microsoft.com/office/drawing/2010/main" val="0"/>
-              </a:ext>
-            </a:extLst>
-          </a:blip>
-          <a:srcRect/>
-          <a:stretch>
-            <a:fillRect/>
-          </a:stretch>
-        </p:blipFill>
-        <p:spPr bwMode="auto">
+        </p:nvSpPr>
+        <p:spPr>
           <a:xfrm>
-            <a:off x="1619672" y="987574"/>
-            <a:ext cx="4680520" cy="4086415"/>
+            <a:off x="2483768" y="1275606"/>
+            <a:ext cx="4320480" cy="3785652"/>
           </a:xfrm>
           <a:prstGeom prst="rect">
             <a:avLst/>
           </a:prstGeom>
-          <a:noFill/>
-          <a:ln>
-            <a:noFill/>
-          </a:ln>
-          <a:effectLst/>
-          <a:extLst>
-            <a:ext uri="{909E8E84-426E-40DD-AFC4-6F175D3DCCD1}">
-              <a14:hiddenFill xmlns:a14="http://schemas.microsoft.com/office/drawing/2010/main">
-                <a:solidFill>
-                  <a:schemeClr val="accent1"/>
-                </a:solidFill>
-              </a14:hiddenFill>
-            </a:ext>
-            <a:ext uri="{91240B29-F687-4F45-9708-019B960494DF}">
-              <a14:hiddenLine xmlns:a14="http://schemas.microsoft.com/office/drawing/2010/main" w="9525">
-                <a:solidFill>
-                  <a:schemeClr val="tx1"/>
-                </a:solidFill>
-                <a:miter lim="800000"/>
-                <a:headEnd/>
-                <a:tailEnd/>
-              </a14:hiddenLine>
-            </a:ext>
-            <a:ext uri="{AF507438-7753-43E0-B8FC-AC1667EBCBE1}">
-              <a14:hiddenEffects xmlns:a14="http://schemas.microsoft.com/office/drawing/2010/main">
-                <a:effectLst>
-                  <a:outerShdw dist="35921" dir="2700000" algn="ctr" rotWithShape="0">
-                    <a:schemeClr val="bg2"/>
-                  </a:outerShdw>
-                </a:effectLst>
-              </a14:hiddenEffects>
-            </a:ext>
-          </a:extLst>
+          <a:solidFill>
+            <a:schemeClr val="bg1"/>
+          </a:solidFill>
         </p:spPr>
-      </p:pic>
+        <p:txBody>
+          <a:bodyPr wrap="square" rtlCol="0">
+            <a:spAutoFit/>
+          </a:bodyPr>
+          <a:lstStyle/>
+          <a:p>
+            <a:r>
+              <a:rPr lang="en-GB" sz="1200" b="1" dirty="0">
+                <a:latin typeface="Courier New" panose="02070309020205020404" pitchFamily="49" charset="0"/>
+                <a:cs typeface="Courier New" panose="02070309020205020404" pitchFamily="49" charset="0"/>
+              </a:rPr>
+              <a:t>    Hardware</a:t>
+            </a:r>
+            <a:br>
+              <a:rPr lang="en-GB" sz="1200" b="1" dirty="0">
+                <a:latin typeface="Courier New" panose="02070309020205020404" pitchFamily="49" charset="0"/>
+                <a:cs typeface="Courier New" panose="02070309020205020404" pitchFamily="49" charset="0"/>
+              </a:rPr>
+            </a:br>
+            <a:r>
+              <a:rPr lang="en-GB" sz="1200" b="1" dirty="0">
+                <a:latin typeface="Courier New" panose="02070309020205020404" pitchFamily="49" charset="0"/>
+                <a:cs typeface="Courier New" panose="02070309020205020404" pitchFamily="49" charset="0"/>
+              </a:rPr>
+              <a:t>// -------------------PORTA----------------</a:t>
+            </a:r>
+          </a:p>
+          <a:p>
+            <a:r>
+              <a:rPr lang="en-GB" sz="1200" b="1" dirty="0">
+                <a:latin typeface="Courier New" panose="02070309020205020404" pitchFamily="49" charset="0"/>
+                <a:cs typeface="Courier New" panose="02070309020205020404" pitchFamily="49" charset="0"/>
+              </a:rPr>
+              <a:t>// Bit#:  -7---6---5---4---3---2---1---0---</a:t>
+            </a:r>
+          </a:p>
+          <a:p>
+            <a:r>
+              <a:rPr lang="en-GB" sz="1200" b="1" dirty="0">
+                <a:latin typeface="Courier New" panose="02070309020205020404" pitchFamily="49" charset="0"/>
+                <a:cs typeface="Courier New" panose="02070309020205020404" pitchFamily="49" charset="0"/>
+              </a:rPr>
+              <a:t>// IO:   ------------------SW----------ADC-</a:t>
+            </a:r>
+          </a:p>
+          <a:p>
+            <a:r>
+              <a:rPr lang="en-GB" sz="1200" b="1" dirty="0">
+                <a:latin typeface="Courier New" panose="02070309020205020404" pitchFamily="49" charset="0"/>
+                <a:cs typeface="Courier New" panose="02070309020205020404" pitchFamily="49" charset="0"/>
+              </a:rPr>
+              <a:t>//       ----------------------------------</a:t>
+            </a:r>
+          </a:p>
+          <a:p>
+            <a:endParaRPr lang="en-GB" sz="1200" b="1" dirty="0">
+              <a:latin typeface="Courier New" panose="02070309020205020404" pitchFamily="49" charset="0"/>
+              <a:cs typeface="Courier New" panose="02070309020205020404" pitchFamily="49" charset="0"/>
+            </a:endParaRPr>
+          </a:p>
+          <a:p>
+            <a:r>
+              <a:rPr lang="en-GB" sz="1200" b="1" dirty="0">
+                <a:latin typeface="Courier New" panose="02070309020205020404" pitchFamily="49" charset="0"/>
+                <a:cs typeface="Courier New" panose="02070309020205020404" pitchFamily="49" charset="0"/>
+              </a:rPr>
+              <a:t>// -------------------PORTB----------------</a:t>
+            </a:r>
+          </a:p>
+          <a:p>
+            <a:r>
+              <a:rPr lang="en-GB" sz="1200" b="1" dirty="0">
+                <a:latin typeface="Courier New" panose="02070309020205020404" pitchFamily="49" charset="0"/>
+                <a:cs typeface="Courier New" panose="02070309020205020404" pitchFamily="49" charset="0"/>
+              </a:rPr>
+              <a:t>// Bit#:  -7---6---5---4---3---2---1---0---</a:t>
+            </a:r>
+          </a:p>
+          <a:p>
+            <a:r>
+              <a:rPr lang="en-GB" sz="1200" b="1" dirty="0">
+                <a:latin typeface="Courier New" panose="02070309020205020404" pitchFamily="49" charset="0"/>
+                <a:cs typeface="Courier New" panose="02070309020205020404" pitchFamily="49" charset="0"/>
+              </a:rPr>
+              <a:t>// IO:    ---------------------------------</a:t>
+            </a:r>
+          </a:p>
+          <a:p>
+            <a:r>
+              <a:rPr lang="en-GB" sz="1200" b="1" dirty="0">
+                <a:latin typeface="Courier New" panose="02070309020205020404" pitchFamily="49" charset="0"/>
+                <a:cs typeface="Courier New" panose="02070309020205020404" pitchFamily="49" charset="0"/>
+              </a:rPr>
+              <a:t>//        ---------------------------------</a:t>
+            </a:r>
+          </a:p>
+          <a:p>
+            <a:endParaRPr lang="en-GB" sz="1200" b="1" dirty="0">
+              <a:latin typeface="Courier New" panose="02070309020205020404" pitchFamily="49" charset="0"/>
+              <a:cs typeface="Courier New" panose="02070309020205020404" pitchFamily="49" charset="0"/>
+            </a:endParaRPr>
+          </a:p>
+          <a:p>
+            <a:r>
+              <a:rPr lang="en-GB" sz="1200" b="1" dirty="0">
+                <a:latin typeface="Courier New" panose="02070309020205020404" pitchFamily="49" charset="0"/>
+                <a:cs typeface="Courier New" panose="02070309020205020404" pitchFamily="49" charset="0"/>
+              </a:rPr>
+              <a:t>// ------------------PORTC-----------------</a:t>
+            </a:r>
+          </a:p>
+          <a:p>
+            <a:r>
+              <a:rPr lang="en-GB" sz="1200" b="1" dirty="0">
+                <a:latin typeface="Courier New" panose="02070309020205020404" pitchFamily="49" charset="0"/>
+                <a:cs typeface="Courier New" panose="02070309020205020404" pitchFamily="49" charset="0"/>
+              </a:rPr>
+              <a:t>// Bit#:  -7---6---5---4---3---2---1---0---</a:t>
+            </a:r>
+          </a:p>
+          <a:p>
+            <a:r>
+              <a:rPr lang="en-GB" sz="1200" b="1" dirty="0">
+                <a:latin typeface="Courier New" panose="02070309020205020404" pitchFamily="49" charset="0"/>
+                <a:cs typeface="Courier New" panose="02070309020205020404" pitchFamily="49" charset="0"/>
+              </a:rPr>
+              <a:t>// IO:    ----------------LED-LED-LED-LED--</a:t>
+            </a:r>
+          </a:p>
+          <a:p>
+            <a:r>
+              <a:rPr lang="en-GB" sz="1200" b="1" dirty="0">
+                <a:latin typeface="Courier New" panose="02070309020205020404" pitchFamily="49" charset="0"/>
+                <a:cs typeface="Courier New" panose="02070309020205020404" pitchFamily="49" charset="0"/>
+              </a:rPr>
+              <a:t>//        ---------------------------------</a:t>
+            </a:r>
+          </a:p>
+          <a:p>
+            <a:r>
+              <a:rPr lang="en-GB" sz="1200" b="1" dirty="0">
+                <a:latin typeface="Courier New" panose="02070309020205020404" pitchFamily="49" charset="0"/>
+                <a:cs typeface="Courier New" panose="02070309020205020404" pitchFamily="49" charset="0"/>
+              </a:rPr>
+              <a:t>//</a:t>
+            </a:r>
+          </a:p>
+          <a:p>
+            <a:r>
+              <a:rPr lang="en-GB" sz="1200" b="1" dirty="0">
+                <a:latin typeface="Courier New" panose="02070309020205020404" pitchFamily="49" charset="0"/>
+                <a:cs typeface="Courier New" panose="02070309020205020404" pitchFamily="49" charset="0"/>
+              </a:rPr>
+              <a:t>// ------------------PORTE-----------------</a:t>
+            </a:r>
+          </a:p>
+          <a:p>
+            <a:r>
+              <a:rPr lang="en-GB" sz="1200" b="1" dirty="0">
+                <a:latin typeface="Courier New" panose="02070309020205020404" pitchFamily="49" charset="0"/>
+                <a:cs typeface="Courier New" panose="02070309020205020404" pitchFamily="49" charset="0"/>
+              </a:rPr>
+              <a:t>// Bit#:  -7---6---5---4---3---2---1---0---</a:t>
+            </a:r>
+          </a:p>
+          <a:p>
+            <a:r>
+              <a:rPr lang="en-GB" sz="1200" b="1" dirty="0">
+                <a:latin typeface="Courier New" panose="02070309020205020404" pitchFamily="49" charset="0"/>
+                <a:cs typeface="Courier New" panose="02070309020205020404" pitchFamily="49" charset="0"/>
+              </a:rPr>
+              <a:t>// IO:    ----------------MCLR-------------</a:t>
+            </a:r>
+          </a:p>
+          <a:p>
+            <a:r>
+              <a:rPr lang="en-GB" sz="1200" b="1" dirty="0">
+                <a:latin typeface="Courier New" panose="02070309020205020404" pitchFamily="49" charset="0"/>
+                <a:cs typeface="Courier New" panose="02070309020205020404" pitchFamily="49" charset="0"/>
+              </a:rPr>
+              <a:t>//        -----------------SW--------------</a:t>
+            </a:r>
+          </a:p>
+        </p:txBody>
+      </p:sp>
     </p:spTree>
     <p:extLst>
       <p:ext uri="{BB962C8B-B14F-4D97-AF65-F5344CB8AC3E}">
-        <p14:creationId xmlns:p14="http://schemas.microsoft.com/office/powerpoint/2010/main" val="1666153811"/>
+        <p14:creationId xmlns:p14="http://schemas.microsoft.com/office/powerpoint/2010/main" val="2393354494"/>
       </p:ext>
     </p:extLst>
   </p:cSld>
   <p:clrMapOvr>
     <a:masterClrMapping/>
   </p:clrMapOvr>
-  <mc:AlternateContent xmlns:mc="http://schemas.openxmlformats.org/markup-compatibility/2006" xmlns:p14="http://schemas.microsoft.com/office/powerpoint/2010/main">
-    <mc:Choice Requires="p14">
-      <p:transition spd="slow" p14:dur="2000"/>
-    </mc:Choice>
-    <mc:Fallback xmlns="">
-      <p:transition spd="slow"/>
-    </mc:Fallback>
-  </mc:AlternateContent>
   <p:timing>
     <p:tnLst>
       <p:par>
@@ -13933,16 +13976,15 @@
           <a:p>
             <a:pPr algn="l"/>
             <a:r>
-              <a:rPr lang="en-GB" dirty="0" smtClean="0"/>
-              <a:t>Hardware</a:t>
-            </a:r>
-            <a:endParaRPr lang="en-GB" dirty="0"/>
-          </a:p>
-        </p:txBody>
-      </p:sp>
-      <p:sp>
-        <p:nvSpPr>
-          <p:cNvPr id="3" name="Content Placeholder 2"/>
+              <a:rPr lang="en-GB" dirty="0"/>
+              <a:t>Millis()</a:t>
+            </a:r>
+          </a:p>
+        </p:txBody>
+      </p:sp>
+      <p:sp>
+        <p:nvSpPr>
+          <p:cNvPr id="6" name="Content Placeholder 5"/>
           <p:cNvSpPr>
             <a:spLocks noGrp="1"/>
           </p:cNvSpPr>
@@ -13950,338 +13992,195 @@
             <p:ph idx="1"/>
           </p:nvPr>
         </p:nvSpPr>
-        <p:spPr/>
-        <p:txBody>
-          <a:bodyPr/>
-          <a:lstStyle/>
-          <a:p>
-            <a:r>
-              <a:rPr lang="en-GB" dirty="0" smtClean="0"/>
-              <a:t>Prototype Board</a:t>
-            </a:r>
-            <a:endParaRPr lang="en-GB" dirty="0"/>
-          </a:p>
-          <a:p>
-            <a:r>
-              <a:rPr lang="en-GB" dirty="0" smtClean="0"/>
-              <a:t>Power 5v0</a:t>
-            </a:r>
-          </a:p>
-          <a:p>
-            <a:r>
-              <a:rPr lang="en-GB" dirty="0" smtClean="0"/>
-              <a:t>Programmer</a:t>
-            </a:r>
-          </a:p>
-          <a:p>
-            <a:r>
-              <a:rPr lang="en-GB" dirty="0" smtClean="0"/>
-              <a:t>LEDs &amp; resistors</a:t>
-            </a:r>
-          </a:p>
-          <a:p>
-            <a:r>
-              <a:rPr lang="en-GB" dirty="0" smtClean="0"/>
-              <a:t>Switches &amp; resistors</a:t>
-            </a:r>
-          </a:p>
-          <a:p>
-            <a:r>
-              <a:rPr lang="en-GB" dirty="0" smtClean="0"/>
-              <a:t>SPI device and circuit</a:t>
-            </a:r>
-          </a:p>
-          <a:p>
-            <a:endParaRPr lang="en-GB" dirty="0"/>
-          </a:p>
-        </p:txBody>
-      </p:sp>
-      <p:sp>
-        <p:nvSpPr>
-          <p:cNvPr id="5" name="TextBox 4"/>
-          <p:cNvSpPr txBox="1"/>
-          <p:nvPr/>
-        </p:nvSpPr>
         <p:spPr>
           <a:xfrm>
-            <a:off x="2843808" y="1295349"/>
-            <a:ext cx="4356653" cy="3508649"/>
+            <a:off x="539552" y="1563638"/>
+            <a:ext cx="7416824" cy="3456384"/>
           </a:xfrm>
-          <a:prstGeom prst="rect">
-            <a:avLst/>
-          </a:prstGeom>
           <a:solidFill>
             <a:schemeClr val="bg1"/>
           </a:solidFill>
         </p:spPr>
         <p:txBody>
-          <a:bodyPr wrap="square" lIns="121917" tIns="60958" rIns="121917" bIns="60958" rtlCol="0">
-            <a:spAutoFit/>
+          <a:bodyPr vert="horz" lIns="85064" tIns="42531" rIns="85064" bIns="42531" rtlCol="0">
+            <a:noAutofit/>
           </a:bodyPr>
           <a:lstStyle/>
           <a:p>
-            <a:r>
-              <a:rPr lang="en-GB" sz="1100" dirty="0">
-                <a:latin typeface="Courier New" panose="02070309020205020404" pitchFamily="49" charset="0"/>
-                <a:cs typeface="Courier New" panose="02070309020205020404" pitchFamily="49" charset="0"/>
-              </a:rPr>
-              <a:t>    Hardware</a:t>
-            </a:r>
-          </a:p>
-          <a:p>
-            <a:r>
-              <a:rPr lang="en-GB" sz="1100" dirty="0">
-                <a:latin typeface="Courier New" panose="02070309020205020404" pitchFamily="49" charset="0"/>
-                <a:cs typeface="Courier New" panose="02070309020205020404" pitchFamily="49" charset="0"/>
-              </a:rPr>
-              <a:t>    -------------------PORTA----------------</a:t>
-            </a:r>
-          </a:p>
-          <a:p>
-            <a:r>
-              <a:rPr lang="en-GB" sz="1100" dirty="0">
-                <a:latin typeface="Courier New" panose="02070309020205020404" pitchFamily="49" charset="0"/>
-                <a:cs typeface="Courier New" panose="02070309020205020404" pitchFamily="49" charset="0"/>
-              </a:rPr>
-              <a:t>    Bit#:  -7---6---5---4---3---2---1---0---</a:t>
-            </a:r>
-          </a:p>
-          <a:p>
-            <a:r>
-              <a:rPr lang="en-GB" sz="1100" dirty="0">
-                <a:latin typeface="Courier New" panose="02070309020205020404" pitchFamily="49" charset="0"/>
-                <a:cs typeface="Courier New" panose="02070309020205020404" pitchFamily="49" charset="0"/>
-              </a:rPr>
-              <a:t>    IO:    ----------------</a:t>
-            </a:r>
-            <a:r>
-              <a:rPr lang="en-GB" sz="1100" b="1" dirty="0">
-                <a:latin typeface="Courier New" panose="02070309020205020404" pitchFamily="49" charset="0"/>
-                <a:cs typeface="Courier New" panose="02070309020205020404" pitchFamily="49" charset="0"/>
-              </a:rPr>
-              <a:t>SW</a:t>
-            </a:r>
-            <a:r>
-              <a:rPr lang="en-GB" sz="1100" dirty="0">
-                <a:latin typeface="Courier New" panose="02070309020205020404" pitchFamily="49" charset="0"/>
-                <a:cs typeface="Courier New" panose="02070309020205020404" pitchFamily="49" charset="0"/>
-              </a:rPr>
-              <a:t>----------ADC-- </a:t>
-            </a:r>
-          </a:p>
-          <a:p>
-            <a:r>
-              <a:rPr lang="en-GB" sz="1100" dirty="0">
-                <a:latin typeface="Courier New" panose="02070309020205020404" pitchFamily="49" charset="0"/>
-                <a:cs typeface="Courier New" panose="02070309020205020404" pitchFamily="49" charset="0"/>
-              </a:rPr>
-              <a:t>    ----------------------------------------</a:t>
-            </a:r>
-          </a:p>
-          <a:p>
-            <a:r>
-              <a:rPr lang="en-GB" sz="1100" dirty="0">
-                <a:latin typeface="Courier New" panose="02070309020205020404" pitchFamily="49" charset="0"/>
-                <a:cs typeface="Courier New" panose="02070309020205020404" pitchFamily="49" charset="0"/>
-              </a:rPr>
-              <a:t/>
-            </a:r>
-            <a:br>
-              <a:rPr lang="en-GB" sz="1100" dirty="0">
-                <a:latin typeface="Courier New" panose="02070309020205020404" pitchFamily="49" charset="0"/>
-                <a:cs typeface="Courier New" panose="02070309020205020404" pitchFamily="49" charset="0"/>
-              </a:rPr>
-            </a:br>
-            <a:r>
-              <a:rPr lang="en-GB" sz="1100" dirty="0">
-                <a:latin typeface="Courier New" panose="02070309020205020404" pitchFamily="49" charset="0"/>
-                <a:cs typeface="Courier New" panose="02070309020205020404" pitchFamily="49" charset="0"/>
-              </a:rPr>
-              <a:t>    -------------------PORTB----------------</a:t>
-            </a:r>
-          </a:p>
-          <a:p>
-            <a:r>
-              <a:rPr lang="en-GB" sz="1100" dirty="0">
-                <a:latin typeface="Courier New" panose="02070309020205020404" pitchFamily="49" charset="0"/>
-                <a:cs typeface="Courier New" panose="02070309020205020404" pitchFamily="49" charset="0"/>
-              </a:rPr>
-              <a:t>    Bit#:  -7---6---5---4---3---2---1---0---</a:t>
-            </a:r>
-          </a:p>
-          <a:p>
-            <a:r>
-              <a:rPr lang="en-GB" sz="1100" dirty="0">
-                <a:latin typeface="Courier New" panose="02070309020205020404" pitchFamily="49" charset="0"/>
-                <a:cs typeface="Courier New" panose="02070309020205020404" pitchFamily="49" charset="0"/>
-              </a:rPr>
-              <a:t>    IO:    ----------------</a:t>
-            </a:r>
-            <a:r>
-              <a:rPr lang="en-GB" sz="1100" b="1" dirty="0">
-                <a:latin typeface="Courier New" panose="02070309020205020404" pitchFamily="49" charset="0"/>
-                <a:cs typeface="Courier New" panose="02070309020205020404" pitchFamily="49" charset="0"/>
-              </a:rPr>
-              <a:t>LED-LED-LED-LED</a:t>
-            </a:r>
-            <a:r>
-              <a:rPr lang="en-GB" sz="1100" dirty="0">
-                <a:latin typeface="Courier New" panose="02070309020205020404" pitchFamily="49" charset="0"/>
-                <a:cs typeface="Courier New" panose="02070309020205020404" pitchFamily="49" charset="0"/>
-              </a:rPr>
-              <a:t>--</a:t>
-            </a:r>
-          </a:p>
-          <a:p>
-            <a:r>
-              <a:rPr lang="en-GB" sz="1100" dirty="0">
-                <a:latin typeface="Courier New" panose="02070309020205020404" pitchFamily="49" charset="0"/>
-                <a:cs typeface="Courier New" panose="02070309020205020404" pitchFamily="49" charset="0"/>
-              </a:rPr>
-              <a:t>    ----------------------------------------</a:t>
-            </a:r>
-          </a:p>
-          <a:p>
-            <a:r>
-              <a:rPr lang="en-GB" sz="1100" dirty="0">
-                <a:latin typeface="Courier New" panose="02070309020205020404" pitchFamily="49" charset="0"/>
-                <a:cs typeface="Courier New" panose="02070309020205020404" pitchFamily="49" charset="0"/>
-              </a:rPr>
-              <a:t>    </a:t>
-            </a:r>
-          </a:p>
-          <a:p>
-            <a:r>
-              <a:rPr lang="en-GB" sz="1100" dirty="0">
-                <a:latin typeface="Courier New" panose="02070309020205020404" pitchFamily="49" charset="0"/>
-                <a:cs typeface="Courier New" panose="02070309020205020404" pitchFamily="49" charset="0"/>
-              </a:rPr>
-              <a:t>    ------------------PORTC-----------------</a:t>
-            </a:r>
-          </a:p>
-          <a:p>
-            <a:r>
-              <a:rPr lang="en-GB" sz="1100" dirty="0">
-                <a:latin typeface="Courier New" panose="02070309020205020404" pitchFamily="49" charset="0"/>
-                <a:cs typeface="Courier New" panose="02070309020205020404" pitchFamily="49" charset="0"/>
-              </a:rPr>
-              <a:t>    Bit#:  -X---6---5---4---3---2---1---0---</a:t>
-            </a:r>
-          </a:p>
-          <a:p>
-            <a:r>
-              <a:rPr lang="en-GB" sz="1100" dirty="0">
-                <a:latin typeface="Courier New" panose="02070309020205020404" pitchFamily="49" charset="0"/>
-                <a:cs typeface="Courier New" panose="02070309020205020404" pitchFamily="49" charset="0"/>
-              </a:rPr>
-              <a:t>    IO:    -</a:t>
-            </a:r>
-            <a:r>
-              <a:rPr lang="en-GB" sz="1100" b="1" dirty="0">
-                <a:latin typeface="Courier New" panose="02070309020205020404" pitchFamily="49" charset="0"/>
-                <a:cs typeface="Courier New" panose="02070309020205020404" pitchFamily="49" charset="0"/>
-              </a:rPr>
-              <a:t>^</a:t>
-            </a:r>
-            <a:r>
-              <a:rPr lang="en-GB" sz="1100" dirty="0">
-                <a:latin typeface="Courier New" panose="02070309020205020404" pitchFamily="49" charset="0"/>
-                <a:cs typeface="Courier New" panose="02070309020205020404" pitchFamily="49" charset="0"/>
-              </a:rPr>
-              <a:t>--</a:t>
-            </a:r>
-            <a:r>
-              <a:rPr lang="en-GB" sz="1100" b="1" dirty="0">
-                <a:latin typeface="Courier New" panose="02070309020205020404" pitchFamily="49" charset="0"/>
-                <a:cs typeface="Courier New" panose="02070309020205020404" pitchFamily="49" charset="0"/>
-              </a:rPr>
-              <a:t>TX</a:t>
-            </a:r>
-            <a:r>
-              <a:rPr lang="en-GB" sz="1100" dirty="0">
-                <a:latin typeface="Courier New" panose="02070309020205020404" pitchFamily="49" charset="0"/>
-                <a:cs typeface="Courier New" panose="02070309020205020404" pitchFamily="49" charset="0"/>
-              </a:rPr>
-              <a:t>-</a:t>
-            </a:r>
-            <a:r>
-              <a:rPr lang="en-GB" sz="1100" dirty="0" smtClean="0">
-                <a:latin typeface="Courier New" panose="02070309020205020404" pitchFamily="49" charset="0"/>
-                <a:cs typeface="Courier New" panose="02070309020205020404" pitchFamily="49" charset="0"/>
-              </a:rPr>
-              <a:t>--------------------------</a:t>
-            </a:r>
-            <a:endParaRPr lang="en-GB" sz="1100" dirty="0">
-              <a:latin typeface="Courier New" panose="02070309020205020404" pitchFamily="49" charset="0"/>
-              <a:cs typeface="Courier New" panose="02070309020205020404" pitchFamily="49" charset="0"/>
-            </a:endParaRPr>
-          </a:p>
-          <a:p>
-            <a:r>
-              <a:rPr lang="en-GB" sz="1100" dirty="0">
-                <a:latin typeface="Courier New" panose="02070309020205020404" pitchFamily="49" charset="0"/>
-                <a:cs typeface="Courier New" panose="02070309020205020404" pitchFamily="49" charset="0"/>
-              </a:rPr>
-              <a:t>    -----</a:t>
-            </a:r>
-            <a:r>
-              <a:rPr lang="en-GB" sz="1100" b="1" dirty="0">
-                <a:latin typeface="Courier New" panose="02070309020205020404" pitchFamily="49" charset="0"/>
-                <a:cs typeface="Courier New" panose="02070309020205020404" pitchFamily="49" charset="0"/>
-              </a:rPr>
-              <a:t>VDDIO2</a:t>
-            </a:r>
-            <a:r>
-              <a:rPr lang="en-GB" sz="1100" dirty="0">
-                <a:latin typeface="Courier New" panose="02070309020205020404" pitchFamily="49" charset="0"/>
-                <a:cs typeface="Courier New" panose="02070309020205020404" pitchFamily="49" charset="0"/>
-              </a:rPr>
-              <a:t>----------------------------- </a:t>
-            </a:r>
-          </a:p>
-          <a:p>
-            <a:r>
-              <a:rPr lang="en-GB" sz="1100" dirty="0">
-                <a:latin typeface="Courier New" panose="02070309020205020404" pitchFamily="49" charset="0"/>
-                <a:cs typeface="Courier New" panose="02070309020205020404" pitchFamily="49" charset="0"/>
-              </a:rPr>
-              <a:t>    You must apply correct Voltage</a:t>
-            </a:r>
-          </a:p>
-          <a:p>
-            <a:r>
-              <a:rPr lang="en-GB" sz="1100" dirty="0">
-                <a:latin typeface="Courier New" panose="02070309020205020404" pitchFamily="49" charset="0"/>
-                <a:cs typeface="Courier New" panose="02070309020205020404" pitchFamily="49" charset="0"/>
-              </a:rPr>
-              <a:t>   </a:t>
-            </a:r>
-          </a:p>
-          <a:p>
-            <a:r>
-              <a:rPr lang="en-GB" sz="1100" dirty="0">
-                <a:latin typeface="Courier New" panose="02070309020205020404" pitchFamily="49" charset="0"/>
-                <a:cs typeface="Courier New" panose="02070309020205020404" pitchFamily="49" charset="0"/>
-              </a:rPr>
-              <a:t>    ------------------PORTE-----------------</a:t>
-            </a:r>
-          </a:p>
-          <a:p>
-            <a:r>
-              <a:rPr lang="en-GB" sz="1100" dirty="0">
-                <a:latin typeface="Courier New" panose="02070309020205020404" pitchFamily="49" charset="0"/>
-                <a:cs typeface="Courier New" panose="02070309020205020404" pitchFamily="49" charset="0"/>
-              </a:rPr>
-              <a:t>    Bit#:  -----------------3---------------</a:t>
-            </a:r>
-          </a:p>
-          <a:p>
-            <a:r>
-              <a:rPr lang="en-GB" sz="1100" dirty="0">
-                <a:latin typeface="Courier New" panose="02070309020205020404" pitchFamily="49" charset="0"/>
-                <a:cs typeface="Courier New" panose="02070309020205020404" pitchFamily="49" charset="0"/>
-              </a:rPr>
-              <a:t>    IO:    ----------------SW---------------</a:t>
+            <a:pPr marL="266700" indent="-174625" defTabSz="898525">
+              <a:spcBef>
+                <a:spcPts val="0"/>
+              </a:spcBef>
+            </a:pPr>
+            <a:r>
+              <a:rPr lang="en-GB" sz="1600" dirty="0"/>
+              <a:t>Returns milliseconds since program start/reset</a:t>
+            </a:r>
+          </a:p>
+          <a:p>
+            <a:pPr marL="566738" lvl="1" indent="-174625" defTabSz="898525">
+              <a:spcBef>
+                <a:spcPts val="0"/>
+              </a:spcBef>
+            </a:pPr>
+            <a:r>
+              <a:rPr lang="en-GB" sz="1100" dirty="0"/>
+              <a:t>like </a:t>
+            </a:r>
+            <a:r>
+              <a:rPr lang="en-GB" sz="1100" dirty="0" err="1"/>
+              <a:t>Arduino's</a:t>
+            </a:r>
+            <a:r>
+              <a:rPr lang="en-GB" sz="1100" dirty="0"/>
+              <a:t> timing for GCBASIC</a:t>
+            </a:r>
+          </a:p>
+          <a:p>
+            <a:pPr marL="566738" lvl="1" indent="-174625" defTabSz="898525">
+              <a:spcBef>
+                <a:spcPts val="0"/>
+              </a:spcBef>
+            </a:pPr>
+            <a:endParaRPr lang="en-GB" sz="1100" dirty="0"/>
+          </a:p>
+          <a:p>
+            <a:pPr marL="266700" indent="-174625" defTabSz="898525">
+              <a:spcBef>
+                <a:spcPts val="0"/>
+              </a:spcBef>
+            </a:pPr>
+            <a:r>
+              <a:rPr lang="en-GB" sz="1600" dirty="0"/>
+              <a:t>Key Benefit</a:t>
+            </a:r>
+          </a:p>
+          <a:p>
+            <a:pPr marL="566738" lvl="1" indent="-174625" defTabSz="898525">
+              <a:spcBef>
+                <a:spcPts val="0"/>
+              </a:spcBef>
+            </a:pPr>
+            <a:r>
+              <a:rPr lang="en-GB" sz="1100" dirty="0"/>
+              <a:t>Non-blocking delays for multitasking</a:t>
+            </a:r>
+          </a:p>
+          <a:p>
+            <a:pPr marL="566738" lvl="1" indent="-174625" defTabSz="898525">
+              <a:spcBef>
+                <a:spcPts val="0"/>
+              </a:spcBef>
+            </a:pPr>
+            <a:r>
+              <a:rPr lang="en-GB" sz="1100" dirty="0"/>
+              <a:t>no code halts</a:t>
+            </a:r>
+          </a:p>
+          <a:p>
+            <a:pPr marL="566738" lvl="1" indent="-174625" defTabSz="898525">
+              <a:spcBef>
+                <a:spcPts val="0"/>
+              </a:spcBef>
+            </a:pPr>
+            <a:r>
+              <a:rPr lang="en-GB" sz="1100" dirty="0"/>
+              <a:t>unlike </a:t>
+            </a:r>
+            <a:r>
+              <a:rPr lang="en-GB" sz="1100" dirty="0" err="1"/>
+              <a:t>DelayMS</a:t>
+            </a:r>
+            <a:endParaRPr lang="en-GB" sz="1100" dirty="0"/>
+          </a:p>
+          <a:p>
+            <a:pPr marL="566738" lvl="1" indent="-174625" defTabSz="898525">
+              <a:spcBef>
+                <a:spcPts val="0"/>
+              </a:spcBef>
+            </a:pPr>
+            <a:endParaRPr lang="en-GB" sz="1100" dirty="0"/>
+          </a:p>
+          <a:p>
+            <a:pPr marL="266700" indent="-174625" defTabSz="898525">
+              <a:spcBef>
+                <a:spcPts val="0"/>
+              </a:spcBef>
+            </a:pPr>
+            <a:r>
+              <a:rPr lang="en-GB" sz="1600" dirty="0"/>
+              <a:t>Return Type</a:t>
+            </a:r>
+          </a:p>
+          <a:p>
+            <a:pPr marL="566738" lvl="1" indent="-174625" defTabSz="898525">
+              <a:spcBef>
+                <a:spcPts val="0"/>
+              </a:spcBef>
+            </a:pPr>
+            <a:r>
+              <a:rPr lang="en-GB" sz="1100" dirty="0"/>
+              <a:t>32-bit unsigned long (0–4.3B </a:t>
+            </a:r>
+            <a:r>
+              <a:rPr lang="en-GB" sz="1100" dirty="0" err="1"/>
+              <a:t>ms</a:t>
+            </a:r>
+            <a:r>
+              <a:rPr lang="en-GB" sz="1100" dirty="0"/>
+              <a:t>)</a:t>
+            </a:r>
+          </a:p>
+          <a:p>
+            <a:pPr marL="566738" lvl="1" indent="-174625" defTabSz="898525">
+              <a:spcBef>
+                <a:spcPts val="0"/>
+              </a:spcBef>
+            </a:pPr>
+            <a:r>
+              <a:rPr lang="en-GB" sz="1100" dirty="0"/>
+              <a:t>1ms precision via timers</a:t>
+            </a:r>
+          </a:p>
+          <a:p>
+            <a:pPr marL="566738" lvl="1" indent="-174625" defTabSz="898525">
+              <a:spcBef>
+                <a:spcPts val="0"/>
+              </a:spcBef>
+            </a:pPr>
+            <a:endParaRPr lang="en-GB" sz="1100" dirty="0"/>
+          </a:p>
+          <a:p>
+            <a:pPr marL="266700" indent="-174625" defTabSz="898525">
+              <a:spcBef>
+                <a:spcPts val="0"/>
+              </a:spcBef>
+            </a:pPr>
+            <a:r>
+              <a:rPr lang="en-GB" sz="1600" dirty="0"/>
+              <a:t>Time Limit</a:t>
+            </a:r>
+          </a:p>
+          <a:p>
+            <a:pPr marL="566738" lvl="1" indent="-174625" defTabSz="898525">
+              <a:spcBef>
+                <a:spcPts val="0"/>
+              </a:spcBef>
+            </a:pPr>
+            <a:r>
+              <a:rPr lang="en-GB" sz="1100" dirty="0"/>
+              <a:t>~49.7 days before overflow</a:t>
+            </a:r>
+          </a:p>
+          <a:p>
+            <a:pPr marL="566738" lvl="1" indent="-174625" defTabSz="898525">
+              <a:spcBef>
+                <a:spcPts val="0"/>
+              </a:spcBef>
+            </a:pPr>
+            <a:r>
+              <a:rPr lang="en-GB" sz="1100" dirty="0"/>
+              <a:t>Resets on power cycle.</a:t>
             </a:r>
           </a:p>
         </p:txBody>
@@ -14289,7 +14188,7 @@
     </p:spTree>
     <p:extLst>
       <p:ext uri="{BB962C8B-B14F-4D97-AF65-F5344CB8AC3E}">
-        <p14:creationId xmlns:p14="http://schemas.microsoft.com/office/powerpoint/2010/main" val="3213168251"/>
+        <p14:creationId xmlns:p14="http://schemas.microsoft.com/office/powerpoint/2010/main" val="3780033866"/>
       </p:ext>
     </p:extLst>
   </p:cSld>
@@ -14298,10 +14197,10 @@
   </p:clrMapOvr>
   <mc:AlternateContent xmlns:mc="http://schemas.openxmlformats.org/markup-compatibility/2006" xmlns:p14="http://schemas.microsoft.com/office/powerpoint/2010/main">
     <mc:Choice Requires="p14">
-      <p:transition spd="slow" p14:dur="2000"/>
+      <p:transition spd="slow" p14:dur="2000" advClick="0"/>
     </mc:Choice>
     <mc:Fallback xmlns="">
-      <p:transition spd="slow"/>
+      <p:transition spd="slow" advClick="0"/>
     </mc:Fallback>
   </mc:AlternateContent>
   <p:timing>
@@ -14505,7 +14404,7 @@
   <a:extraClrSchemeLst/>
   <a:extLst>
     <a:ext uri="{05A4C25C-085E-4340-85A3-A5531E510DB2}">
-      <thm15:themeFamily xmlns="" xmlns:thm15="http://schemas.microsoft.com/office/thememl/2012/main" name="GCstudioThemeLight" id="{4C740F94-33C0-4EEC-9234-F56C348A0987}" vid="{A43F8B96-90D8-489D-B80F-92F9D6F351CC}"/>
+      <thm15:themeFamily xmlns:thm15="http://schemas.microsoft.com/office/thememl/2012/main" xmlns="" name="GCstudioThemeLight" id="{4C740F94-33C0-4EEC-9234-F56C348A0987}" vid="{A43F8B96-90D8-489D-B80F-92F9D6F351CC}"/>
     </a:ext>
   </a:extLst>
 </a:theme>
@@ -15075,47 +14974,4 @@
   <a:objectDefaults/>
   <a:extraClrSchemeLst/>
 </a:theme>
-</file>
-
-<file path=ppt/theme/themeOverride1.xml><?xml version="1.0" encoding="utf-8"?>
-<a:themeOverride xmlns:a="http://schemas.openxmlformats.org/drawingml/2006/main">
-  <a:clrScheme name="Blue">
-    <a:dk1>
-      <a:sysClr val="windowText" lastClr="000000"/>
-    </a:dk1>
-    <a:lt1>
-      <a:sysClr val="window" lastClr="FFFFFF"/>
-    </a:lt1>
-    <a:dk2>
-      <a:srgbClr val="17406D"/>
-    </a:dk2>
-    <a:lt2>
-      <a:srgbClr val="DBEFF9"/>
-    </a:lt2>
-    <a:accent1>
-      <a:srgbClr val="0F6FC6"/>
-    </a:accent1>
-    <a:accent2>
-      <a:srgbClr val="009DD9"/>
-    </a:accent2>
-    <a:accent3>
-      <a:srgbClr val="0BD0D9"/>
-    </a:accent3>
-    <a:accent4>
-      <a:srgbClr val="10CF9B"/>
-    </a:accent4>
-    <a:accent5>
-      <a:srgbClr val="7CCA62"/>
-    </a:accent5>
-    <a:accent6>
-      <a:srgbClr val="A5C249"/>
-    </a:accent6>
-    <a:hlink>
-      <a:srgbClr val="F49100"/>
-    </a:hlink>
-    <a:folHlink>
-      <a:srgbClr val="85DFD0"/>
-    </a:folHlink>
-  </a:clrScheme>
-</a:themeOverride>
 </file>